--- a/doc/Lambda-Segen-oder-Fluch.pptx
+++ b/doc/Lambda-Segen-oder-Fluch.pptx
@@ -6,25 +6,27 @@
     <p:sldMasterId id="2147483677" r:id="rId2"/>
   </p:sldMasterIdLst>
   <p:notesMasterIdLst>
-    <p:notesMasterId r:id="rId7"/>
+    <p:notesMasterId r:id="rId9"/>
   </p:notesMasterIdLst>
   <p:handoutMasterIdLst>
-    <p:handoutMasterId r:id="rId8"/>
+    <p:handoutMasterId r:id="rId10"/>
   </p:handoutMasterIdLst>
   <p:sldIdLst>
     <p:sldId id="256" r:id="rId3"/>
     <p:sldId id="257" r:id="rId4"/>
     <p:sldId id="260" r:id="rId5"/>
-    <p:sldId id="262" r:id="rId6"/>
+    <p:sldId id="263" r:id="rId6"/>
+    <p:sldId id="264" r:id="rId7"/>
+    <p:sldId id="265" r:id="rId8"/>
   </p:sldIdLst>
-  <p:sldSz cx="9906000" cy="6858000" type="A4"/>
+  <p:sldSz cx="9144000" cy="5143500" type="screen16x9"/>
   <p:notesSz cx="6808788" cy="9939338"/>
   <p:defaultTextStyle>
     <a:defPPr>
       <a:defRPr lang="de-DE"/>
     </a:defPPr>
-    <a:lvl1pPr marL="0" algn="l" defTabSz="914400" rtl="0" eaLnBrk="1" latinLnBrk="0" hangingPunct="1">
-      <a:defRPr sz="1800" kern="1200">
+    <a:lvl1pPr marL="0" algn="l" defTabSz="779252" rtl="0" eaLnBrk="1" latinLnBrk="0" hangingPunct="1">
+      <a:defRPr sz="1500" kern="1200">
         <a:solidFill>
           <a:schemeClr val="tx1"/>
         </a:solidFill>
@@ -33,8 +35,8 @@
         <a:cs typeface="+mn-cs"/>
       </a:defRPr>
     </a:lvl1pPr>
-    <a:lvl2pPr marL="457200" algn="l" defTabSz="914400" rtl="0" eaLnBrk="1" latinLnBrk="0" hangingPunct="1">
-      <a:defRPr sz="1800" kern="1200">
+    <a:lvl2pPr marL="389626" algn="l" defTabSz="779252" rtl="0" eaLnBrk="1" latinLnBrk="0" hangingPunct="1">
+      <a:defRPr sz="1500" kern="1200">
         <a:solidFill>
           <a:schemeClr val="tx1"/>
         </a:solidFill>
@@ -43,8 +45,8 @@
         <a:cs typeface="+mn-cs"/>
       </a:defRPr>
     </a:lvl2pPr>
-    <a:lvl3pPr marL="914400" algn="l" defTabSz="914400" rtl="0" eaLnBrk="1" latinLnBrk="0" hangingPunct="1">
-      <a:defRPr sz="1800" kern="1200">
+    <a:lvl3pPr marL="779252" algn="l" defTabSz="779252" rtl="0" eaLnBrk="1" latinLnBrk="0" hangingPunct="1">
+      <a:defRPr sz="1500" kern="1200">
         <a:solidFill>
           <a:schemeClr val="tx1"/>
         </a:solidFill>
@@ -53,8 +55,8 @@
         <a:cs typeface="+mn-cs"/>
       </a:defRPr>
     </a:lvl3pPr>
-    <a:lvl4pPr marL="1371600" algn="l" defTabSz="914400" rtl="0" eaLnBrk="1" latinLnBrk="0" hangingPunct="1">
-      <a:defRPr sz="1800" kern="1200">
+    <a:lvl4pPr marL="1168878" algn="l" defTabSz="779252" rtl="0" eaLnBrk="1" latinLnBrk="0" hangingPunct="1">
+      <a:defRPr sz="1500" kern="1200">
         <a:solidFill>
           <a:schemeClr val="tx1"/>
         </a:solidFill>
@@ -63,8 +65,8 @@
         <a:cs typeface="+mn-cs"/>
       </a:defRPr>
     </a:lvl4pPr>
-    <a:lvl5pPr marL="1828800" algn="l" defTabSz="914400" rtl="0" eaLnBrk="1" latinLnBrk="0" hangingPunct="1">
-      <a:defRPr sz="1800" kern="1200">
+    <a:lvl5pPr marL="1558503" algn="l" defTabSz="779252" rtl="0" eaLnBrk="1" latinLnBrk="0" hangingPunct="1">
+      <a:defRPr sz="1500" kern="1200">
         <a:solidFill>
           <a:schemeClr val="tx1"/>
         </a:solidFill>
@@ -73,8 +75,8 @@
         <a:cs typeface="+mn-cs"/>
       </a:defRPr>
     </a:lvl5pPr>
-    <a:lvl6pPr marL="2286000" algn="l" defTabSz="914400" rtl="0" eaLnBrk="1" latinLnBrk="0" hangingPunct="1">
-      <a:defRPr sz="1800" kern="1200">
+    <a:lvl6pPr marL="1948129" algn="l" defTabSz="779252" rtl="0" eaLnBrk="1" latinLnBrk="0" hangingPunct="1">
+      <a:defRPr sz="1500" kern="1200">
         <a:solidFill>
           <a:schemeClr val="tx1"/>
         </a:solidFill>
@@ -83,8 +85,8 @@
         <a:cs typeface="+mn-cs"/>
       </a:defRPr>
     </a:lvl6pPr>
-    <a:lvl7pPr marL="2743200" algn="l" defTabSz="914400" rtl="0" eaLnBrk="1" latinLnBrk="0" hangingPunct="1">
-      <a:defRPr sz="1800" kern="1200">
+    <a:lvl7pPr marL="2337755" algn="l" defTabSz="779252" rtl="0" eaLnBrk="1" latinLnBrk="0" hangingPunct="1">
+      <a:defRPr sz="1500" kern="1200">
         <a:solidFill>
           <a:schemeClr val="tx1"/>
         </a:solidFill>
@@ -93,8 +95,8 @@
         <a:cs typeface="+mn-cs"/>
       </a:defRPr>
     </a:lvl7pPr>
-    <a:lvl8pPr marL="3200400" algn="l" defTabSz="914400" rtl="0" eaLnBrk="1" latinLnBrk="0" hangingPunct="1">
-      <a:defRPr sz="1800" kern="1200">
+    <a:lvl8pPr marL="2727381" algn="l" defTabSz="779252" rtl="0" eaLnBrk="1" latinLnBrk="0" hangingPunct="1">
+      <a:defRPr sz="1500" kern="1200">
         <a:solidFill>
           <a:schemeClr val="tx1"/>
         </a:solidFill>
@@ -103,8 +105,8 @@
         <a:cs typeface="+mn-cs"/>
       </a:defRPr>
     </a:lvl8pPr>
-    <a:lvl9pPr marL="3657600" algn="l" defTabSz="914400" rtl="0" eaLnBrk="1" latinLnBrk="0" hangingPunct="1">
-      <a:defRPr sz="1800" kern="1200">
+    <a:lvl9pPr marL="3117007" algn="l" defTabSz="779252" rtl="0" eaLnBrk="1" latinLnBrk="0" hangingPunct="1">
+      <a:defRPr sz="1500" kern="1200">
         <a:solidFill>
           <a:schemeClr val="tx1"/>
         </a:solidFill>
@@ -271,7 +273,7 @@
           <a:p>
             <a:fld id="{2701E114-1B9C-4E98-8807-6C5E3069A141}" type="datetimeFigureOut">
               <a:rPr lang="de-DE" smtClean="0"/>
-              <a:t>08.10.2017</a:t>
+              <a:t>24.10.2017</a:t>
             </a:fld>
             <a:endParaRPr lang="de-DE"/>
           </a:p>
@@ -371,7 +373,7 @@
             <a:fld id="{29C90B72-880C-4DFD-AA4C-813CDA40BBFF}" type="datetimeFigureOut">
               <a:rPr lang="de-DE" smtClean="0"/>
               <a:pPr/>
-              <a:t>08.10.2017</a:t>
+              <a:t>24.10.2017</a:t>
             </a:fld>
             <a:endParaRPr lang="de-DE"/>
           </a:p>
@@ -389,8 +391,8 @@
         </p:nvSpPr>
         <p:spPr>
           <a:xfrm>
-            <a:off x="714375" y="746125"/>
-            <a:ext cx="5380038" cy="3725863"/>
+            <a:off x="93663" y="746125"/>
+            <a:ext cx="6621462" cy="3725863"/>
           </a:xfrm>
           <a:prstGeom prst="rect">
             <a:avLst/>
@@ -548,8 +550,8 @@
   </p:cSld>
   <p:clrMap bg1="lt1" tx1="dk1" bg2="lt2" tx2="dk2" accent1="accent1" accent2="accent2" accent3="accent3" accent4="accent4" accent5="accent5" accent6="accent6" hlink="hlink" folHlink="folHlink"/>
   <p:notesStyle>
-    <a:lvl1pPr marL="0" algn="l" defTabSz="914400" rtl="0" eaLnBrk="1" latinLnBrk="0" hangingPunct="1">
-      <a:defRPr sz="1200" kern="1200">
+    <a:lvl1pPr marL="0" algn="l" defTabSz="779252" rtl="0" eaLnBrk="1" latinLnBrk="0" hangingPunct="1">
+      <a:defRPr sz="1000" kern="1200">
         <a:solidFill>
           <a:schemeClr val="tx1"/>
         </a:solidFill>
@@ -558,8 +560,8 @@
         <a:cs typeface="+mn-cs"/>
       </a:defRPr>
     </a:lvl1pPr>
-    <a:lvl2pPr marL="457200" algn="l" defTabSz="914400" rtl="0" eaLnBrk="1" latinLnBrk="0" hangingPunct="1">
-      <a:defRPr sz="1200" kern="1200">
+    <a:lvl2pPr marL="389626" algn="l" defTabSz="779252" rtl="0" eaLnBrk="1" latinLnBrk="0" hangingPunct="1">
+      <a:defRPr sz="1000" kern="1200">
         <a:solidFill>
           <a:schemeClr val="tx1"/>
         </a:solidFill>
@@ -568,8 +570,8 @@
         <a:cs typeface="+mn-cs"/>
       </a:defRPr>
     </a:lvl2pPr>
-    <a:lvl3pPr marL="914400" algn="l" defTabSz="914400" rtl="0" eaLnBrk="1" latinLnBrk="0" hangingPunct="1">
-      <a:defRPr sz="1200" kern="1200">
+    <a:lvl3pPr marL="779252" algn="l" defTabSz="779252" rtl="0" eaLnBrk="1" latinLnBrk="0" hangingPunct="1">
+      <a:defRPr sz="1000" kern="1200">
         <a:solidFill>
           <a:schemeClr val="tx1"/>
         </a:solidFill>
@@ -578,8 +580,8 @@
         <a:cs typeface="+mn-cs"/>
       </a:defRPr>
     </a:lvl3pPr>
-    <a:lvl4pPr marL="1371600" algn="l" defTabSz="914400" rtl="0" eaLnBrk="1" latinLnBrk="0" hangingPunct="1">
-      <a:defRPr sz="1200" kern="1200">
+    <a:lvl4pPr marL="1168878" algn="l" defTabSz="779252" rtl="0" eaLnBrk="1" latinLnBrk="0" hangingPunct="1">
+      <a:defRPr sz="1000" kern="1200">
         <a:solidFill>
           <a:schemeClr val="tx1"/>
         </a:solidFill>
@@ -588,8 +590,8 @@
         <a:cs typeface="+mn-cs"/>
       </a:defRPr>
     </a:lvl4pPr>
-    <a:lvl5pPr marL="1828800" algn="l" defTabSz="914400" rtl="0" eaLnBrk="1" latinLnBrk="0" hangingPunct="1">
-      <a:defRPr sz="1200" kern="1200">
+    <a:lvl5pPr marL="1558503" algn="l" defTabSz="779252" rtl="0" eaLnBrk="1" latinLnBrk="0" hangingPunct="1">
+      <a:defRPr sz="1000" kern="1200">
         <a:solidFill>
           <a:schemeClr val="tx1"/>
         </a:solidFill>
@@ -598,8 +600,8 @@
         <a:cs typeface="+mn-cs"/>
       </a:defRPr>
     </a:lvl5pPr>
-    <a:lvl6pPr marL="2286000" algn="l" defTabSz="914400" rtl="0" eaLnBrk="1" latinLnBrk="0" hangingPunct="1">
-      <a:defRPr sz="1200" kern="1200">
+    <a:lvl6pPr marL="1948129" algn="l" defTabSz="779252" rtl="0" eaLnBrk="1" latinLnBrk="0" hangingPunct="1">
+      <a:defRPr sz="1000" kern="1200">
         <a:solidFill>
           <a:schemeClr val="tx1"/>
         </a:solidFill>
@@ -608,8 +610,8 @@
         <a:cs typeface="+mn-cs"/>
       </a:defRPr>
     </a:lvl6pPr>
-    <a:lvl7pPr marL="2743200" algn="l" defTabSz="914400" rtl="0" eaLnBrk="1" latinLnBrk="0" hangingPunct="1">
-      <a:defRPr sz="1200" kern="1200">
+    <a:lvl7pPr marL="2337755" algn="l" defTabSz="779252" rtl="0" eaLnBrk="1" latinLnBrk="0" hangingPunct="1">
+      <a:defRPr sz="1000" kern="1200">
         <a:solidFill>
           <a:schemeClr val="tx1"/>
         </a:solidFill>
@@ -618,8 +620,8 @@
         <a:cs typeface="+mn-cs"/>
       </a:defRPr>
     </a:lvl7pPr>
-    <a:lvl8pPr marL="3200400" algn="l" defTabSz="914400" rtl="0" eaLnBrk="1" latinLnBrk="0" hangingPunct="1">
-      <a:defRPr sz="1200" kern="1200">
+    <a:lvl8pPr marL="2727381" algn="l" defTabSz="779252" rtl="0" eaLnBrk="1" latinLnBrk="0" hangingPunct="1">
+      <a:defRPr sz="1000" kern="1200">
         <a:solidFill>
           <a:schemeClr val="tx1"/>
         </a:solidFill>
@@ -628,8 +630,8 @@
         <a:cs typeface="+mn-cs"/>
       </a:defRPr>
     </a:lvl8pPr>
-    <a:lvl9pPr marL="3657600" algn="l" defTabSz="914400" rtl="0" eaLnBrk="1" latinLnBrk="0" hangingPunct="1">
-      <a:defRPr sz="1200" kern="1200">
+    <a:lvl9pPr marL="3117007" algn="l" defTabSz="779252" rtl="0" eaLnBrk="1" latinLnBrk="0" hangingPunct="1">
+      <a:defRPr sz="1000" kern="1200">
         <a:solidFill>
           <a:schemeClr val="tx1"/>
         </a:solidFill>
@@ -671,8 +673,8 @@
         </p:nvSpPr>
         <p:spPr>
           <a:xfrm>
-            <a:off x="714375" y="746125"/>
-            <a:ext cx="5380038" cy="3725863"/>
+            <a:off x="93663" y="746125"/>
+            <a:ext cx="6621462" cy="3725863"/>
           </a:xfrm>
         </p:spPr>
       </p:sp>
@@ -780,15 +782,15 @@
         </p:nvSpPr>
         <p:spPr>
           <a:xfrm>
-            <a:off x="742950" y="1772817"/>
-            <a:ext cx="8420100" cy="1082551"/>
+            <a:off x="685800" y="1329613"/>
+            <a:ext cx="7772400" cy="811913"/>
           </a:xfrm>
         </p:spPr>
         <p:txBody>
           <a:bodyPr/>
           <a:lstStyle>
             <a:lvl1pPr algn="ctr">
-              <a:defRPr sz="4000">
+              <a:defRPr sz="3400">
                 <a:solidFill>
                   <a:schemeClr val="tx2"/>
                 </a:solidFill>
@@ -816,8 +818,8 @@
         </p:nvSpPr>
         <p:spPr>
           <a:xfrm>
-            <a:off x="1485900" y="3140968"/>
-            <a:ext cx="6934200" cy="910952"/>
+            <a:off x="1371600" y="2355726"/>
+            <a:ext cx="6400800" cy="683214"/>
           </a:xfrm>
         </p:spPr>
         <p:txBody>
@@ -827,13 +829,13 @@
           <a:lstStyle>
             <a:lvl1pPr marL="0" indent="0" algn="ctr">
               <a:buNone/>
-              <a:defRPr sz="2800">
+              <a:defRPr sz="2400">
                 <a:solidFill>
                   <a:schemeClr val="tx1"/>
                 </a:solidFill>
               </a:defRPr>
             </a:lvl1pPr>
-            <a:lvl2pPr marL="457200" indent="0" algn="ctr">
+            <a:lvl2pPr marL="389626" indent="0" algn="ctr">
               <a:buNone/>
               <a:defRPr>
                 <a:solidFill>
@@ -843,7 +845,7 @@
                 </a:solidFill>
               </a:defRPr>
             </a:lvl2pPr>
-            <a:lvl3pPr marL="914400" indent="0" algn="ctr">
+            <a:lvl3pPr marL="779252" indent="0" algn="ctr">
               <a:buNone/>
               <a:defRPr>
                 <a:solidFill>
@@ -853,7 +855,7 @@
                 </a:solidFill>
               </a:defRPr>
             </a:lvl3pPr>
-            <a:lvl4pPr marL="1371600" indent="0" algn="ctr">
+            <a:lvl4pPr marL="1168878" indent="0" algn="ctr">
               <a:buNone/>
               <a:defRPr>
                 <a:solidFill>
@@ -863,7 +865,7 @@
                 </a:solidFill>
               </a:defRPr>
             </a:lvl4pPr>
-            <a:lvl5pPr marL="1828800" indent="0" algn="ctr">
+            <a:lvl5pPr marL="1558503" indent="0" algn="ctr">
               <a:buNone/>
               <a:defRPr>
                 <a:solidFill>
@@ -873,7 +875,7 @@
                 </a:solidFill>
               </a:defRPr>
             </a:lvl5pPr>
-            <a:lvl6pPr marL="2286000" indent="0" algn="ctr">
+            <a:lvl6pPr marL="1948129" indent="0" algn="ctr">
               <a:buNone/>
               <a:defRPr>
                 <a:solidFill>
@@ -883,7 +885,7 @@
                 </a:solidFill>
               </a:defRPr>
             </a:lvl6pPr>
-            <a:lvl7pPr marL="2743200" indent="0" algn="ctr">
+            <a:lvl7pPr marL="2337755" indent="0" algn="ctr">
               <a:buNone/>
               <a:defRPr>
                 <a:solidFill>
@@ -893,7 +895,7 @@
                 </a:solidFill>
               </a:defRPr>
             </a:lvl7pPr>
-            <a:lvl8pPr marL="3200400" indent="0" algn="ctr">
+            <a:lvl8pPr marL="2727381" indent="0" algn="ctr">
               <a:buNone/>
               <a:defRPr>
                 <a:solidFill>
@@ -903,7 +905,7 @@
                 </a:solidFill>
               </a:defRPr>
             </a:lvl8pPr>
-            <a:lvl9pPr marL="3657600" indent="0" algn="ctr">
+            <a:lvl9pPr marL="3117007" indent="0" algn="ctr">
               <a:buNone/>
               <a:defRPr>
                 <a:solidFill>
@@ -1005,8 +1007,8 @@
         </p:nvSpPr>
         <p:spPr>
           <a:xfrm>
-            <a:off x="1485900" y="4653137"/>
-            <a:ext cx="6934200" cy="432345"/>
+            <a:off x="1371600" y="3489853"/>
+            <a:ext cx="6400800" cy="324259"/>
           </a:xfrm>
         </p:spPr>
         <p:txBody>
@@ -1016,7 +1018,7 @@
           <a:lstStyle>
             <a:lvl1pPr marL="0" indent="0" algn="ctr">
               <a:buNone/>
-              <a:defRPr sz="2400" baseline="0">
+              <a:defRPr sz="2000" baseline="0">
                 <a:solidFill>
                   <a:schemeClr val="tx1"/>
                 </a:solidFill>
@@ -1044,8 +1046,8 @@
         </p:nvSpPr>
         <p:spPr>
           <a:xfrm>
-            <a:off x="1485900" y="5156894"/>
-            <a:ext cx="6934200" cy="432346"/>
+            <a:off x="1371600" y="3867670"/>
+            <a:ext cx="6400800" cy="324260"/>
           </a:xfrm>
         </p:spPr>
         <p:txBody>
@@ -1055,7 +1057,7 @@
           <a:lstStyle>
             <a:lvl1pPr marL="0" indent="0" algn="ctr">
               <a:buNone/>
-              <a:defRPr sz="2400" baseline="0">
+              <a:defRPr sz="2000" baseline="0">
                 <a:solidFill>
                   <a:schemeClr val="tx1"/>
                 </a:solidFill>
@@ -1115,8 +1117,8 @@
         </p:nvSpPr>
         <p:spPr>
           <a:xfrm>
-            <a:off x="495300" y="385200"/>
-            <a:ext cx="7254000" cy="720000"/>
+            <a:off x="457200" y="288900"/>
+            <a:ext cx="6696000" cy="540000"/>
           </a:xfrm>
         </p:spPr>
         <p:txBody>
@@ -1149,7 +1151,7 @@
         <p:txBody>
           <a:bodyPr/>
           <a:lstStyle>
-            <a:lvl1pPr marL="457200" indent="-457200">
+            <a:lvl1pPr marL="389626" indent="-389626">
               <a:buFont typeface="+mj-lt"/>
               <a:buAutoNum type="arabicPeriod"/>
               <a:defRPr baseline="0">
@@ -1212,18 +1214,18 @@
         </p:nvSpPr>
         <p:spPr>
           <a:xfrm>
-            <a:off x="495300" y="6356351"/>
-            <a:ext cx="2311400" cy="365125"/>
+            <a:off x="457200" y="4767264"/>
+            <a:ext cx="2133600" cy="273844"/>
           </a:xfrm>
           <a:prstGeom prst="rect">
             <a:avLst/>
           </a:prstGeom>
         </p:spPr>
         <p:txBody>
-          <a:bodyPr vert="horz" lIns="91440" tIns="45720" rIns="91440" bIns="45720" rtlCol="0" anchor="ctr"/>
+          <a:bodyPr vert="horz" lIns="77925" tIns="38963" rIns="77925" bIns="38963" rtlCol="0" anchor="ctr"/>
           <a:lstStyle>
             <a:lvl1pPr algn="l">
-              <a:defRPr sz="1200">
+              <a:defRPr sz="1000">
                 <a:solidFill>
                   <a:schemeClr val="tx1">
                     <a:tint val="75000"/>
@@ -1253,18 +1255,18 @@
         </p:nvSpPr>
         <p:spPr>
           <a:xfrm>
-            <a:off x="3532291" y="6356351"/>
-            <a:ext cx="3136900" cy="365125"/>
+            <a:off x="3260576" y="4767264"/>
+            <a:ext cx="2895600" cy="273844"/>
           </a:xfrm>
           <a:prstGeom prst="rect">
             <a:avLst/>
           </a:prstGeom>
         </p:spPr>
         <p:txBody>
-          <a:bodyPr vert="horz" lIns="91440" tIns="45720" rIns="91440" bIns="45720" rtlCol="0" anchor="ctr"/>
+          <a:bodyPr vert="horz" lIns="77925" tIns="38963" rIns="77925" bIns="38963" rtlCol="0" anchor="ctr"/>
           <a:lstStyle>
             <a:lvl1pPr algn="ctr">
-              <a:defRPr sz="1200">
+              <a:defRPr sz="1000">
                 <a:solidFill>
                   <a:schemeClr val="tx1">
                     <a:tint val="75000"/>
@@ -1326,8 +1328,8 @@
         </p:nvSpPr>
         <p:spPr>
           <a:xfrm>
-            <a:off x="495300" y="384196"/>
-            <a:ext cx="7254000" cy="720000"/>
+            <a:off x="457200" y="288147"/>
+            <a:ext cx="6696000" cy="540000"/>
           </a:xfrm>
         </p:spPr>
         <p:txBody>
@@ -1360,7 +1362,7 @@
         <p:txBody>
           <a:bodyPr/>
           <a:lstStyle>
-            <a:lvl1pPr marL="342000" indent="-342000">
+            <a:lvl1pPr marL="291452" indent="-291452">
               <a:buClr>
                 <a:schemeClr val="tx1"/>
               </a:buClr>
@@ -1369,7 +1371,7 @@
               <a:buChar char="•"/>
               <a:defRPr baseline="0"/>
             </a:lvl1pPr>
-            <a:lvl2pPr marL="742950" indent="-285750">
+            <a:lvl2pPr marL="633142" indent="-243516">
               <a:buClr>
                 <a:schemeClr val="tx1"/>
               </a:buClr>
@@ -1463,18 +1465,18 @@
         </p:nvSpPr>
         <p:spPr>
           <a:xfrm>
-            <a:off x="495300" y="6356351"/>
-            <a:ext cx="2311400" cy="365125"/>
+            <a:off x="457200" y="4767264"/>
+            <a:ext cx="2133600" cy="273844"/>
           </a:xfrm>
           <a:prstGeom prst="rect">
             <a:avLst/>
           </a:prstGeom>
         </p:spPr>
         <p:txBody>
-          <a:bodyPr vert="horz" lIns="91440" tIns="45720" rIns="91440" bIns="45720" rtlCol="0" anchor="ctr"/>
+          <a:bodyPr vert="horz" lIns="77925" tIns="38963" rIns="77925" bIns="38963" rtlCol="0" anchor="ctr"/>
           <a:lstStyle>
             <a:lvl1pPr algn="l">
-              <a:defRPr sz="1200">
+              <a:defRPr sz="1000">
                 <a:solidFill>
                   <a:schemeClr val="tx1">
                     <a:tint val="75000"/>
@@ -1504,18 +1506,18 @@
         </p:nvSpPr>
         <p:spPr>
           <a:xfrm>
-            <a:off x="3532291" y="6356351"/>
-            <a:ext cx="3136900" cy="365125"/>
+            <a:off x="3260576" y="4767264"/>
+            <a:ext cx="2895600" cy="273844"/>
           </a:xfrm>
           <a:prstGeom prst="rect">
             <a:avLst/>
           </a:prstGeom>
         </p:spPr>
         <p:txBody>
-          <a:bodyPr vert="horz" lIns="91440" tIns="45720" rIns="91440" bIns="45720" rtlCol="0" anchor="ctr"/>
+          <a:bodyPr vert="horz" lIns="77925" tIns="38963" rIns="77925" bIns="38963" rtlCol="0" anchor="ctr"/>
           <a:lstStyle>
             <a:lvl1pPr algn="ctr">
-              <a:defRPr sz="1200">
+              <a:defRPr sz="1000">
                 <a:solidFill>
                   <a:schemeClr val="tx1">
                     <a:tint val="75000"/>
@@ -1600,8 +1602,8 @@
         </p:nvSpPr>
         <p:spPr>
           <a:xfrm>
-            <a:off x="495300" y="1268760"/>
-            <a:ext cx="4375150" cy="4857403"/>
+            <a:off x="457200" y="951571"/>
+            <a:ext cx="4038600" cy="3643052"/>
           </a:xfrm>
         </p:spPr>
         <p:txBody>
@@ -1612,46 +1614,46 @@
                 <a:schemeClr val="tx1"/>
               </a:buClr>
               <a:buSzPct val="110000"/>
-              <a:defRPr sz="2400"/>
+              <a:defRPr sz="2000"/>
             </a:lvl1pPr>
-            <a:lvl2pPr marL="742950" indent="-285750">
+            <a:lvl2pPr marL="633142" indent="-243516">
               <a:buClr>
                 <a:schemeClr val="tx1"/>
               </a:buClr>
               <a:buFont typeface="Arial" pitchFamily="34" charset="0"/>
               <a:buChar char="•"/>
-              <a:defRPr sz="2000"/>
+              <a:defRPr sz="1700"/>
             </a:lvl2pPr>
             <a:lvl3pPr>
-              <a:defRPr sz="2000"/>
+              <a:defRPr sz="1700"/>
             </a:lvl3pPr>
-            <a:lvl4pPr marL="1600200" indent="-228600">
+            <a:lvl4pPr marL="1363690" indent="-194813">
               <a:buClr>
                 <a:schemeClr val="tx1"/>
               </a:buClr>
               <a:buFont typeface="Arial" pitchFamily="34" charset="0"/>
               <a:buChar char="•"/>
-              <a:defRPr sz="2000"/>
+              <a:defRPr sz="1700"/>
             </a:lvl4pPr>
-            <a:lvl5pPr marL="2057400" indent="-228600">
+            <a:lvl5pPr marL="1753316" indent="-194813">
               <a:buClr>
                 <a:schemeClr val="tx1"/>
               </a:buClr>
               <a:buFont typeface="Arial" pitchFamily="34" charset="0"/>
               <a:buChar char="•"/>
-              <a:defRPr sz="2000"/>
+              <a:defRPr sz="1700"/>
             </a:lvl5pPr>
             <a:lvl6pPr>
-              <a:defRPr sz="1800"/>
+              <a:defRPr sz="1500"/>
             </a:lvl6pPr>
             <a:lvl7pPr>
-              <a:defRPr sz="1800"/>
+              <a:defRPr sz="1500"/>
             </a:lvl7pPr>
             <a:lvl8pPr>
-              <a:defRPr sz="1800"/>
+              <a:defRPr sz="1500"/>
             </a:lvl8pPr>
             <a:lvl9pPr>
-              <a:defRPr sz="1800"/>
+              <a:defRPr sz="1500"/>
             </a:lvl9pPr>
           </a:lstStyle>
           <a:p>
@@ -1704,18 +1706,18 @@
         </p:nvSpPr>
         <p:spPr>
           <a:xfrm>
-            <a:off x="5035550" y="1268760"/>
-            <a:ext cx="4375150" cy="4857403"/>
+            <a:off x="4648200" y="951571"/>
+            <a:ext cx="4038600" cy="3643052"/>
           </a:xfrm>
         </p:spPr>
         <p:txBody>
           <a:bodyPr/>
           <a:lstStyle>
             <a:lvl1pPr>
-              <a:defRPr sz="2400"/>
+              <a:defRPr sz="2000"/>
             </a:lvl1pPr>
-            <a:lvl2pPr marL="742950" indent="-285750">
-              <a:defRPr lang="de-DE" sz="2000" kern="1200" dirty="0" smtClean="0">
+            <a:lvl2pPr marL="633142" indent="-243516">
+              <a:defRPr lang="de-DE" sz="1700" kern="1200" dirty="0" smtClean="0">
                 <a:solidFill>
                   <a:schemeClr val="tx1"/>
                 </a:solidFill>
@@ -1724,8 +1726,8 @@
                 <a:cs typeface="+mn-cs"/>
               </a:defRPr>
             </a:lvl2pPr>
-            <a:lvl3pPr marL="1143000" indent="-228600">
-              <a:defRPr lang="de-DE" sz="2000" kern="1200" dirty="0" smtClean="0">
+            <a:lvl3pPr marL="974065" indent="-194813">
+              <a:defRPr lang="de-DE" sz="1700" kern="1200" dirty="0" smtClean="0">
                 <a:solidFill>
                   <a:schemeClr val="tx1"/>
                 </a:solidFill>
@@ -1734,8 +1736,8 @@
                 <a:cs typeface="+mn-cs"/>
               </a:defRPr>
             </a:lvl3pPr>
-            <a:lvl4pPr marL="1600200" indent="-228600">
-              <a:defRPr lang="de-DE" sz="2000" kern="1200" dirty="0" smtClean="0">
+            <a:lvl4pPr marL="1363690" indent="-194813">
+              <a:defRPr lang="de-DE" sz="1700" kern="1200" dirty="0" smtClean="0">
                 <a:solidFill>
                   <a:schemeClr val="tx1"/>
                 </a:solidFill>
@@ -1744,8 +1746,8 @@
                 <a:cs typeface="+mn-cs"/>
               </a:defRPr>
             </a:lvl4pPr>
-            <a:lvl5pPr marL="2057400" indent="-228600">
-              <a:defRPr lang="de-DE" sz="2000" kern="1200" dirty="0">
+            <a:lvl5pPr marL="1753316" indent="-194813">
+              <a:defRPr lang="de-DE" sz="1700" kern="1200" dirty="0">
                 <a:solidFill>
                   <a:schemeClr val="tx1"/>
                 </a:solidFill>
@@ -1755,16 +1757,16 @@
               </a:defRPr>
             </a:lvl5pPr>
             <a:lvl6pPr>
-              <a:defRPr sz="1800"/>
+              <a:defRPr sz="1500"/>
             </a:lvl6pPr>
             <a:lvl7pPr>
-              <a:defRPr sz="1800"/>
+              <a:defRPr sz="1500"/>
             </a:lvl7pPr>
             <a:lvl8pPr>
-              <a:defRPr sz="1800"/>
+              <a:defRPr sz="1500"/>
             </a:lvl8pPr>
             <a:lvl9pPr>
-              <a:defRPr sz="1800"/>
+              <a:defRPr sz="1500"/>
             </a:lvl9pPr>
           </a:lstStyle>
           <a:p>
@@ -1817,8 +1819,8 @@
         </p:nvSpPr>
         <p:spPr>
           <a:xfrm>
-            <a:off x="7322120" y="6356351"/>
-            <a:ext cx="2311400" cy="365125"/>
+            <a:off x="6758880" y="4767264"/>
+            <a:ext cx="2133600" cy="273844"/>
           </a:xfrm>
         </p:spPr>
         <p:txBody>
@@ -1846,18 +1848,18 @@
         </p:nvSpPr>
         <p:spPr>
           <a:xfrm>
-            <a:off x="495300" y="6356351"/>
-            <a:ext cx="2311400" cy="365125"/>
+            <a:off x="457200" y="4767264"/>
+            <a:ext cx="2133600" cy="273844"/>
           </a:xfrm>
           <a:prstGeom prst="rect">
             <a:avLst/>
           </a:prstGeom>
         </p:spPr>
         <p:txBody>
-          <a:bodyPr vert="horz" lIns="91440" tIns="45720" rIns="91440" bIns="45720" rtlCol="0" anchor="ctr"/>
+          <a:bodyPr vert="horz" lIns="77925" tIns="38963" rIns="77925" bIns="38963" rtlCol="0" anchor="ctr"/>
           <a:lstStyle>
             <a:lvl1pPr algn="l">
-              <a:defRPr sz="1200">
+              <a:defRPr sz="1000">
                 <a:solidFill>
                   <a:schemeClr val="tx1">
                     <a:tint val="75000"/>
@@ -1887,18 +1889,18 @@
         </p:nvSpPr>
         <p:spPr>
           <a:xfrm>
-            <a:off x="3532291" y="6356351"/>
-            <a:ext cx="3136900" cy="365125"/>
+            <a:off x="3260576" y="4767264"/>
+            <a:ext cx="2895600" cy="273844"/>
           </a:xfrm>
           <a:prstGeom prst="rect">
             <a:avLst/>
           </a:prstGeom>
         </p:spPr>
         <p:txBody>
-          <a:bodyPr vert="horz" lIns="91440" tIns="45720" rIns="91440" bIns="45720" rtlCol="0" anchor="ctr"/>
+          <a:bodyPr vert="horz" lIns="77925" tIns="38963" rIns="77925" bIns="38963" rtlCol="0" anchor="ctr"/>
           <a:lstStyle>
             <a:lvl1pPr algn="ctr">
-              <a:defRPr sz="1200">
+              <a:defRPr sz="1000">
                 <a:solidFill>
                   <a:schemeClr val="tx1">
                     <a:tint val="75000"/>
@@ -2007,18 +2009,18 @@
         </p:nvSpPr>
         <p:spPr>
           <a:xfrm>
-            <a:off x="495300" y="6356351"/>
-            <a:ext cx="2311400" cy="365125"/>
+            <a:off x="457200" y="4767264"/>
+            <a:ext cx="2133600" cy="273844"/>
           </a:xfrm>
           <a:prstGeom prst="rect">
             <a:avLst/>
           </a:prstGeom>
         </p:spPr>
         <p:txBody>
-          <a:bodyPr vert="horz" lIns="91440" tIns="45720" rIns="91440" bIns="45720" rtlCol="0" anchor="ctr"/>
+          <a:bodyPr vert="horz" lIns="77925" tIns="38963" rIns="77925" bIns="38963" rtlCol="0" anchor="ctr"/>
           <a:lstStyle>
             <a:lvl1pPr algn="l">
-              <a:defRPr sz="1200">
+              <a:defRPr sz="1000">
                 <a:solidFill>
                   <a:schemeClr val="tx1">
                     <a:tint val="75000"/>
@@ -2048,18 +2050,18 @@
         </p:nvSpPr>
         <p:spPr>
           <a:xfrm>
-            <a:off x="3532291" y="6356351"/>
-            <a:ext cx="3136900" cy="365125"/>
+            <a:off x="3260576" y="4767264"/>
+            <a:ext cx="2895600" cy="273844"/>
           </a:xfrm>
           <a:prstGeom prst="rect">
             <a:avLst/>
           </a:prstGeom>
         </p:spPr>
         <p:txBody>
-          <a:bodyPr vert="horz" lIns="91440" tIns="45720" rIns="91440" bIns="45720" rtlCol="0" anchor="ctr"/>
+          <a:bodyPr vert="horz" lIns="77925" tIns="38963" rIns="77925" bIns="38963" rtlCol="0" anchor="ctr"/>
           <a:lstStyle>
             <a:lvl1pPr algn="ctr">
-              <a:defRPr sz="1200">
+              <a:defRPr sz="1000">
                 <a:solidFill>
                   <a:schemeClr val="tx1">
                     <a:tint val="75000"/>
@@ -2145,18 +2147,18 @@
         </p:nvSpPr>
         <p:spPr>
           <a:xfrm>
-            <a:off x="495300" y="6356351"/>
-            <a:ext cx="2311400" cy="365125"/>
+            <a:off x="457200" y="4767264"/>
+            <a:ext cx="2133600" cy="273844"/>
           </a:xfrm>
           <a:prstGeom prst="rect">
             <a:avLst/>
           </a:prstGeom>
         </p:spPr>
         <p:txBody>
-          <a:bodyPr vert="horz" lIns="91440" tIns="45720" rIns="91440" bIns="45720" rtlCol="0" anchor="ctr"/>
+          <a:bodyPr vert="horz" lIns="77925" tIns="38963" rIns="77925" bIns="38963" rtlCol="0" anchor="ctr"/>
           <a:lstStyle>
             <a:lvl1pPr algn="l">
-              <a:defRPr sz="1200">
+              <a:defRPr sz="1000">
                 <a:solidFill>
                   <a:schemeClr val="tx1">
                     <a:tint val="75000"/>
@@ -2186,18 +2188,18 @@
         </p:nvSpPr>
         <p:spPr>
           <a:xfrm>
-            <a:off x="3532291" y="6356351"/>
-            <a:ext cx="3136900" cy="365125"/>
+            <a:off x="3260576" y="4767264"/>
+            <a:ext cx="2895600" cy="273844"/>
           </a:xfrm>
           <a:prstGeom prst="rect">
             <a:avLst/>
           </a:prstGeom>
         </p:spPr>
         <p:txBody>
-          <a:bodyPr vert="horz" lIns="91440" tIns="45720" rIns="91440" bIns="45720" rtlCol="0" anchor="ctr"/>
+          <a:bodyPr vert="horz" lIns="77925" tIns="38963" rIns="77925" bIns="38963" rtlCol="0" anchor="ctr"/>
           <a:lstStyle>
             <a:lvl1pPr algn="ctr">
-              <a:defRPr sz="1200">
+              <a:defRPr sz="1000">
                 <a:solidFill>
                   <a:schemeClr val="tx1">
                     <a:tint val="75000"/>
@@ -2259,18 +2261,18 @@
         </p:nvSpPr>
         <p:spPr>
           <a:xfrm>
-            <a:off x="480505" y="260649"/>
-            <a:ext cx="8617302" cy="960107"/>
+            <a:off x="443543" y="195487"/>
+            <a:ext cx="7954433" cy="720080"/>
           </a:xfrm>
           <a:prstGeom prst="rect">
             <a:avLst/>
           </a:prstGeom>
         </p:spPr>
         <p:txBody>
-          <a:bodyPr lIns="91434" tIns="45718" rIns="91434" bIns="45718"/>
+          <a:bodyPr lIns="77920" tIns="38961" rIns="77920" bIns="38961"/>
           <a:lstStyle>
             <a:lvl1pPr>
-              <a:defRPr sz="2700" b="0">
+              <a:defRPr sz="2300" b="0">
                 <a:latin typeface="FormataBQ-Light" panose="02020500000000000000" pitchFamily="18" charset="0"/>
               </a:defRPr>
             </a:lvl1pPr>
@@ -2395,9 +2397,18 @@
 <p:sldMaster xmlns:a="http://schemas.openxmlformats.org/drawingml/2006/main" xmlns:r="http://schemas.openxmlformats.org/officeDocument/2006/relationships" xmlns:p="http://schemas.openxmlformats.org/presentationml/2006/main">
   <p:cSld>
     <p:bg>
-      <p:bgRef idx="1001">
-        <a:schemeClr val="bg1"/>
-      </p:bgRef>
+      <p:bgPr>
+        <a:blipFill dpi="0" rotWithShape="1">
+          <a:blip r:embed="rId8">
+            <a:lum/>
+          </a:blip>
+          <a:srcRect/>
+          <a:stretch>
+            <a:fillRect l="-1000" r="-1000"/>
+          </a:stretch>
+        </a:blipFill>
+        <a:effectLst/>
+      </p:bgPr>
     </p:bg>
     <p:spTree>
       <p:nvGrpSpPr>
@@ -2425,15 +2436,15 @@
         </p:nvSpPr>
         <p:spPr>
           <a:xfrm>
-            <a:off x="495300" y="384236"/>
-            <a:ext cx="7254000" cy="720000"/>
+            <a:off x="457200" y="288177"/>
+            <a:ext cx="6696000" cy="540000"/>
           </a:xfrm>
           <a:prstGeom prst="rect">
             <a:avLst/>
           </a:prstGeom>
         </p:spPr>
         <p:txBody>
-          <a:bodyPr vert="horz" lIns="91440" tIns="0" rIns="91440" bIns="45720" rtlCol="0" anchor="t">
+          <a:bodyPr vert="horz" lIns="77925" tIns="0" rIns="77925" bIns="38963" rtlCol="0" anchor="t">
             <a:noAutofit/>
           </a:bodyPr>
           <a:lstStyle/>
@@ -2458,22 +2469,22 @@
         </p:nvSpPr>
         <p:spPr>
           <a:xfrm>
-            <a:off x="495299" y="1268760"/>
-            <a:ext cx="9137699" cy="4857403"/>
+            <a:off x="457200" y="951571"/>
+            <a:ext cx="8434799" cy="3643052"/>
           </a:xfrm>
           <a:prstGeom prst="rect">
             <a:avLst/>
           </a:prstGeom>
         </p:spPr>
         <p:txBody>
-          <a:bodyPr vert="horz" lIns="91440" tIns="45720" rIns="91440" bIns="45720" rtlCol="0">
+          <a:bodyPr vert="horz" lIns="77925" tIns="38963" rIns="77925" bIns="38963" rtlCol="0">
             <a:normAutofit/>
           </a:bodyPr>
           <a:lstStyle/>
           <a:p>
-            <a:pPr marL="342000" lvl="0" indent="-342000" algn="l" defTabSz="914400" rtl="0" eaLnBrk="1" latinLnBrk="0" hangingPunct="1">
+            <a:pPr marL="291452" lvl="0" indent="-291452" algn="l" defTabSz="779252" rtl="0" eaLnBrk="1" latinLnBrk="0" hangingPunct="1">
               <a:spcBef>
-                <a:spcPts val="800"/>
+                <a:spcPts val="682"/>
               </a:spcBef>
               <a:buClr>
                 <a:schemeClr val="tx1"/>
@@ -2488,9 +2499,9 @@
             </a:r>
           </a:p>
           <a:p>
-            <a:pPr marL="742950" lvl="1" indent="-285750" algn="l" defTabSz="914400" rtl="0" eaLnBrk="1" latinLnBrk="0" hangingPunct="1">
+            <a:pPr marL="633142" lvl="1" indent="-243516" algn="l" defTabSz="779252" rtl="0" eaLnBrk="1" latinLnBrk="0" hangingPunct="1">
               <a:spcBef>
-                <a:spcPts val="800"/>
+                <a:spcPts val="682"/>
               </a:spcBef>
               <a:buClr>
                 <a:schemeClr val="tx1"/>
@@ -2540,18 +2551,18 @@
         </p:nvSpPr>
         <p:spPr>
           <a:xfrm>
-            <a:off x="495300" y="6356351"/>
-            <a:ext cx="2311400" cy="365125"/>
+            <a:off x="457200" y="4767264"/>
+            <a:ext cx="2133600" cy="273844"/>
           </a:xfrm>
           <a:prstGeom prst="rect">
             <a:avLst/>
           </a:prstGeom>
         </p:spPr>
         <p:txBody>
-          <a:bodyPr vert="horz" lIns="91440" tIns="45720" rIns="91440" bIns="45720" rtlCol="0" anchor="ctr"/>
+          <a:bodyPr vert="horz" lIns="77925" tIns="38963" rIns="77925" bIns="38963" rtlCol="0" anchor="ctr"/>
           <a:lstStyle>
             <a:lvl1pPr algn="l">
-              <a:defRPr sz="1200">
+              <a:defRPr sz="1000">
                 <a:solidFill>
                   <a:schemeClr val="tx1">
                     <a:tint val="75000"/>
@@ -2581,18 +2592,18 @@
         </p:nvSpPr>
         <p:spPr>
           <a:xfrm>
-            <a:off x="3532291" y="6356351"/>
-            <a:ext cx="3136900" cy="365125"/>
+            <a:off x="3260576" y="4767264"/>
+            <a:ext cx="2895600" cy="273844"/>
           </a:xfrm>
           <a:prstGeom prst="rect">
             <a:avLst/>
           </a:prstGeom>
         </p:spPr>
         <p:txBody>
-          <a:bodyPr vert="horz" lIns="91440" tIns="45720" rIns="91440" bIns="45720" rtlCol="0" anchor="ctr"/>
+          <a:bodyPr vert="horz" lIns="77925" tIns="38963" rIns="77925" bIns="38963" rtlCol="0" anchor="ctr"/>
           <a:lstStyle>
             <a:lvl1pPr algn="ctr">
-              <a:defRPr sz="1200">
+              <a:defRPr sz="1000">
                 <a:solidFill>
                   <a:schemeClr val="tx1">
                     <a:tint val="75000"/>
@@ -2622,18 +2633,18 @@
         </p:nvSpPr>
         <p:spPr>
           <a:xfrm>
-            <a:off x="7322120" y="6356351"/>
-            <a:ext cx="2311400" cy="365125"/>
+            <a:off x="6758880" y="4767264"/>
+            <a:ext cx="2133600" cy="273844"/>
           </a:xfrm>
           <a:prstGeom prst="rect">
             <a:avLst/>
           </a:prstGeom>
         </p:spPr>
         <p:txBody>
-          <a:bodyPr vert="horz" lIns="91440" tIns="45720" rIns="91440" bIns="45720" rtlCol="0" anchor="ctr"/>
+          <a:bodyPr vert="horz" lIns="77925" tIns="38963" rIns="77925" bIns="38963" rtlCol="0" anchor="ctr"/>
           <a:lstStyle>
             <a:lvl1pPr algn="r">
-              <a:defRPr sz="1200">
+              <a:defRPr sz="1000">
                 <a:solidFill>
                   <a:schemeClr val="tx1">
                     <a:tint val="75000"/>
@@ -2652,36 +2663,6 @@
           </a:p>
         </p:txBody>
       </p:sp>
-      <p:pic>
-        <p:nvPicPr>
-          <p:cNvPr id="9" name="Grafik 8"/>
-          <p:cNvPicPr>
-            <a:picLocks noChangeAspect="1"/>
-          </p:cNvPicPr>
-          <p:nvPr/>
-        </p:nvPicPr>
-        <p:blipFill>
-          <a:blip r:embed="rId8">
-            <a:extLst>
-              <a:ext uri="{28A0092B-C50C-407E-A947-70E740481C1C}">
-                <a14:useLocalDpi xmlns:a14="http://schemas.microsoft.com/office/drawing/2010/main" val="0"/>
-              </a:ext>
-            </a:extLst>
-          </a:blip>
-          <a:stretch>
-            <a:fillRect/>
-          </a:stretch>
-        </p:blipFill>
-        <p:spPr>
-          <a:xfrm>
-            <a:off x="8384946" y="273601"/>
-            <a:ext cx="1248053" cy="396207"/>
-          </a:xfrm>
-          <a:prstGeom prst="rect">
-            <a:avLst/>
-          </a:prstGeom>
-        </p:spPr>
-      </p:pic>
     </p:spTree>
   </p:cSld>
   <p:clrMap bg1="lt1" tx1="dk1" bg2="lt2" tx2="dk2" accent1="accent1" accent2="accent2" accent3="accent3" accent4="accent4" accent5="accent5" accent6="accent6" hlink="hlink" folHlink="folHlink"/>
@@ -2703,12 +2684,12 @@
   <p:hf hdr="0"/>
   <p:txStyles>
     <p:titleStyle>
-      <a:lvl1pPr algn="l" defTabSz="914400" rtl="0" eaLnBrk="1" latinLnBrk="0" hangingPunct="1">
+      <a:lvl1pPr algn="l" defTabSz="779252" rtl="0" eaLnBrk="1" latinLnBrk="0" hangingPunct="1">
         <a:spcBef>
           <a:spcPct val="0"/>
         </a:spcBef>
         <a:buNone/>
-        <a:defRPr sz="2400" kern="1200">
+        <a:defRPr sz="2000" kern="1200">
           <a:solidFill>
             <a:schemeClr val="tx2"/>
           </a:solidFill>
@@ -2719,13 +2700,13 @@
       </a:lvl1pPr>
     </p:titleStyle>
     <p:bodyStyle>
-      <a:lvl1pPr marL="342900" indent="-342900" algn="l" defTabSz="914400" rtl="0" eaLnBrk="1" latinLnBrk="0" hangingPunct="1">
+      <a:lvl1pPr marL="292219" indent="-292219" algn="l" defTabSz="779252" rtl="0" eaLnBrk="1" latinLnBrk="0" hangingPunct="1">
         <a:spcBef>
-          <a:spcPts val="800"/>
+          <a:spcPts val="682"/>
         </a:spcBef>
         <a:buFont typeface="Arial" pitchFamily="34" charset="0"/>
         <a:buChar char="•"/>
-        <a:defRPr lang="de-DE" sz="2400" kern="1200" baseline="0" dirty="0" smtClean="0">
+        <a:defRPr lang="de-DE" sz="2000" kern="1200" baseline="0" dirty="0" smtClean="0">
           <a:solidFill>
             <a:schemeClr val="tx1"/>
           </a:solidFill>
@@ -2734,13 +2715,13 @@
           <a:cs typeface="+mn-cs"/>
         </a:defRPr>
       </a:lvl1pPr>
-      <a:lvl2pPr marL="742950" indent="-285750" algn="l" defTabSz="914400" rtl="0" eaLnBrk="1" latinLnBrk="0" hangingPunct="1">
+      <a:lvl2pPr marL="633142" indent="-243516" algn="l" defTabSz="779252" rtl="0" eaLnBrk="1" latinLnBrk="0" hangingPunct="1">
         <a:spcBef>
-          <a:spcPts val="800"/>
+          <a:spcPts val="682"/>
         </a:spcBef>
         <a:buFont typeface="Arial" pitchFamily="34" charset="0"/>
         <a:buChar char="•"/>
-        <a:defRPr lang="de-DE" sz="2000" kern="1200" dirty="0" smtClean="0">
+        <a:defRPr lang="de-DE" sz="1700" kern="1200" dirty="0" smtClean="0">
           <a:solidFill>
             <a:schemeClr val="tx1"/>
           </a:solidFill>
@@ -2749,13 +2730,13 @@
           <a:cs typeface="+mn-cs"/>
         </a:defRPr>
       </a:lvl2pPr>
-      <a:lvl3pPr marL="1143000" indent="-228600" algn="l" defTabSz="914400" rtl="0" eaLnBrk="1" latinLnBrk="0" hangingPunct="1">
+      <a:lvl3pPr marL="974065" indent="-194813" algn="l" defTabSz="779252" rtl="0" eaLnBrk="1" latinLnBrk="0" hangingPunct="1">
         <a:spcBef>
-          <a:spcPts val="800"/>
+          <a:spcPts val="682"/>
         </a:spcBef>
         <a:buFont typeface="Arial" pitchFamily="34" charset="0"/>
         <a:buChar char="•"/>
-        <a:defRPr lang="de-DE" sz="2000" kern="1200" dirty="0" smtClean="0">
+        <a:defRPr lang="de-DE" sz="1700" kern="1200" dirty="0" smtClean="0">
           <a:solidFill>
             <a:schemeClr val="tx1"/>
           </a:solidFill>
@@ -2764,13 +2745,13 @@
           <a:cs typeface="+mn-cs"/>
         </a:defRPr>
       </a:lvl3pPr>
-      <a:lvl4pPr marL="1600200" indent="-228600" algn="l" defTabSz="914400" rtl="0" eaLnBrk="1" latinLnBrk="0" hangingPunct="1">
+      <a:lvl4pPr marL="1363690" indent="-194813" algn="l" defTabSz="779252" rtl="0" eaLnBrk="1" latinLnBrk="0" hangingPunct="1">
         <a:spcBef>
-          <a:spcPts val="800"/>
+          <a:spcPts val="682"/>
         </a:spcBef>
         <a:buFont typeface="Arial" pitchFamily="34" charset="0"/>
         <a:buChar char="•"/>
-        <a:defRPr lang="de-DE" sz="2000" kern="1200" dirty="0" smtClean="0">
+        <a:defRPr lang="de-DE" sz="1700" kern="1200" dirty="0" smtClean="0">
           <a:solidFill>
             <a:schemeClr val="tx1"/>
           </a:solidFill>
@@ -2779,13 +2760,13 @@
           <a:cs typeface="+mn-cs"/>
         </a:defRPr>
       </a:lvl4pPr>
-      <a:lvl5pPr marL="2057400" indent="-228600" algn="l" defTabSz="914400" rtl="0" eaLnBrk="1" latinLnBrk="0" hangingPunct="1">
+      <a:lvl5pPr marL="1753316" indent="-194813" algn="l" defTabSz="779252" rtl="0" eaLnBrk="1" latinLnBrk="0" hangingPunct="1">
         <a:spcBef>
-          <a:spcPts val="800"/>
+          <a:spcPts val="682"/>
         </a:spcBef>
         <a:buFont typeface="Arial" pitchFamily="34" charset="0"/>
         <a:buChar char="•"/>
-        <a:defRPr lang="de-DE" sz="2000" kern="1200" dirty="0">
+        <a:defRPr lang="de-DE" sz="1700" kern="1200" dirty="0">
           <a:solidFill>
             <a:schemeClr val="tx1"/>
           </a:solidFill>
@@ -2794,13 +2775,13 @@
           <a:cs typeface="+mn-cs"/>
         </a:defRPr>
       </a:lvl5pPr>
-      <a:lvl6pPr marL="2514600" indent="-228600" algn="l" defTabSz="914400" rtl="0" eaLnBrk="1" latinLnBrk="0" hangingPunct="1">
+      <a:lvl6pPr marL="2142942" indent="-194813" algn="l" defTabSz="779252" rtl="0" eaLnBrk="1" latinLnBrk="0" hangingPunct="1">
         <a:spcBef>
           <a:spcPct val="20000"/>
         </a:spcBef>
         <a:buFont typeface="Arial" pitchFamily="34" charset="0"/>
         <a:buChar char="•"/>
-        <a:defRPr sz="2000" kern="1200">
+        <a:defRPr sz="1700" kern="1200">
           <a:solidFill>
             <a:schemeClr val="tx1"/>
           </a:solidFill>
@@ -2809,13 +2790,13 @@
           <a:cs typeface="+mn-cs"/>
         </a:defRPr>
       </a:lvl6pPr>
-      <a:lvl7pPr marL="2971800" indent="-228600" algn="l" defTabSz="914400" rtl="0" eaLnBrk="1" latinLnBrk="0" hangingPunct="1">
+      <a:lvl7pPr marL="2532568" indent="-194813" algn="l" defTabSz="779252" rtl="0" eaLnBrk="1" latinLnBrk="0" hangingPunct="1">
         <a:spcBef>
           <a:spcPct val="20000"/>
         </a:spcBef>
         <a:buFont typeface="Arial" pitchFamily="34" charset="0"/>
         <a:buChar char="•"/>
-        <a:defRPr sz="2000" kern="1200">
+        <a:defRPr sz="1700" kern="1200">
           <a:solidFill>
             <a:schemeClr val="tx1"/>
           </a:solidFill>
@@ -2824,13 +2805,13 @@
           <a:cs typeface="+mn-cs"/>
         </a:defRPr>
       </a:lvl7pPr>
-      <a:lvl8pPr marL="3429000" indent="-228600" algn="l" defTabSz="914400" rtl="0" eaLnBrk="1" latinLnBrk="0" hangingPunct="1">
+      <a:lvl8pPr marL="2922194" indent="-194813" algn="l" defTabSz="779252" rtl="0" eaLnBrk="1" latinLnBrk="0" hangingPunct="1">
         <a:spcBef>
           <a:spcPct val="20000"/>
         </a:spcBef>
         <a:buFont typeface="Arial" pitchFamily="34" charset="0"/>
         <a:buChar char="•"/>
-        <a:defRPr sz="2000" kern="1200">
+        <a:defRPr sz="1700" kern="1200">
           <a:solidFill>
             <a:schemeClr val="tx1"/>
           </a:solidFill>
@@ -2839,13 +2820,13 @@
           <a:cs typeface="+mn-cs"/>
         </a:defRPr>
       </a:lvl8pPr>
-      <a:lvl9pPr marL="3886200" indent="-228600" algn="l" defTabSz="914400" rtl="0" eaLnBrk="1" latinLnBrk="0" hangingPunct="1">
+      <a:lvl9pPr marL="3311820" indent="-194813" algn="l" defTabSz="779252" rtl="0" eaLnBrk="1" latinLnBrk="0" hangingPunct="1">
         <a:spcBef>
           <a:spcPct val="20000"/>
         </a:spcBef>
         <a:buFont typeface="Arial" pitchFamily="34" charset="0"/>
         <a:buChar char="•"/>
-        <a:defRPr sz="2000" kern="1200">
+        <a:defRPr sz="1700" kern="1200">
           <a:solidFill>
             <a:schemeClr val="tx1"/>
           </a:solidFill>
@@ -2859,8 +2840,8 @@
       <a:defPPr>
         <a:defRPr lang="de-DE"/>
       </a:defPPr>
-      <a:lvl1pPr marL="0" algn="l" defTabSz="914400" rtl="0" eaLnBrk="1" latinLnBrk="0" hangingPunct="1">
-        <a:defRPr sz="1800" kern="1200">
+      <a:lvl1pPr marL="0" algn="l" defTabSz="779252" rtl="0" eaLnBrk="1" latinLnBrk="0" hangingPunct="1">
+        <a:defRPr sz="1500" kern="1200">
           <a:solidFill>
             <a:schemeClr val="tx1"/>
           </a:solidFill>
@@ -2869,8 +2850,8 @@
           <a:cs typeface="+mn-cs"/>
         </a:defRPr>
       </a:lvl1pPr>
-      <a:lvl2pPr marL="457200" algn="l" defTabSz="914400" rtl="0" eaLnBrk="1" latinLnBrk="0" hangingPunct="1">
-        <a:defRPr sz="1800" kern="1200">
+      <a:lvl2pPr marL="389626" algn="l" defTabSz="779252" rtl="0" eaLnBrk="1" latinLnBrk="0" hangingPunct="1">
+        <a:defRPr sz="1500" kern="1200">
           <a:solidFill>
             <a:schemeClr val="tx1"/>
           </a:solidFill>
@@ -2879,8 +2860,8 @@
           <a:cs typeface="+mn-cs"/>
         </a:defRPr>
       </a:lvl2pPr>
-      <a:lvl3pPr marL="914400" algn="l" defTabSz="914400" rtl="0" eaLnBrk="1" latinLnBrk="0" hangingPunct="1">
-        <a:defRPr sz="1800" kern="1200">
+      <a:lvl3pPr marL="779252" algn="l" defTabSz="779252" rtl="0" eaLnBrk="1" latinLnBrk="0" hangingPunct="1">
+        <a:defRPr sz="1500" kern="1200">
           <a:solidFill>
             <a:schemeClr val="tx1"/>
           </a:solidFill>
@@ -2889,8 +2870,8 @@
           <a:cs typeface="+mn-cs"/>
         </a:defRPr>
       </a:lvl3pPr>
-      <a:lvl4pPr marL="1371600" algn="l" defTabSz="914400" rtl="0" eaLnBrk="1" latinLnBrk="0" hangingPunct="1">
-        <a:defRPr sz="1800" kern="1200">
+      <a:lvl4pPr marL="1168878" algn="l" defTabSz="779252" rtl="0" eaLnBrk="1" latinLnBrk="0" hangingPunct="1">
+        <a:defRPr sz="1500" kern="1200">
           <a:solidFill>
             <a:schemeClr val="tx1"/>
           </a:solidFill>
@@ -2899,8 +2880,8 @@
           <a:cs typeface="+mn-cs"/>
         </a:defRPr>
       </a:lvl4pPr>
-      <a:lvl5pPr marL="1828800" algn="l" defTabSz="914400" rtl="0" eaLnBrk="1" latinLnBrk="0" hangingPunct="1">
-        <a:defRPr sz="1800" kern="1200">
+      <a:lvl5pPr marL="1558503" algn="l" defTabSz="779252" rtl="0" eaLnBrk="1" latinLnBrk="0" hangingPunct="1">
+        <a:defRPr sz="1500" kern="1200">
           <a:solidFill>
             <a:schemeClr val="tx1"/>
           </a:solidFill>
@@ -2909,8 +2890,8 @@
           <a:cs typeface="+mn-cs"/>
         </a:defRPr>
       </a:lvl5pPr>
-      <a:lvl6pPr marL="2286000" algn="l" defTabSz="914400" rtl="0" eaLnBrk="1" latinLnBrk="0" hangingPunct="1">
-        <a:defRPr sz="1800" kern="1200">
+      <a:lvl6pPr marL="1948129" algn="l" defTabSz="779252" rtl="0" eaLnBrk="1" latinLnBrk="0" hangingPunct="1">
+        <a:defRPr sz="1500" kern="1200">
           <a:solidFill>
             <a:schemeClr val="tx1"/>
           </a:solidFill>
@@ -2919,8 +2900,8 @@
           <a:cs typeface="+mn-cs"/>
         </a:defRPr>
       </a:lvl6pPr>
-      <a:lvl7pPr marL="2743200" algn="l" defTabSz="914400" rtl="0" eaLnBrk="1" latinLnBrk="0" hangingPunct="1">
-        <a:defRPr sz="1800" kern="1200">
+      <a:lvl7pPr marL="2337755" algn="l" defTabSz="779252" rtl="0" eaLnBrk="1" latinLnBrk="0" hangingPunct="1">
+        <a:defRPr sz="1500" kern="1200">
           <a:solidFill>
             <a:schemeClr val="tx1"/>
           </a:solidFill>
@@ -2929,8 +2910,8 @@
           <a:cs typeface="+mn-cs"/>
         </a:defRPr>
       </a:lvl7pPr>
-      <a:lvl8pPr marL="3200400" algn="l" defTabSz="914400" rtl="0" eaLnBrk="1" latinLnBrk="0" hangingPunct="1">
-        <a:defRPr sz="1800" kern="1200">
+      <a:lvl8pPr marL="2727381" algn="l" defTabSz="779252" rtl="0" eaLnBrk="1" latinLnBrk="0" hangingPunct="1">
+        <a:defRPr sz="1500" kern="1200">
           <a:solidFill>
             <a:schemeClr val="tx1"/>
           </a:solidFill>
@@ -2939,8 +2920,8 @@
           <a:cs typeface="+mn-cs"/>
         </a:defRPr>
       </a:lvl8pPr>
-      <a:lvl9pPr marL="3657600" algn="l" defTabSz="914400" rtl="0" eaLnBrk="1" latinLnBrk="0" hangingPunct="1">
-        <a:defRPr sz="1800" kern="1200">
+      <a:lvl9pPr marL="3117007" algn="l" defTabSz="779252" rtl="0" eaLnBrk="1" latinLnBrk="0" hangingPunct="1">
+        <a:defRPr sz="1500" kern="1200">
           <a:solidFill>
             <a:schemeClr val="tx1"/>
           </a:solidFill>
@@ -2959,18 +2940,15 @@
   <p:cSld>
     <p:bg>
       <p:bgPr>
-        <a:gradFill flip="none" rotWithShape="1">
-          <a:gsLst>
-            <a:gs pos="0">
-              <a:srgbClr val="1293B5"/>
-            </a:gs>
-            <a:gs pos="100000">
-              <a:srgbClr val="003278"/>
-            </a:gs>
-          </a:gsLst>
-          <a:lin ang="5400000" scaled="0"/>
-          <a:tileRect/>
-        </a:gradFill>
+        <a:blipFill dpi="0" rotWithShape="1">
+          <a:blip r:embed="rId5">
+            <a:lum/>
+          </a:blip>
+          <a:srcRect/>
+          <a:stretch>
+            <a:fillRect l="-1000" r="-1000"/>
+          </a:stretch>
+        </a:blipFill>
         <a:effectLst/>
       </p:bgPr>
     </p:bg>
@@ -3085,56 +3063,56 @@
           <a:latin typeface="Arial" charset="0"/>
         </a:defRPr>
       </a:lvl5pPr>
-      <a:lvl6pPr marL="457171" algn="l" rtl="0" fontAlgn="base">
+      <a:lvl6pPr marL="389601" algn="l" rtl="0" fontAlgn="base">
         <a:spcBef>
           <a:spcPct val="0"/>
         </a:spcBef>
         <a:spcAft>
           <a:spcPct val="0"/>
         </a:spcAft>
-        <a:defRPr sz="2400" b="1">
+        <a:defRPr sz="2000" b="1">
           <a:solidFill>
             <a:schemeClr val="tx2"/>
           </a:solidFill>
           <a:latin typeface="Arial" charset="0"/>
         </a:defRPr>
       </a:lvl6pPr>
-      <a:lvl7pPr marL="914340" algn="l" rtl="0" fontAlgn="base">
+      <a:lvl7pPr marL="779201" algn="l" rtl="0" fontAlgn="base">
         <a:spcBef>
           <a:spcPct val="0"/>
         </a:spcBef>
         <a:spcAft>
           <a:spcPct val="0"/>
         </a:spcAft>
-        <a:defRPr sz="2400" b="1">
+        <a:defRPr sz="2000" b="1">
           <a:solidFill>
             <a:schemeClr val="tx2"/>
           </a:solidFill>
           <a:latin typeface="Arial" charset="0"/>
         </a:defRPr>
       </a:lvl7pPr>
-      <a:lvl8pPr marL="1371511" algn="l" rtl="0" fontAlgn="base">
+      <a:lvl8pPr marL="1168802" algn="l" rtl="0" fontAlgn="base">
         <a:spcBef>
           <a:spcPct val="0"/>
         </a:spcBef>
         <a:spcAft>
           <a:spcPct val="0"/>
         </a:spcAft>
-        <a:defRPr sz="2400" b="1">
+        <a:defRPr sz="2000" b="1">
           <a:solidFill>
             <a:schemeClr val="tx2"/>
           </a:solidFill>
           <a:latin typeface="Arial" charset="0"/>
         </a:defRPr>
       </a:lvl8pPr>
-      <a:lvl9pPr marL="1828681" algn="l" rtl="0" fontAlgn="base">
+      <a:lvl9pPr marL="1558402" algn="l" rtl="0" fontAlgn="base">
         <a:spcBef>
           <a:spcPct val="0"/>
         </a:spcBef>
         <a:spcAft>
           <a:spcPct val="0"/>
         </a:spcAft>
-        <a:defRPr sz="2400" b="1">
+        <a:defRPr sz="2000" b="1">
           <a:solidFill>
             <a:schemeClr val="tx2"/>
           </a:solidFill>
@@ -3143,7 +3121,7 @@
       </a:lvl9pPr>
     </p:titleStyle>
     <p:bodyStyle>
-      <a:lvl1pPr marL="378875" indent="-378875" algn="l" rtl="0" eaLnBrk="0" fontAlgn="base" hangingPunct="0">
+      <a:lvl1pPr marL="322877" indent="-322877" algn="l" rtl="0" eaLnBrk="0" fontAlgn="base" hangingPunct="0">
         <a:spcBef>
           <a:spcPct val="100000"/>
         </a:spcBef>
@@ -3155,9 +3133,9 @@
         </a:buClr>
         <a:buFont typeface="Webdings" pitchFamily="18" charset="2"/>
         <a:buBlip>
-          <a:blip r:embed="rId5"/>
+          <a:blip r:embed="rId6"/>
         </a:buBlip>
-        <a:defRPr sz="2100">
+        <a:defRPr sz="1800">
           <a:solidFill>
             <a:schemeClr val="tx1"/>
           </a:solidFill>
@@ -3166,27 +3144,7 @@
           <a:cs typeface="+mn-cs"/>
         </a:defRPr>
       </a:lvl1pPr>
-      <a:lvl2pPr marL="761981" indent="-378875" algn="l" rtl="0" eaLnBrk="0" fontAlgn="base" hangingPunct="0">
-        <a:spcBef>
-          <a:spcPct val="100000"/>
-        </a:spcBef>
-        <a:spcAft>
-          <a:spcPct val="0"/>
-        </a:spcAft>
-        <a:buClr>
-          <a:schemeClr val="bg2"/>
-        </a:buClr>
-        <a:buBlip>
-          <a:blip r:embed="rId6"/>
-        </a:buBlip>
-        <a:defRPr sz="2100">
-          <a:solidFill>
-            <a:schemeClr val="tx1"/>
-          </a:solidFill>
-          <a:latin typeface="+mn-lt"/>
-        </a:defRPr>
-      </a:lvl2pPr>
-      <a:lvl3pPr marL="1145089" indent="-378875" algn="l" rtl="0" eaLnBrk="0" fontAlgn="base" hangingPunct="0">
+      <a:lvl2pPr marL="649360" indent="-322877" algn="l" rtl="0" eaLnBrk="0" fontAlgn="base" hangingPunct="0">
         <a:spcBef>
           <a:spcPct val="100000"/>
         </a:spcBef>
@@ -3199,14 +3157,34 @@
         <a:buBlip>
           <a:blip r:embed="rId7"/>
         </a:buBlip>
-        <a:defRPr sz="2100">
+        <a:defRPr sz="1800">
+          <a:solidFill>
+            <a:schemeClr val="tx1"/>
+          </a:solidFill>
+          <a:latin typeface="+mn-lt"/>
+        </a:defRPr>
+      </a:lvl2pPr>
+      <a:lvl3pPr marL="975845" indent="-322877" algn="l" rtl="0" eaLnBrk="0" fontAlgn="base" hangingPunct="0">
+        <a:spcBef>
+          <a:spcPct val="100000"/>
+        </a:spcBef>
+        <a:spcAft>
+          <a:spcPct val="0"/>
+        </a:spcAft>
+        <a:buClr>
+          <a:schemeClr val="bg2"/>
+        </a:buClr>
+        <a:buBlip>
+          <a:blip r:embed="rId8"/>
+        </a:buBlip>
+        <a:defRPr sz="1800">
           <a:solidFill>
             <a:schemeClr val="tx1"/>
           </a:solidFill>
           <a:latin typeface="+mn-lt"/>
         </a:defRPr>
       </a:lvl3pPr>
-      <a:lvl4pPr marL="2021367" indent="-378875" algn="l" rtl="0" eaLnBrk="0" fontAlgn="base" hangingPunct="0">
+      <a:lvl4pPr marL="1722609" indent="-322877" algn="l" rtl="0" eaLnBrk="0" fontAlgn="base" hangingPunct="0">
         <a:spcBef>
           <a:spcPct val="20000"/>
         </a:spcBef>
@@ -3221,7 +3199,7 @@
           <a:latin typeface="+mn-lt"/>
         </a:defRPr>
       </a:lvl4pPr>
-      <a:lvl5pPr marL="2580153" indent="-378875" algn="l" rtl="0" eaLnBrk="0" fontAlgn="base" hangingPunct="0">
+      <a:lvl5pPr marL="2198806" indent="-322877" algn="l" rtl="0" eaLnBrk="0" fontAlgn="base" hangingPunct="0">
         <a:spcBef>
           <a:spcPct val="20000"/>
         </a:spcBef>
@@ -3236,7 +3214,7 @@
           <a:latin typeface="+mn-lt"/>
         </a:defRPr>
       </a:lvl5pPr>
-      <a:lvl6pPr marL="3038279" indent="-379389" algn="l" rtl="0" fontAlgn="base">
+      <a:lvl6pPr marL="2589221" indent="-323315" algn="l" rtl="0" fontAlgn="base">
         <a:spcBef>
           <a:spcPct val="20000"/>
         </a:spcBef>
@@ -3251,7 +3229,7 @@
           <a:latin typeface="+mn-lt"/>
         </a:defRPr>
       </a:lvl6pPr>
-      <a:lvl7pPr marL="3495449" indent="-379389" algn="l" rtl="0" fontAlgn="base">
+      <a:lvl7pPr marL="2978822" indent="-323315" algn="l" rtl="0" fontAlgn="base">
         <a:spcBef>
           <a:spcPct val="20000"/>
         </a:spcBef>
@@ -3266,7 +3244,7 @@
           <a:latin typeface="+mn-lt"/>
         </a:defRPr>
       </a:lvl7pPr>
-      <a:lvl8pPr marL="3952620" indent="-379389" algn="l" rtl="0" fontAlgn="base">
+      <a:lvl8pPr marL="3368423" indent="-323315" algn="l" rtl="0" fontAlgn="base">
         <a:spcBef>
           <a:spcPct val="20000"/>
         </a:spcBef>
@@ -3281,7 +3259,7 @@
           <a:latin typeface="+mn-lt"/>
         </a:defRPr>
       </a:lvl8pPr>
-      <a:lvl9pPr marL="4409788" indent="-379389" algn="l" rtl="0" fontAlgn="base">
+      <a:lvl9pPr marL="3758021" indent="-323315" algn="l" rtl="0" fontAlgn="base">
         <a:spcBef>
           <a:spcPct val="20000"/>
         </a:spcBef>
@@ -3301,8 +3279,8 @@
       <a:defPPr>
         <a:defRPr lang="de-DE"/>
       </a:defPPr>
-      <a:lvl1pPr marL="0" algn="l" defTabSz="914340" rtl="0" eaLnBrk="1" latinLnBrk="0" hangingPunct="1">
-        <a:defRPr sz="1900" kern="1200">
+      <a:lvl1pPr marL="0" algn="l" defTabSz="779201" rtl="0" eaLnBrk="1" latinLnBrk="0" hangingPunct="1">
+        <a:defRPr sz="1600" kern="1200">
           <a:solidFill>
             <a:schemeClr val="tx1"/>
           </a:solidFill>
@@ -3311,8 +3289,8 @@
           <a:cs typeface="+mn-cs"/>
         </a:defRPr>
       </a:lvl1pPr>
-      <a:lvl2pPr marL="457171" algn="l" defTabSz="914340" rtl="0" eaLnBrk="1" latinLnBrk="0" hangingPunct="1">
-        <a:defRPr sz="1900" kern="1200">
+      <a:lvl2pPr marL="389601" algn="l" defTabSz="779201" rtl="0" eaLnBrk="1" latinLnBrk="0" hangingPunct="1">
+        <a:defRPr sz="1600" kern="1200">
           <a:solidFill>
             <a:schemeClr val="tx1"/>
           </a:solidFill>
@@ -3321,8 +3299,8 @@
           <a:cs typeface="+mn-cs"/>
         </a:defRPr>
       </a:lvl2pPr>
-      <a:lvl3pPr marL="914340" algn="l" defTabSz="914340" rtl="0" eaLnBrk="1" latinLnBrk="0" hangingPunct="1">
-        <a:defRPr sz="1900" kern="1200">
+      <a:lvl3pPr marL="779201" algn="l" defTabSz="779201" rtl="0" eaLnBrk="1" latinLnBrk="0" hangingPunct="1">
+        <a:defRPr sz="1600" kern="1200">
           <a:solidFill>
             <a:schemeClr val="tx1"/>
           </a:solidFill>
@@ -3331,8 +3309,8 @@
           <a:cs typeface="+mn-cs"/>
         </a:defRPr>
       </a:lvl3pPr>
-      <a:lvl4pPr marL="1371511" algn="l" defTabSz="914340" rtl="0" eaLnBrk="1" latinLnBrk="0" hangingPunct="1">
-        <a:defRPr sz="1900" kern="1200">
+      <a:lvl4pPr marL="1168802" algn="l" defTabSz="779201" rtl="0" eaLnBrk="1" latinLnBrk="0" hangingPunct="1">
+        <a:defRPr sz="1600" kern="1200">
           <a:solidFill>
             <a:schemeClr val="tx1"/>
           </a:solidFill>
@@ -3341,8 +3319,8 @@
           <a:cs typeface="+mn-cs"/>
         </a:defRPr>
       </a:lvl4pPr>
-      <a:lvl5pPr marL="1828681" algn="l" defTabSz="914340" rtl="0" eaLnBrk="1" latinLnBrk="0" hangingPunct="1">
-        <a:defRPr sz="1900" kern="1200">
+      <a:lvl5pPr marL="1558402" algn="l" defTabSz="779201" rtl="0" eaLnBrk="1" latinLnBrk="0" hangingPunct="1">
+        <a:defRPr sz="1600" kern="1200">
           <a:solidFill>
             <a:schemeClr val="tx1"/>
           </a:solidFill>
@@ -3351,8 +3329,8 @@
           <a:cs typeface="+mn-cs"/>
         </a:defRPr>
       </a:lvl5pPr>
-      <a:lvl6pPr marL="2285852" algn="l" defTabSz="914340" rtl="0" eaLnBrk="1" latinLnBrk="0" hangingPunct="1">
-        <a:defRPr sz="1900" kern="1200">
+      <a:lvl6pPr marL="1948003" algn="l" defTabSz="779201" rtl="0" eaLnBrk="1" latinLnBrk="0" hangingPunct="1">
+        <a:defRPr sz="1600" kern="1200">
           <a:solidFill>
             <a:schemeClr val="tx1"/>
           </a:solidFill>
@@ -3361,8 +3339,8 @@
           <a:cs typeface="+mn-cs"/>
         </a:defRPr>
       </a:lvl6pPr>
-      <a:lvl7pPr marL="2743022" algn="l" defTabSz="914340" rtl="0" eaLnBrk="1" latinLnBrk="0" hangingPunct="1">
-        <a:defRPr sz="1900" kern="1200">
+      <a:lvl7pPr marL="2337603" algn="l" defTabSz="779201" rtl="0" eaLnBrk="1" latinLnBrk="0" hangingPunct="1">
+        <a:defRPr sz="1600" kern="1200">
           <a:solidFill>
             <a:schemeClr val="tx1"/>
           </a:solidFill>
@@ -3371,8 +3349,8 @@
           <a:cs typeface="+mn-cs"/>
         </a:defRPr>
       </a:lvl7pPr>
-      <a:lvl8pPr marL="3200192" algn="l" defTabSz="914340" rtl="0" eaLnBrk="1" latinLnBrk="0" hangingPunct="1">
-        <a:defRPr sz="1900" kern="1200">
+      <a:lvl8pPr marL="2727204" algn="l" defTabSz="779201" rtl="0" eaLnBrk="1" latinLnBrk="0" hangingPunct="1">
+        <a:defRPr sz="1600" kern="1200">
           <a:solidFill>
             <a:schemeClr val="tx1"/>
           </a:solidFill>
@@ -3381,8 +3359,8 @@
           <a:cs typeface="+mn-cs"/>
         </a:defRPr>
       </a:lvl8pPr>
-      <a:lvl9pPr marL="3657363" algn="l" defTabSz="914340" rtl="0" eaLnBrk="1" latinLnBrk="0" hangingPunct="1">
-        <a:defRPr sz="1900" kern="1200">
+      <a:lvl9pPr marL="3116805" algn="l" defTabSz="779201" rtl="0" eaLnBrk="1" latinLnBrk="0" hangingPunct="1">
+        <a:defRPr sz="1600" kern="1200">
           <a:solidFill>
             <a:schemeClr val="tx1"/>
           </a:solidFill>
@@ -3399,20 +3377,6 @@
 <file path=ppt/slides/slide1.xml><?xml version="1.0" encoding="utf-8"?>
 <p:sld xmlns:a="http://schemas.openxmlformats.org/drawingml/2006/main" xmlns:r="http://schemas.openxmlformats.org/officeDocument/2006/relationships" xmlns:p="http://schemas.openxmlformats.org/presentationml/2006/main">
   <p:cSld>
-    <p:bg>
-      <p:bgPr>
-        <a:blipFill dpi="0" rotWithShape="1">
-          <a:blip r:embed="rId3">
-            <a:lum/>
-          </a:blip>
-          <a:srcRect/>
-          <a:stretch>
-            <a:fillRect l="-13000" r="-13000"/>
-          </a:stretch>
-        </a:blipFill>
-        <a:effectLst/>
-      </p:bgPr>
-    </p:bg>
     <p:spTree>
       <p:nvGrpSpPr>
         <p:cNvPr id="1" name=""/>
@@ -3439,8 +3403,8 @@
         </p:nvSpPr>
         <p:spPr>
           <a:xfrm>
-            <a:off x="677209" y="1446828"/>
-            <a:ext cx="8420100" cy="1920409"/>
+            <a:off x="625116" y="1085121"/>
+            <a:ext cx="7772400" cy="1440307"/>
           </a:xfrm>
         </p:spPr>
         <p:txBody>
@@ -3547,8 +3511,8 @@
         </p:nvSpPr>
         <p:spPr>
           <a:xfrm>
-            <a:off x="1120028" y="3762642"/>
-            <a:ext cx="7665944" cy="1956839"/>
+            <a:off x="1033872" y="2821982"/>
+            <a:ext cx="7076256" cy="1467629"/>
           </a:xfrm>
         </p:spPr>
         <p:txBody>
@@ -3585,22 +3549,7 @@
                   </a:outerShdw>
                 </a:effectLst>
               </a:rPr>
-              <a:t>JCON </a:t>
-            </a:r>
-            <a:r>
-              <a:rPr lang="de-DE" b="1" dirty="0" smtClean="0">
-                <a:solidFill>
-                  <a:schemeClr val="bg1"/>
-                </a:solidFill>
-                <a:effectLst>
-                  <a:outerShdw blurRad="38100" dist="38100" dir="2700000" algn="tl">
-                    <a:srgbClr val="000000">
-                      <a:alpha val="43137"/>
-                    </a:srgbClr>
-                  </a:outerShdw>
-                </a:effectLst>
-              </a:rPr>
-              <a:t>Düsseldorf / 25.10.2017</a:t>
+              <a:t>JCON Düsseldorf / 25.10.2017</a:t>
             </a:r>
           </a:p>
           <a:p>
@@ -3650,6 +3599,40 @@
           </a:p>
         </p:txBody>
       </p:sp>
+      <p:pic>
+        <p:nvPicPr>
+          <p:cNvPr id="5" name="Grafik 12" descr="viadee_Logo_negativ_RGB.png">
+            <a:hlinkClick r:id="rId3" action="ppaction://hlinkpres?slideindex=1&amp;slidetitle="/>
+          </p:cNvPr>
+          <p:cNvPicPr>
+            <a:picLocks noChangeAspect="1"/>
+          </p:cNvPicPr>
+          <p:nvPr/>
+        </p:nvPicPr>
+        <p:blipFill>
+          <a:blip r:embed="rId4" cstate="print"/>
+          <a:srcRect/>
+          <a:stretch>
+            <a:fillRect/>
+          </a:stretch>
+        </p:blipFill>
+        <p:spPr bwMode="auto">
+          <a:xfrm>
+            <a:off x="7346577" y="135031"/>
+            <a:ext cx="1682750" cy="630237"/>
+          </a:xfrm>
+          <a:prstGeom prst="rect">
+            <a:avLst/>
+          </a:prstGeom>
+          <a:noFill/>
+          <a:ln w="9525">
+            <a:noFill/>
+            <a:miter lim="800000"/>
+            <a:headEnd/>
+            <a:tailEnd/>
+          </a:ln>
+        </p:spPr>
+      </p:pic>
     </p:spTree>
   </p:cSld>
   <p:clrMapOvr>
@@ -3666,22 +3649,8 @@
 </file>
 
 <file path=ppt/slides/slide2.xml><?xml version="1.0" encoding="utf-8"?>
-<p:sld xmlns:a="http://schemas.openxmlformats.org/drawingml/2006/main" xmlns:r="http://schemas.openxmlformats.org/officeDocument/2006/relationships" xmlns:p="http://schemas.openxmlformats.org/presentationml/2006/main" showMasterSp="0">
+<p:sld xmlns:a="http://schemas.openxmlformats.org/drawingml/2006/main" xmlns:r="http://schemas.openxmlformats.org/officeDocument/2006/relationships" xmlns:p="http://schemas.openxmlformats.org/presentationml/2006/main">
   <p:cSld>
-    <p:bg>
-      <p:bgPr>
-        <a:blipFill dpi="0" rotWithShape="1">
-          <a:blip r:embed="rId2">
-            <a:lum/>
-          </a:blip>
-          <a:srcRect/>
-          <a:stretch>
-            <a:fillRect l="-13000" r="-13000"/>
-          </a:stretch>
-        </a:blipFill>
-        <a:effectLst/>
-      </p:bgPr>
-    </p:bg>
     <p:spTree>
       <p:nvGrpSpPr>
         <p:cNvPr id="1" name=""/>
@@ -3708,8 +3677,8 @@
         </p:nvSpPr>
         <p:spPr>
           <a:xfrm>
-            <a:off x="310768" y="2254814"/>
-            <a:ext cx="4153647" cy="1080041"/>
+            <a:off x="286863" y="1691111"/>
+            <a:ext cx="3834136" cy="810031"/>
           </a:xfrm>
           <a:solidFill>
             <a:schemeClr val="bg1">
@@ -3722,10 +3691,10 @@
           <a:lstStyle/>
           <a:p>
             <a:r>
-              <a:rPr lang="de-DE" sz="2000" dirty="0" smtClean="0"/>
+              <a:rPr lang="de-DE" sz="1700" dirty="0"/>
               <a:t>Mein Enthusiasmus war vielleicht etwas übertrieben, weil…</a:t>
             </a:r>
-            <a:endParaRPr lang="de-DE" sz="2000" dirty="0"/>
+            <a:endParaRPr lang="de-DE" sz="1700" dirty="0"/>
           </a:p>
         </p:txBody>
       </p:sp>
@@ -3741,8 +3710,8 @@
         </p:nvSpPr>
         <p:spPr>
           <a:xfrm>
-            <a:off x="310770" y="3336605"/>
-            <a:ext cx="4159621" cy="2902814"/>
+            <a:off x="286865" y="2502454"/>
+            <a:ext cx="3839650" cy="2177111"/>
           </a:xfrm>
           <a:solidFill>
             <a:schemeClr val="bg1">
@@ -3757,50 +3726,43 @@
           <a:lstStyle/>
           <a:p>
             <a:r>
-              <a:rPr lang="de-DE" sz="2000" dirty="0" smtClean="0"/>
+              <a:rPr lang="de-DE" sz="1700" dirty="0"/>
               <a:t>Keine </a:t>
             </a:r>
             <a:r>
-              <a:rPr lang="de-DE" sz="2000" dirty="0" err="1" smtClean="0"/>
+              <a:rPr lang="de-DE" sz="1700" dirty="0" err="1"/>
               <a:t>CheckedExceptions</a:t>
             </a:r>
             <a:r>
-              <a:rPr lang="de-DE" sz="2000" dirty="0" smtClean="0"/>
+              <a:rPr lang="de-DE" sz="1700" dirty="0"/>
               <a:t> möglich sind</a:t>
             </a:r>
-            <a:endParaRPr lang="de-DE" sz="2000" dirty="0" smtClean="0"/>
-          </a:p>
-          <a:p>
-            <a:r>
-              <a:rPr lang="de-DE" sz="2000" dirty="0" smtClean="0"/>
-              <a:t>Debugging </a:t>
-            </a:r>
-            <a:r>
-              <a:rPr lang="de-DE" sz="2000" dirty="0" smtClean="0"/>
-              <a:t>nicht so einfach ist</a:t>
-            </a:r>
-          </a:p>
-          <a:p>
-            <a:r>
-              <a:rPr lang="de-DE" sz="2000" dirty="0" err="1" smtClean="0"/>
+          </a:p>
+          <a:p>
+            <a:r>
+              <a:rPr lang="de-DE" sz="1700" dirty="0"/>
+              <a:t>Debugging nicht so einfach ist</a:t>
+            </a:r>
+          </a:p>
+          <a:p>
+            <a:r>
+              <a:rPr lang="de-DE" sz="1700" dirty="0" err="1"/>
               <a:t>Einzeiler</a:t>
             </a:r>
             <a:r>
-              <a:rPr lang="de-DE" sz="2000" dirty="0" smtClean="0"/>
+              <a:rPr lang="de-DE" sz="1700" dirty="0"/>
               <a:t> schnell komplex werden</a:t>
             </a:r>
-            <a:endParaRPr lang="de-DE" sz="2000" dirty="0" smtClean="0"/>
-          </a:p>
-          <a:p>
-            <a:r>
-              <a:rPr lang="de-DE" sz="2000" dirty="0" err="1" smtClean="0"/>
+          </a:p>
+          <a:p>
+            <a:r>
+              <a:rPr lang="de-DE" sz="1700" dirty="0" err="1"/>
               <a:t>ParallelStreams</a:t>
             </a:r>
             <a:r>
-              <a:rPr lang="de-DE" sz="2000" dirty="0" smtClean="0"/>
+              <a:rPr lang="de-DE" sz="1700" dirty="0"/>
               <a:t> kein Allheilmittel für Performance-Probleme sind</a:t>
             </a:r>
-            <a:endParaRPr lang="de-DE" sz="2000" dirty="0" smtClean="0"/>
           </a:p>
         </p:txBody>
       </p:sp>
@@ -3820,11 +3782,19 @@
           <a:lstStyle/>
           <a:p>
             <a:fld id="{57DA0801-B3FC-4314-B3C4-1E11294A16FD}" type="slidenum">
-              <a:rPr lang="de-DE" smtClean="0"/>
+              <a:rPr lang="de-DE" smtClean="0">
+                <a:solidFill>
+                  <a:schemeClr val="bg1"/>
+                </a:solidFill>
+              </a:rPr>
               <a:pPr/>
               <a:t>2</a:t>
             </a:fld>
-            <a:endParaRPr lang="de-DE"/>
+            <a:endParaRPr lang="de-DE" dirty="0">
+              <a:solidFill>
+                <a:schemeClr val="bg1"/>
+              </a:solidFill>
+            </a:endParaRPr>
           </a:p>
         </p:txBody>
       </p:sp>
@@ -3844,10 +3814,18 @@
           <a:lstStyle/>
           <a:p>
             <a:r>
-              <a:rPr lang="de-DE" smtClean="0"/>
+              <a:rPr lang="de-DE" dirty="0" smtClean="0">
+                <a:solidFill>
+                  <a:schemeClr val="bg1"/>
+                </a:solidFill>
+              </a:rPr>
               <a:t>25.10.2017</a:t>
             </a:r>
-            <a:endParaRPr lang="de-DE"/>
+            <a:endParaRPr lang="de-DE" dirty="0">
+              <a:solidFill>
+                <a:schemeClr val="bg1"/>
+              </a:solidFill>
+            </a:endParaRPr>
           </a:p>
         </p:txBody>
       </p:sp>
@@ -3867,10 +3845,66 @@
           <a:lstStyle/>
           <a:p>
             <a:r>
-              <a:rPr lang="en-US" smtClean="0"/>
-              <a:t>Lambda - Segen oder Fluch?</a:t>
-            </a:r>
-            <a:endParaRPr lang="de-DE" dirty="0"/>
+              <a:rPr lang="en-US" dirty="0" smtClean="0">
+                <a:solidFill>
+                  <a:schemeClr val="bg1"/>
+                </a:solidFill>
+              </a:rPr>
+              <a:t>Lambda - </a:t>
+            </a:r>
+            <a:r>
+              <a:rPr lang="en-US" dirty="0" err="1" smtClean="0">
+                <a:solidFill>
+                  <a:schemeClr val="bg1"/>
+                </a:solidFill>
+              </a:rPr>
+              <a:t>Segen</a:t>
+            </a:r>
+            <a:r>
+              <a:rPr lang="en-US" dirty="0" smtClean="0">
+                <a:solidFill>
+                  <a:schemeClr val="bg1"/>
+                </a:solidFill>
+              </a:rPr>
+              <a:t> </a:t>
+            </a:r>
+            <a:r>
+              <a:rPr lang="en-US" dirty="0" err="1" smtClean="0">
+                <a:solidFill>
+                  <a:schemeClr val="bg1"/>
+                </a:solidFill>
+              </a:rPr>
+              <a:t>oder</a:t>
+            </a:r>
+            <a:r>
+              <a:rPr lang="en-US" dirty="0" smtClean="0">
+                <a:solidFill>
+                  <a:schemeClr val="bg1"/>
+                </a:solidFill>
+              </a:rPr>
+              <a:t> </a:t>
+            </a:r>
+            <a:r>
+              <a:rPr lang="en-US" dirty="0" err="1" smtClean="0">
+                <a:solidFill>
+                  <a:schemeClr val="bg1"/>
+                </a:solidFill>
+              </a:rPr>
+              <a:t>Fluch</a:t>
+            </a:r>
+            <a:r>
+              <a:rPr lang="en-US" dirty="0" smtClean="0">
+                <a:solidFill>
+                  <a:schemeClr val="bg1"/>
+                </a:solidFill>
+              </a:rPr>
+              <a:t>?</a:t>
+            </a:r>
+            <a:endParaRPr lang="de-DE" dirty="0">
+              <a:solidFill>
+                <a:schemeClr val="bg1"/>
+              </a:solidFill>
+            </a:endParaRPr>
           </a:p>
         </p:txBody>
       </p:sp>
@@ -3884,8 +3918,8 @@
         </p:nvSpPr>
         <p:spPr>
           <a:xfrm>
-            <a:off x="5133780" y="2254814"/>
-            <a:ext cx="4434542" cy="631805"/>
+            <a:off x="4738874" y="1691111"/>
+            <a:ext cx="4093423" cy="473854"/>
           </a:xfrm>
           <a:prstGeom prst="rect">
             <a:avLst/>
@@ -3897,7 +3931,7 @@
           </a:solidFill>
         </p:spPr>
         <p:txBody>
-          <a:bodyPr vert="horz" lIns="91440" tIns="0" rIns="91440" bIns="45720" rtlCol="0" anchor="t">
+          <a:bodyPr vert="horz" lIns="77925" tIns="0" rIns="77925" bIns="38963" rtlCol="0" anchor="t">
             <a:noAutofit/>
           </a:bodyPr>
           <a:lstStyle>
@@ -3918,10 +3952,10 @@
           </a:lstStyle>
           <a:p>
             <a:r>
-              <a:rPr lang="de-DE" sz="2000" dirty="0" smtClean="0"/>
+              <a:rPr lang="de-DE" sz="1700" dirty="0"/>
               <a:t>Meine Skepsis war vielleicht etwas übertrieben, weil…</a:t>
             </a:r>
-            <a:endParaRPr lang="de-DE" sz="2000" dirty="0"/>
+            <a:endParaRPr lang="de-DE" sz="1700" dirty="0"/>
           </a:p>
         </p:txBody>
       </p:sp>
@@ -3935,8 +3969,8 @@
         </p:nvSpPr>
         <p:spPr>
           <a:xfrm>
-            <a:off x="5133781" y="3336604"/>
-            <a:ext cx="4434542" cy="2908791"/>
+            <a:off x="4738875" y="2502454"/>
+            <a:ext cx="4093423" cy="2181593"/>
           </a:xfrm>
           <a:prstGeom prst="rect">
             <a:avLst/>
@@ -3948,8 +3982,8 @@
           </a:solidFill>
         </p:spPr>
         <p:txBody>
-          <a:bodyPr vert="horz" lIns="91440" tIns="45720" rIns="91440" bIns="45720" rtlCol="0">
-            <a:normAutofit/>
+          <a:bodyPr vert="horz" lIns="77925" tIns="38963" rIns="77925" bIns="38963" rtlCol="0">
+            <a:normAutofit lnSpcReduction="10000"/>
           </a:bodyPr>
           <a:lstStyle>
             <a:lvl1pPr marL="342000" indent="-342000" algn="l" defTabSz="914400" rtl="0" eaLnBrk="1" latinLnBrk="0" hangingPunct="1">
@@ -4098,25 +4132,59 @@
           </a:lstStyle>
           <a:p>
             <a:r>
-              <a:rPr lang="de-DE" sz="2000" dirty="0" smtClean="0"/>
+              <a:rPr lang="de-DE" sz="1700" dirty="0"/>
               <a:t>Viele Aufgaben sich mit Lambdas deutlich einfacher und weniger fehleranfällig lösen lassen</a:t>
             </a:r>
           </a:p>
           <a:p>
             <a:r>
-              <a:rPr lang="de-DE" sz="2000" dirty="0" smtClean="0"/>
+              <a:rPr lang="de-DE" sz="1700" dirty="0"/>
               <a:t>Man lesbare Lambda-Ausdrücke schreiben kann, wenn man die Clean-Code-Prinzipien beachtet</a:t>
             </a:r>
           </a:p>
           <a:p>
             <a:r>
-              <a:rPr lang="de-DE" sz="2000" dirty="0" smtClean="0"/>
+              <a:rPr lang="de-DE" sz="1700" dirty="0"/>
               <a:t>Die Sprache nicht komplett auf den Kopf gestellt wurde</a:t>
             </a:r>
-            <a:endParaRPr lang="de-DE" sz="2000" dirty="0"/>
+            <a:endParaRPr lang="de-DE" sz="1700" dirty="0"/>
           </a:p>
         </p:txBody>
       </p:sp>
+      <p:pic>
+        <p:nvPicPr>
+          <p:cNvPr id="11" name="Grafik 12" descr="viadee_Logo_negativ_RGB.png">
+            <a:hlinkClick r:id="rId2" action="ppaction://hlinkpres?slideindex=1&amp;slidetitle="/>
+          </p:cNvPr>
+          <p:cNvPicPr>
+            <a:picLocks noChangeAspect="1"/>
+          </p:cNvPicPr>
+          <p:nvPr/>
+        </p:nvPicPr>
+        <p:blipFill>
+          <a:blip r:embed="rId3" cstate="print"/>
+          <a:srcRect/>
+          <a:stretch>
+            <a:fillRect/>
+          </a:stretch>
+        </p:blipFill>
+        <p:spPr bwMode="auto">
+          <a:xfrm>
+            <a:off x="7346577" y="135031"/>
+            <a:ext cx="1682750" cy="630237"/>
+          </a:xfrm>
+          <a:prstGeom prst="rect">
+            <a:avLst/>
+          </a:prstGeom>
+          <a:noFill/>
+          <a:ln w="9525">
+            <a:noFill/>
+            <a:miter lim="800000"/>
+            <a:headEnd/>
+            <a:tailEnd/>
+          </a:ln>
+        </p:spPr>
+      </p:pic>
     </p:spTree>
     <p:extLst>
       <p:ext uri="{BB962C8B-B14F-4D97-AF65-F5344CB8AC3E}">
@@ -4138,22 +4206,8 @@
 </file>
 
 <file path=ppt/slides/slide3.xml><?xml version="1.0" encoding="utf-8"?>
-<p:sld xmlns:a="http://schemas.openxmlformats.org/drawingml/2006/main" xmlns:r="http://schemas.openxmlformats.org/officeDocument/2006/relationships" xmlns:p="http://schemas.openxmlformats.org/presentationml/2006/main" showMasterSp="0">
+<p:sld xmlns:a="http://schemas.openxmlformats.org/drawingml/2006/main" xmlns:r="http://schemas.openxmlformats.org/officeDocument/2006/relationships" xmlns:p="http://schemas.openxmlformats.org/presentationml/2006/main">
   <p:cSld>
-    <p:bg>
-      <p:bgPr>
-        <a:blipFill dpi="0" rotWithShape="1">
-          <a:blip r:embed="rId2">
-            <a:lum/>
-          </a:blip>
-          <a:srcRect/>
-          <a:stretch>
-            <a:fillRect l="-13000" r="-13000"/>
-          </a:stretch>
-        </a:blipFill>
-        <a:effectLst/>
-      </p:bgPr>
-    </p:bg>
     <p:spTree>
       <p:nvGrpSpPr>
         <p:cNvPr id="1" name=""/>
@@ -4180,8 +4234,8 @@
         </p:nvSpPr>
         <p:spPr>
           <a:xfrm>
-            <a:off x="1225276" y="2946256"/>
-            <a:ext cx="2037977" cy="376518"/>
+            <a:off x="1131024" y="2214121"/>
+            <a:ext cx="1881210" cy="282389"/>
           </a:xfrm>
           <a:solidFill>
             <a:schemeClr val="bg1">
@@ -4210,138 +4264,16 @@
           </a:p>
         </p:txBody>
       </p:sp>
-      <p:sp>
-        <p:nvSpPr>
-          <p:cNvPr id="8" name="Inhaltsplatzhalter 7"/>
-          <p:cNvSpPr>
-            <a:spLocks noGrp="1"/>
-          </p:cNvSpPr>
-          <p:nvPr>
-            <p:ph idx="1"/>
-          </p:nvPr>
-        </p:nvSpPr>
-        <p:spPr>
-          <a:xfrm>
-            <a:off x="633508" y="5402585"/>
-            <a:ext cx="3161552" cy="882769"/>
-          </a:xfrm>
-          <a:solidFill>
-            <a:schemeClr val="bg1">
-              <a:lumMod val="85000"/>
-            </a:schemeClr>
-          </a:solidFill>
-        </p:spPr>
-        <p:txBody>
-          <a:bodyPr>
-            <a:normAutofit fontScale="92500"/>
-          </a:bodyPr>
-          <a:lstStyle/>
-          <a:p>
-            <a:pPr marL="0" indent="0" algn="ctr">
-              <a:buNone/>
-            </a:pPr>
-            <a:r>
-              <a:rPr lang="de-DE" dirty="0" smtClean="0"/>
-              <a:t>tobias.voss@viadee.de</a:t>
-            </a:r>
-            <a:endParaRPr lang="de-DE" dirty="0" smtClean="0"/>
-          </a:p>
-          <a:p>
-            <a:pPr marL="0" indent="0" algn="ctr">
-              <a:buNone/>
-            </a:pPr>
-            <a:r>
-              <a:rPr lang="de-DE" dirty="0" smtClean="0"/>
-              <a:t>      @</a:t>
-            </a:r>
-            <a:r>
-              <a:rPr lang="de-DE" dirty="0" err="1" smtClean="0"/>
-              <a:t>tobiaslvoss</a:t>
-            </a:r>
-            <a:endParaRPr lang="de-DE" dirty="0" smtClean="0"/>
-          </a:p>
-        </p:txBody>
-      </p:sp>
-      <p:sp>
-        <p:nvSpPr>
-          <p:cNvPr id="4" name="Foliennummernplatzhalter 3"/>
-          <p:cNvSpPr>
-            <a:spLocks noGrp="1"/>
-          </p:cNvSpPr>
-          <p:nvPr>
-            <p:ph type="sldNum" sz="quarter" idx="12"/>
-          </p:nvPr>
-        </p:nvSpPr>
-        <p:spPr/>
-        <p:txBody>
-          <a:bodyPr/>
-          <a:lstStyle/>
-          <a:p>
-            <a:fld id="{57DA0801-B3FC-4314-B3C4-1E11294A16FD}" type="slidenum">
-              <a:rPr lang="de-DE" smtClean="0"/>
-              <a:pPr/>
-              <a:t>3</a:t>
-            </a:fld>
-            <a:endParaRPr lang="de-DE"/>
-          </a:p>
-        </p:txBody>
-      </p:sp>
-      <p:sp>
-        <p:nvSpPr>
-          <p:cNvPr id="5" name="Datumsplatzhalter 4"/>
-          <p:cNvSpPr>
-            <a:spLocks noGrp="1"/>
-          </p:cNvSpPr>
-          <p:nvPr>
-            <p:ph type="dt" sz="half" idx="2"/>
-          </p:nvPr>
-        </p:nvSpPr>
-        <p:spPr/>
-        <p:txBody>
-          <a:bodyPr/>
-          <a:lstStyle/>
-          <a:p>
-            <a:r>
-              <a:rPr lang="de-DE" smtClean="0"/>
-              <a:t>25.10.2017</a:t>
-            </a:r>
-            <a:endParaRPr lang="de-DE"/>
-          </a:p>
-        </p:txBody>
-      </p:sp>
-      <p:sp>
-        <p:nvSpPr>
-          <p:cNvPr id="6" name="Fußzeilenplatzhalter 5"/>
-          <p:cNvSpPr>
-            <a:spLocks noGrp="1"/>
-          </p:cNvSpPr>
-          <p:nvPr>
-            <p:ph type="ftr" sz="quarter" idx="3"/>
-          </p:nvPr>
-        </p:nvSpPr>
-        <p:spPr/>
-        <p:txBody>
-          <a:bodyPr/>
-          <a:lstStyle/>
-          <a:p>
-            <a:r>
-              <a:rPr lang="en-US" smtClean="0"/>
-              <a:t>Lambda - Segen oder Fluch?</a:t>
-            </a:r>
-            <a:endParaRPr lang="de-DE" dirty="0"/>
-          </a:p>
-        </p:txBody>
-      </p:sp>
       <p:pic>
         <p:nvPicPr>
-          <p:cNvPr id="9" name="Picture 2" descr="Tobias Voß"/>
+          <p:cNvPr id="14" name="Picture 2" descr="Tobias Voß"/>
           <p:cNvPicPr>
             <a:picLocks noChangeAspect="1" noChangeArrowheads="1"/>
           </p:cNvPicPr>
           <p:nvPr/>
         </p:nvPicPr>
         <p:blipFill>
-          <a:blip r:embed="rId3">
+          <a:blip r:embed="rId2">
             <a:grayscl/>
             <a:extLst>
               <a:ext uri="{28A0092B-C50C-407E-A947-70E740481C1C}">
@@ -4356,8 +4288,8 @@
         </p:blipFill>
         <p:spPr bwMode="auto">
           <a:xfrm>
-            <a:off x="1488914" y="3406301"/>
-            <a:ext cx="1510700" cy="1996284"/>
+            <a:off x="1508780" y="2607720"/>
+            <a:ext cx="1125698" cy="1487531"/>
           </a:xfrm>
           <a:prstGeom prst="roundRect">
             <a:avLst>
@@ -4380,44 +4312,14 @@
       </p:pic>
       <p:pic>
         <p:nvPicPr>
-          <p:cNvPr id="2" name="Grafik 1"/>
-          <p:cNvPicPr>
-            <a:picLocks noChangeAspect="1"/>
-          </p:cNvPicPr>
-          <p:nvPr/>
-        </p:nvPicPr>
-        <p:blipFill>
-          <a:blip r:embed="rId4" cstate="print">
-            <a:extLst>
-              <a:ext uri="{28A0092B-C50C-407E-A947-70E740481C1C}">
-                <a14:useLocalDpi xmlns:a14="http://schemas.microsoft.com/office/drawing/2010/main" val="0"/>
-              </a:ext>
-            </a:extLst>
-          </a:blip>
-          <a:stretch>
-            <a:fillRect/>
-          </a:stretch>
-        </p:blipFill>
-        <p:spPr>
-          <a:xfrm>
-            <a:off x="1144877" y="5814568"/>
-            <a:ext cx="528535" cy="528535"/>
-          </a:xfrm>
-          <a:prstGeom prst="rect">
-            <a:avLst/>
-          </a:prstGeom>
-        </p:spPr>
-      </p:pic>
-      <p:pic>
-        <p:nvPicPr>
-          <p:cNvPr id="10" name="Picture 3"/>
+          <p:cNvPr id="15" name="Picture 3"/>
           <p:cNvPicPr>
             <a:picLocks noChangeAspect="1" noChangeArrowheads="1"/>
           </p:cNvPicPr>
           <p:nvPr/>
         </p:nvPicPr>
         <p:blipFill>
-          <a:blip r:embed="rId5" cstate="print">
+          <a:blip r:embed="rId3" cstate="print">
             <a:extLst>
               <a:ext uri="{28A0092B-C50C-407E-A947-70E740481C1C}">
                 <a14:useLocalDpi xmlns:a14="http://schemas.microsoft.com/office/drawing/2010/main" val="0"/>
@@ -4430,8 +4332,8 @@
         </p:blipFill>
         <p:spPr bwMode="auto">
           <a:xfrm>
-            <a:off x="6812050" y="3710069"/>
-            <a:ext cx="1792452" cy="2488296"/>
+            <a:off x="6571326" y="2650434"/>
+            <a:ext cx="1342760" cy="1864030"/>
           </a:xfrm>
           <a:prstGeom prst="roundRect">
             <a:avLst>
@@ -4454,7 +4356,230 @@
       </p:pic>
       <p:sp>
         <p:nvSpPr>
-          <p:cNvPr id="11" name="Titel 6"/>
+          <p:cNvPr id="8" name="Inhaltsplatzhalter 7"/>
+          <p:cNvSpPr>
+            <a:spLocks noGrp="1"/>
+          </p:cNvSpPr>
+          <p:nvPr>
+            <p:ph idx="1"/>
+          </p:nvPr>
+        </p:nvSpPr>
+        <p:spPr>
+          <a:xfrm>
+            <a:off x="584776" y="4051939"/>
+            <a:ext cx="2918356" cy="662077"/>
+          </a:xfrm>
+          <a:solidFill>
+            <a:schemeClr val="bg1">
+              <a:lumMod val="85000"/>
+            </a:schemeClr>
+          </a:solidFill>
+        </p:spPr>
+        <p:txBody>
+          <a:bodyPr>
+            <a:normAutofit fontScale="92500" lnSpcReduction="20000"/>
+          </a:bodyPr>
+          <a:lstStyle/>
+          <a:p>
+            <a:pPr marL="0" indent="0" algn="ctr">
+              <a:buNone/>
+            </a:pPr>
+            <a:r>
+              <a:rPr lang="de-DE" dirty="0" smtClean="0"/>
+              <a:t>tobias.voss@viadee.de</a:t>
+            </a:r>
+          </a:p>
+          <a:p>
+            <a:pPr marL="0" indent="0" algn="ctr">
+              <a:buNone/>
+            </a:pPr>
+            <a:r>
+              <a:rPr lang="de-DE" dirty="0" smtClean="0"/>
+              <a:t>      @</a:t>
+            </a:r>
+            <a:r>
+              <a:rPr lang="de-DE" dirty="0" err="1" smtClean="0"/>
+              <a:t>tobiaslvoss</a:t>
+            </a:r>
+            <a:endParaRPr lang="de-DE" dirty="0" smtClean="0"/>
+          </a:p>
+        </p:txBody>
+      </p:sp>
+      <p:sp>
+        <p:nvSpPr>
+          <p:cNvPr id="4" name="Foliennummernplatzhalter 3"/>
+          <p:cNvSpPr>
+            <a:spLocks noGrp="1"/>
+          </p:cNvSpPr>
+          <p:nvPr>
+            <p:ph type="sldNum" sz="quarter" idx="12"/>
+          </p:nvPr>
+        </p:nvSpPr>
+        <p:spPr/>
+        <p:txBody>
+          <a:bodyPr/>
+          <a:lstStyle/>
+          <a:p>
+            <a:fld id="{57DA0801-B3FC-4314-B3C4-1E11294A16FD}" type="slidenum">
+              <a:rPr lang="de-DE" smtClean="0">
+                <a:solidFill>
+                  <a:schemeClr val="bg1"/>
+                </a:solidFill>
+              </a:rPr>
+              <a:pPr/>
+              <a:t>3</a:t>
+            </a:fld>
+            <a:endParaRPr lang="de-DE">
+              <a:solidFill>
+                <a:schemeClr val="bg1"/>
+              </a:solidFill>
+            </a:endParaRPr>
+          </a:p>
+        </p:txBody>
+      </p:sp>
+      <p:sp>
+        <p:nvSpPr>
+          <p:cNvPr id="5" name="Datumsplatzhalter 4"/>
+          <p:cNvSpPr>
+            <a:spLocks noGrp="1"/>
+          </p:cNvSpPr>
+          <p:nvPr>
+            <p:ph type="dt" sz="half" idx="2"/>
+          </p:nvPr>
+        </p:nvSpPr>
+        <p:spPr/>
+        <p:txBody>
+          <a:bodyPr/>
+          <a:lstStyle/>
+          <a:p>
+            <a:r>
+              <a:rPr lang="de-DE" dirty="0" smtClean="0">
+                <a:solidFill>
+                  <a:schemeClr val="bg1"/>
+                </a:solidFill>
+              </a:rPr>
+              <a:t>25.10.2017</a:t>
+            </a:r>
+            <a:endParaRPr lang="de-DE" dirty="0">
+              <a:solidFill>
+                <a:schemeClr val="bg1"/>
+              </a:solidFill>
+            </a:endParaRPr>
+          </a:p>
+        </p:txBody>
+      </p:sp>
+      <p:sp>
+        <p:nvSpPr>
+          <p:cNvPr id="6" name="Fußzeilenplatzhalter 5"/>
+          <p:cNvSpPr>
+            <a:spLocks noGrp="1"/>
+          </p:cNvSpPr>
+          <p:nvPr>
+            <p:ph type="ftr" sz="quarter" idx="3"/>
+          </p:nvPr>
+        </p:nvSpPr>
+        <p:spPr/>
+        <p:txBody>
+          <a:bodyPr/>
+          <a:lstStyle/>
+          <a:p>
+            <a:r>
+              <a:rPr lang="en-US" dirty="0" smtClean="0">
+                <a:solidFill>
+                  <a:schemeClr val="bg1"/>
+                </a:solidFill>
+              </a:rPr>
+              <a:t>Lambda - </a:t>
+            </a:r>
+            <a:r>
+              <a:rPr lang="en-US" dirty="0" err="1" smtClean="0">
+                <a:solidFill>
+                  <a:schemeClr val="bg1"/>
+                </a:solidFill>
+              </a:rPr>
+              <a:t>Segen</a:t>
+            </a:r>
+            <a:r>
+              <a:rPr lang="en-US" dirty="0" smtClean="0">
+                <a:solidFill>
+                  <a:schemeClr val="bg1"/>
+                </a:solidFill>
+              </a:rPr>
+              <a:t> </a:t>
+            </a:r>
+            <a:r>
+              <a:rPr lang="en-US" dirty="0" err="1" smtClean="0">
+                <a:solidFill>
+                  <a:schemeClr val="bg1"/>
+                </a:solidFill>
+              </a:rPr>
+              <a:t>oder</a:t>
+            </a:r>
+            <a:r>
+              <a:rPr lang="en-US" dirty="0" smtClean="0">
+                <a:solidFill>
+                  <a:schemeClr val="bg1"/>
+                </a:solidFill>
+              </a:rPr>
+              <a:t> </a:t>
+            </a:r>
+            <a:r>
+              <a:rPr lang="en-US" dirty="0" err="1" smtClean="0">
+                <a:solidFill>
+                  <a:schemeClr val="bg1"/>
+                </a:solidFill>
+              </a:rPr>
+              <a:t>Fluch</a:t>
+            </a:r>
+            <a:r>
+              <a:rPr lang="en-US" dirty="0" smtClean="0">
+                <a:solidFill>
+                  <a:schemeClr val="bg1"/>
+                </a:solidFill>
+              </a:rPr>
+              <a:t>?</a:t>
+            </a:r>
+            <a:endParaRPr lang="de-DE" dirty="0">
+              <a:solidFill>
+                <a:schemeClr val="bg1"/>
+              </a:solidFill>
+            </a:endParaRPr>
+          </a:p>
+        </p:txBody>
+      </p:sp>
+      <p:pic>
+        <p:nvPicPr>
+          <p:cNvPr id="2" name="Grafik 1"/>
+          <p:cNvPicPr>
+            <a:picLocks noChangeAspect="1"/>
+          </p:cNvPicPr>
+          <p:nvPr/>
+        </p:nvPicPr>
+        <p:blipFill>
+          <a:blip r:embed="rId4" cstate="print">
+            <a:extLst>
+              <a:ext uri="{28A0092B-C50C-407E-A947-70E740481C1C}">
+                <a14:useLocalDpi xmlns:a14="http://schemas.microsoft.com/office/drawing/2010/main" val="0"/>
+              </a:ext>
+            </a:extLst>
+          </a:blip>
+          <a:stretch>
+            <a:fillRect/>
+          </a:stretch>
+        </p:blipFill>
+        <p:spPr>
+          <a:xfrm>
+            <a:off x="1056810" y="4360927"/>
+            <a:ext cx="487878" cy="396401"/>
+          </a:xfrm>
+          <a:prstGeom prst="rect">
+            <a:avLst/>
+          </a:prstGeom>
+        </p:spPr>
+      </p:pic>
+      <p:sp>
+        <p:nvSpPr>
+          <p:cNvPr id="12" name="Inhaltsplatzhalter 7"/>
           <p:cNvSpPr txBox="1">
             <a:spLocks/>
           </p:cNvSpPr>
@@ -4462,8 +4587,8 @@
         </p:nvSpPr>
         <p:spPr>
           <a:xfrm>
-            <a:off x="5791201" y="2979127"/>
-            <a:ext cx="3834150" cy="376518"/>
+            <a:off x="5994400" y="4095251"/>
+            <a:ext cx="2496612" cy="662077"/>
           </a:xfrm>
           <a:prstGeom prst="rect">
             <a:avLst/>
@@ -4475,67 +4600,7 @@
           </a:solidFill>
         </p:spPr>
         <p:txBody>
-          <a:bodyPr vert="horz" lIns="91440" tIns="0" rIns="91440" bIns="45720" rtlCol="0" anchor="t">
-            <a:noAutofit/>
-          </a:bodyPr>
-          <a:lstStyle>
-            <a:lvl1pPr algn="l" defTabSz="914400" rtl="0" eaLnBrk="1" latinLnBrk="0" hangingPunct="1">
-              <a:spcBef>
-                <a:spcPct val="0"/>
-              </a:spcBef>
-              <a:buNone/>
-              <a:defRPr sz="2400" kern="1200">
-                <a:solidFill>
-                  <a:schemeClr val="tx2"/>
-                </a:solidFill>
-                <a:latin typeface="Arial Black" pitchFamily="34" charset="0"/>
-                <a:ea typeface="+mj-ea"/>
-                <a:cs typeface="+mj-cs"/>
-              </a:defRPr>
-            </a:lvl1pPr>
-          </a:lstStyle>
-          <a:p>
-            <a:pPr algn="ctr"/>
-            <a:r>
-              <a:rPr lang="de-DE" dirty="0" smtClean="0">
-                <a:solidFill>
-                  <a:srgbClr val="3C5C8F"/>
-                </a:solidFill>
-              </a:rPr>
-              <a:t>Christian Nockemann</a:t>
-            </a:r>
-            <a:endParaRPr lang="de-DE" dirty="0">
-              <a:solidFill>
-                <a:srgbClr val="3C5C8F"/>
-              </a:solidFill>
-            </a:endParaRPr>
-          </a:p>
-        </p:txBody>
-      </p:sp>
-      <p:sp>
-        <p:nvSpPr>
-          <p:cNvPr id="12" name="Inhaltsplatzhalter 7"/>
-          <p:cNvSpPr txBox="1">
-            <a:spLocks/>
-          </p:cNvSpPr>
-          <p:nvPr/>
-        </p:nvSpPr>
-        <p:spPr>
-          <a:xfrm>
-            <a:off x="6217955" y="5460334"/>
-            <a:ext cx="2980641" cy="882769"/>
-          </a:xfrm>
-          <a:prstGeom prst="rect">
-            <a:avLst/>
-          </a:prstGeom>
-          <a:solidFill>
-            <a:schemeClr val="bg1">
-              <a:lumMod val="85000"/>
-            </a:schemeClr>
-          </a:solidFill>
-        </p:spPr>
-        <p:txBody>
-          <a:bodyPr vert="horz" lIns="91440" tIns="45720" rIns="91440" bIns="45720" rtlCol="0">
+          <a:bodyPr vert="horz" lIns="77925" tIns="38963" rIns="77925" bIns="38963" rtlCol="0">
             <a:normAutofit/>
           </a:bodyPr>
           <a:lstStyle>
@@ -4685,16 +4750,109 @@
           </a:lstStyle>
           <a:p>
             <a:pPr marL="0" indent="0" algn="ctr">
-              <a:buFont typeface="Arial" pitchFamily="34" charset="0"/>
               <a:buNone/>
             </a:pPr>
             <a:r>
-              <a:rPr lang="de-DE" sz="2200" dirty="0" smtClean="0"/>
+              <a:rPr lang="de-DE" sz="1900" dirty="0"/>
               <a:t>christian.nockemann@viadee.de</a:t>
             </a:r>
           </a:p>
         </p:txBody>
       </p:sp>
+      <p:sp>
+        <p:nvSpPr>
+          <p:cNvPr id="13" name="Titel 6"/>
+          <p:cNvSpPr txBox="1">
+            <a:spLocks/>
+          </p:cNvSpPr>
+          <p:nvPr/>
+        </p:nvSpPr>
+        <p:spPr>
+          <a:xfrm>
+            <a:off x="5614118" y="2214121"/>
+            <a:ext cx="3257176" cy="282389"/>
+          </a:xfrm>
+          <a:prstGeom prst="rect">
+            <a:avLst/>
+          </a:prstGeom>
+          <a:solidFill>
+            <a:schemeClr val="bg1">
+              <a:lumMod val="85000"/>
+            </a:schemeClr>
+          </a:solidFill>
+        </p:spPr>
+        <p:txBody>
+          <a:bodyPr vert="horz" lIns="77925" tIns="0" rIns="77925" bIns="38963" rtlCol="0" anchor="t">
+            <a:noAutofit/>
+          </a:bodyPr>
+          <a:lstStyle>
+            <a:lvl1pPr algn="l" defTabSz="779252" rtl="0" eaLnBrk="1" latinLnBrk="0" hangingPunct="1">
+              <a:spcBef>
+                <a:spcPct val="0"/>
+              </a:spcBef>
+              <a:buNone/>
+              <a:defRPr sz="2000" kern="1200">
+                <a:solidFill>
+                  <a:schemeClr val="tx2"/>
+                </a:solidFill>
+                <a:latin typeface="Arial Black" pitchFamily="34" charset="0"/>
+                <a:ea typeface="+mj-ea"/>
+                <a:cs typeface="+mj-cs"/>
+              </a:defRPr>
+            </a:lvl1pPr>
+          </a:lstStyle>
+          <a:p>
+            <a:pPr algn="ctr"/>
+            <a:r>
+              <a:rPr lang="de-DE" dirty="0" smtClean="0">
+                <a:solidFill>
+                  <a:srgbClr val="3C5C8F"/>
+                </a:solidFill>
+              </a:rPr>
+              <a:t>Christian Nockemann</a:t>
+            </a:r>
+            <a:endParaRPr lang="de-DE" dirty="0">
+              <a:solidFill>
+                <a:srgbClr val="3C5C8F"/>
+              </a:solidFill>
+            </a:endParaRPr>
+          </a:p>
+        </p:txBody>
+      </p:sp>
+      <p:pic>
+        <p:nvPicPr>
+          <p:cNvPr id="16" name="Grafik 12" descr="viadee_Logo_negativ_RGB.png">
+            <a:hlinkClick r:id="rId5" action="ppaction://hlinkpres?slideindex=1&amp;slidetitle="/>
+          </p:cNvPr>
+          <p:cNvPicPr>
+            <a:picLocks noChangeAspect="1"/>
+          </p:cNvPicPr>
+          <p:nvPr/>
+        </p:nvPicPr>
+        <p:blipFill>
+          <a:blip r:embed="rId6" cstate="print"/>
+          <a:srcRect/>
+          <a:stretch>
+            <a:fillRect/>
+          </a:stretch>
+        </p:blipFill>
+        <p:spPr bwMode="auto">
+          <a:xfrm>
+            <a:off x="7346577" y="135031"/>
+            <a:ext cx="1682750" cy="630237"/>
+          </a:xfrm>
+          <a:prstGeom prst="rect">
+            <a:avLst/>
+          </a:prstGeom>
+          <a:noFill/>
+          <a:ln w="9525">
+            <a:noFill/>
+            <a:miter lim="800000"/>
+            <a:headEnd/>
+            <a:tailEnd/>
+          </a:ln>
+        </p:spPr>
+      </p:pic>
     </p:spTree>
     <p:extLst>
       <p:ext uri="{BB962C8B-B14F-4D97-AF65-F5344CB8AC3E}">
@@ -4734,8 +4892,89 @@
       </p:grpSpPr>
       <p:pic>
         <p:nvPicPr>
-          <p:cNvPr id="21" name="Grafik 12" descr="viadee_Logo_negativ_RGB.png">
-            <a:hlinkClick r:id="rId2" action="ppaction://hlinkpres?slideindex=1&amp;slidetitle="/>
+          <p:cNvPr id="9" name="Grafik 8"/>
+          <p:cNvPicPr>
+            <a:picLocks noChangeAspect="1"/>
+          </p:cNvPicPr>
+          <p:nvPr/>
+        </p:nvPicPr>
+        <p:blipFill rotWithShape="1">
+          <a:blip r:embed="rId2">
+            <a:extLst>
+              <a:ext uri="{28A0092B-C50C-407E-A947-70E740481C1C}">
+                <a14:useLocalDpi xmlns:a14="http://schemas.microsoft.com/office/drawing/2010/main" val="0"/>
+              </a:ext>
+            </a:extLst>
+          </a:blip>
+          <a:srcRect l="2761"/>
+          <a:stretch/>
+        </p:blipFill>
+        <p:spPr>
+          <a:xfrm>
+            <a:off x="0" y="-1645"/>
+            <a:ext cx="8894391" cy="5145145"/>
+          </a:xfrm>
+          <a:prstGeom prst="rect">
+            <a:avLst/>
+          </a:prstGeom>
+        </p:spPr>
+      </p:pic>
+      <p:sp>
+        <p:nvSpPr>
+          <p:cNvPr id="3075" name="Rectangle 1029"/>
+          <p:cNvSpPr>
+            <a:spLocks noChangeArrowheads="1"/>
+          </p:cNvSpPr>
+          <p:nvPr/>
+        </p:nvSpPr>
+        <p:spPr bwMode="auto">
+          <a:xfrm>
+            <a:off x="6948488" y="0"/>
+            <a:ext cx="2193925" cy="5143500"/>
+          </a:xfrm>
+          <a:prstGeom prst="rect">
+            <a:avLst/>
+          </a:prstGeom>
+          <a:gradFill>
+            <a:gsLst>
+              <a:gs pos="0">
+                <a:srgbClr val="1293B5"/>
+              </a:gs>
+              <a:gs pos="100000">
+                <a:srgbClr val="003278"/>
+              </a:gs>
+            </a:gsLst>
+            <a:lin ang="5400000" scaled="0"/>
+          </a:gradFill>
+          <a:ln w="9525">
+            <a:noFill/>
+            <a:miter lim="800000"/>
+            <a:headEnd/>
+            <a:tailEnd/>
+          </a:ln>
+          <a:effectLst>
+            <a:outerShdw blurRad="50800" dist="38100" dir="10800000" algn="r" rotWithShape="0">
+              <a:prstClr val="black">
+                <a:alpha val="40000"/>
+              </a:prstClr>
+            </a:outerShdw>
+          </a:effectLst>
+        </p:spPr>
+        <p:txBody>
+          <a:bodyPr wrap="none" lIns="0" tIns="0" rIns="67497" bIns="67497" anchor="ctr"/>
+          <a:lstStyle/>
+          <a:p>
+            <a:pPr>
+              <a:defRPr/>
+            </a:pPr>
+            <a:endParaRPr lang="de-DE"/>
+          </a:p>
+        </p:txBody>
+      </p:sp>
+      <p:pic>
+        <p:nvPicPr>
+          <p:cNvPr id="8" name="Grafik 12" descr="viadee_Logo_negativ_RGB.png">
+            <a:hlinkClick r:id="rId3" action="ppaction://hlinkpres?slideindex=1&amp;slidetitle="/>
           </p:cNvPr>
           <p:cNvPicPr>
             <a:picLocks noChangeAspect="1"/>
@@ -4743,7 +4982,7 @@
           <p:nvPr/>
         </p:nvPicPr>
         <p:blipFill>
-          <a:blip r:embed="rId3" cstate="print"/>
+          <a:blip r:embed="rId4" cstate="print"/>
           <a:srcRect/>
           <a:stretch>
             <a:fillRect/>
@@ -4751,8 +4990,8 @@
         </p:blipFill>
         <p:spPr bwMode="auto">
           <a:xfrm>
-            <a:off x="7761312" y="189456"/>
-            <a:ext cx="1872208" cy="647256"/>
+            <a:off x="7137400" y="411163"/>
+            <a:ext cx="1682750" cy="630237"/>
           </a:xfrm>
           <a:prstGeom prst="rect">
             <a:avLst/>
@@ -4768,197 +5007,172 @@
       </p:pic>
       <p:pic>
         <p:nvPicPr>
-          <p:cNvPr id="3074" name="Picture 2"/>
+          <p:cNvPr id="12" name="Grafik 11"/>
           <p:cNvPicPr>
-            <a:picLocks noChangeAspect="1" noChangeArrowheads="1"/>
+            <a:picLocks noChangeAspect="1"/>
           </p:cNvPicPr>
           <p:nvPr/>
         </p:nvPicPr>
-        <p:blipFill rotWithShape="1">
-          <a:blip r:embed="rId4" cstate="print">
+        <p:blipFill>
+          <a:blip r:embed="rId5">
             <a:extLst>
               <a:ext uri="{28A0092B-C50C-407E-A947-70E740481C1C}">
                 <a14:useLocalDpi xmlns:a14="http://schemas.microsoft.com/office/drawing/2010/main" val="0"/>
               </a:ext>
             </a:extLst>
           </a:blip>
-          <a:srcRect r="798"/>
-          <a:stretch/>
+          <a:stretch>
+            <a:fillRect/>
+          </a:stretch>
         </p:blipFill>
-        <p:spPr bwMode="auto">
+        <p:spPr>
           <a:xfrm>
-            <a:off x="4988228" y="1124753"/>
-            <a:ext cx="4917775" cy="5733255"/>
+            <a:off x="618934" y="4738507"/>
+            <a:ext cx="2072469" cy="231629"/>
           </a:xfrm>
           <a:prstGeom prst="rect">
             <a:avLst/>
           </a:prstGeom>
-          <a:noFill/>
-          <a:extLst>
-            <a:ext uri="{909E8E84-426E-40DD-AFC4-6F175D3DCCD1}">
-              <a14:hiddenFill xmlns:a14="http://schemas.microsoft.com/office/drawing/2010/main">
-                <a:solidFill>
-                  <a:srgbClr val="FFFFFF"/>
-                </a:solidFill>
-              </a14:hiddenFill>
-            </a:ext>
-          </a:extLst>
         </p:spPr>
       </p:pic>
-      <p:pic>
-        <p:nvPicPr>
-          <p:cNvPr id="2050" name="Picture 2" descr="D:\Firma\Kunden\denkquartier\7004_viadee\02_Projekte\2016\Events 16\2016-11-29_MKIT Leipzig\Präsentation\Münster_1994.png"/>
-          <p:cNvPicPr>
-            <a:picLocks noChangeAspect="1" noChangeArrowheads="1"/>
-          </p:cNvPicPr>
+      <p:sp>
+        <p:nvSpPr>
+          <p:cNvPr id="17" name="Text Box 1031"/>
+          <p:cNvSpPr txBox="1">
+            <a:spLocks noChangeArrowheads="1"/>
+          </p:cNvSpPr>
           <p:nvPr/>
-        </p:nvPicPr>
-        <p:blipFill>
-          <a:blip r:embed="rId5" cstate="print">
-            <a:extLst>
-              <a:ext uri="{28A0092B-C50C-407E-A947-70E740481C1C}">
-                <a14:useLocalDpi xmlns:a14="http://schemas.microsoft.com/office/drawing/2010/main" val="0"/>
-              </a:ext>
-            </a:extLst>
-          </a:blip>
-          <a:srcRect/>
-          <a:stretch>
-            <a:fillRect/>
-          </a:stretch>
-        </p:blipFill>
+        </p:nvSpPr>
         <p:spPr bwMode="auto">
           <a:xfrm>
-            <a:off x="5751244" y="2417495"/>
-            <a:ext cx="1864708" cy="830521"/>
+            <a:off x="606529" y="1212311"/>
+            <a:ext cx="5477639" cy="1935503"/>
           </a:xfrm>
           <a:prstGeom prst="rect">
             <a:avLst/>
           </a:prstGeom>
-          <a:noFill/>
-          <a:extLst>
-            <a:ext uri="{909E8E84-426E-40DD-AFC4-6F175D3DCCD1}">
-              <a14:hiddenFill xmlns:a14="http://schemas.microsoft.com/office/drawing/2010/main">
-                <a:solidFill>
-                  <a:srgbClr val="FFFFFF"/>
-                </a:solidFill>
-              </a14:hiddenFill>
-            </a:ext>
-          </a:extLst>
-        </p:spPr>
-      </p:pic>
-      <p:pic>
-        <p:nvPicPr>
-          <p:cNvPr id="2051" name="Picture 3" descr="D:\Firma\Kunden\denkquartier\7004_viadee\02_Projekte\2016\Events 16\2016-11-29_MKIT Leipzig\Präsentation\Köln_2007.png"/>
-          <p:cNvPicPr>
-            <a:picLocks noChangeAspect="1" noChangeArrowheads="1"/>
-          </p:cNvPicPr>
-          <p:nvPr/>
-        </p:nvPicPr>
-        <p:blipFill>
-          <a:blip r:embed="rId6" cstate="print">
-            <a:extLst>
-              <a:ext uri="{28A0092B-C50C-407E-A947-70E740481C1C}">
-                <a14:useLocalDpi xmlns:a14="http://schemas.microsoft.com/office/drawing/2010/main" val="0"/>
-              </a:ext>
-            </a:extLst>
-          </a:blip>
-          <a:srcRect/>
-          <a:stretch>
-            <a:fillRect/>
-          </a:stretch>
-        </p:blipFill>
-        <p:spPr bwMode="auto">
-          <a:xfrm>
-            <a:off x="5243497" y="3926760"/>
-            <a:ext cx="1603719" cy="833691"/>
-          </a:xfrm>
-          <a:prstGeom prst="rect">
-            <a:avLst/>
-          </a:prstGeom>
-          <a:noFill/>
-          <a:extLst>
-            <a:ext uri="{909E8E84-426E-40DD-AFC4-6F175D3DCCD1}">
-              <a14:hiddenFill xmlns:a14="http://schemas.microsoft.com/office/drawing/2010/main">
-                <a:solidFill>
-                  <a:srgbClr val="FFFFFF"/>
-                </a:solidFill>
-              </a14:hiddenFill>
-            </a:ext>
-          </a:extLst>
-        </p:spPr>
-      </p:pic>
-      <p:sp>
-        <p:nvSpPr>
-          <p:cNvPr id="11" name="Textfeld 10"/>
-          <p:cNvSpPr txBox="1"/>
-          <p:nvPr/>
-        </p:nvSpPr>
-        <p:spPr>
-          <a:xfrm>
-            <a:off x="481368" y="6318307"/>
-            <a:ext cx="2916812" cy="292382"/>
-          </a:xfrm>
-          <a:prstGeom prst="rect">
-            <a:avLst/>
-          </a:prstGeom>
-          <a:noFill/>
+          <a:solidFill>
+            <a:srgbClr val="1293B5">
+              <a:alpha val="50000"/>
+            </a:srgbClr>
+          </a:solidFill>
+          <a:ln w="12700">
+            <a:noFill/>
+            <a:miter lim="800000"/>
+            <a:headEnd/>
+            <a:tailEnd/>
+          </a:ln>
+          <a:effectLst>
+            <a:outerShdw blurRad="63500" sx="102000" sy="102000" algn="ctr" rotWithShape="0">
+              <a:prstClr val="black">
+                <a:alpha val="40000"/>
+              </a:prstClr>
+            </a:outerShdw>
+          </a:effectLst>
         </p:spPr>
         <p:txBody>
-          <a:bodyPr wrap="none" lIns="121914" tIns="60957" rIns="121914" bIns="60957" rtlCol="0">
+          <a:bodyPr wrap="square" lIns="144000" tIns="108000" rIns="144000" bIns="108000" anchor="b">
             <a:spAutoFit/>
           </a:bodyPr>
           <a:lstStyle/>
           <a:p>
-            <a:pPr fontAlgn="base">
-              <a:spcBef>
-                <a:spcPct val="20000"/>
-              </a:spcBef>
-              <a:spcAft>
-                <a:spcPct val="0"/>
-              </a:spcAft>
-              <a:buClr>
+            <a:pPr>
+              <a:defRPr/>
+            </a:pPr>
+            <a:r>
+              <a:rPr lang="de-DE" sz="1800" b="1" dirty="0" smtClean="0">
+                <a:latin typeface="+mn-lt"/>
+              </a:rPr>
+              <a:t>25. Oktober_13:00 </a:t>
+            </a:r>
+            <a:r>
+              <a:rPr lang="de-DE" sz="1800" b="1" dirty="0">
+                <a:latin typeface="+mn-lt"/>
+              </a:rPr>
+              <a:t>– </a:t>
+            </a:r>
+            <a:r>
+              <a:rPr lang="de-DE" sz="1800" b="1" dirty="0" smtClean="0">
+                <a:latin typeface="+mn-lt"/>
+              </a:rPr>
+              <a:t>13:45 Uhr  Kino 9</a:t>
+            </a:r>
+          </a:p>
+          <a:p>
+            <a:r>
+              <a:rPr lang="de-DE" sz="2100" dirty="0" err="1">
+                <a:latin typeface="+mn-lt"/>
+              </a:rPr>
+              <a:t>JUnit</a:t>
+            </a:r>
+            <a:r>
+              <a:rPr lang="de-DE" sz="2100" dirty="0">
+                <a:latin typeface="+mn-lt"/>
+              </a:rPr>
+              <a:t> 5 – Testen neu definiert mit strukturierten, dynamischen und erweiterbaren </a:t>
+            </a:r>
+            <a:r>
+              <a:rPr lang="de-DE" sz="2100" dirty="0" smtClean="0">
+                <a:latin typeface="+mn-lt"/>
+              </a:rPr>
+              <a:t>Testfällen</a:t>
+            </a:r>
+            <a:endParaRPr lang="de-DE" sz="2100" i="1" dirty="0" smtClean="0">
+              <a:solidFill>
                 <a:srgbClr val="FFFFFF"/>
-              </a:buClr>
-              <a:buFont typeface="Webdings" pitchFamily="18" charset="2"/>
-              <a:buNone/>
-            </a:pPr>
-            <a:r>
-              <a:rPr lang="de-DE" sz="1100" dirty="0">
-                <a:solidFill>
-                  <a:srgbClr val="FFFFFF"/>
-                </a:solidFill>
-                <a:latin typeface="+mj-lt"/>
+              </a:solidFill>
+              <a:latin typeface="+mn-lt"/>
+            </a:endParaRPr>
+          </a:p>
+          <a:p>
+            <a:endParaRPr lang="de-DE" sz="1100" i="1" dirty="0" smtClean="0">
+              <a:solidFill>
+                <a:srgbClr val="FFFFFF"/>
+              </a:solidFill>
+              <a:latin typeface="+mn-lt"/>
+            </a:endParaRPr>
+          </a:p>
+          <a:p>
+            <a:r>
+              <a:rPr lang="de-DE" sz="1100" i="1" dirty="0" smtClean="0">
+                <a:latin typeface="+mn-lt"/>
               </a:rPr>
-              <a:t>Komplexität begreifen. Lösungen schaffen.</a:t>
+              <a:t>Tobias </a:t>
+            </a:r>
+            <a:r>
+              <a:rPr lang="de-DE" sz="1100" i="1" dirty="0">
+                <a:latin typeface="+mn-lt"/>
+              </a:rPr>
+              <a:t>Voß</a:t>
             </a:r>
           </a:p>
         </p:txBody>
       </p:sp>
       <p:grpSp>
         <p:nvGrpSpPr>
-          <p:cNvPr id="12" name="Gruppieren 11"/>
+          <p:cNvPr id="4" name="Gruppieren 3"/>
           <p:cNvGrpSpPr/>
           <p:nvPr/>
         </p:nvGrpSpPr>
         <p:grpSpPr>
-          <a:xfrm rot="20690411">
-            <a:off x="6826053" y="3865904"/>
-            <a:ext cx="3119935" cy="2592000"/>
-            <a:chOff x="5652405" y="2607582"/>
+          <a:xfrm>
+            <a:off x="5436096" y="2355942"/>
+            <a:ext cx="2159955" cy="1944000"/>
+            <a:chOff x="5278649" y="1923894"/>
             <a:chExt cx="2159955" cy="1944000"/>
           </a:xfrm>
         </p:grpSpPr>
         <p:sp>
           <p:nvSpPr>
-            <p:cNvPr id="14" name="Ellipse 13"/>
+            <p:cNvPr id="19" name="Ellipse 18"/>
             <p:cNvSpPr>
               <a:spLocks noChangeAspect="1"/>
             </p:cNvSpPr>
             <p:nvPr/>
           </p:nvSpPr>
           <p:spPr bwMode="auto">
-            <a:xfrm>
-              <a:off x="5755971" y="2607582"/>
+            <a:xfrm rot="20690411">
+              <a:off x="5387660" y="1923894"/>
               <a:ext cx="1944000" cy="1944000"/>
             </a:xfrm>
             <a:prstGeom prst="ellipse">
@@ -4990,7 +5204,10 @@
             </a:bodyPr>
             <a:lstStyle/>
             <a:p>
-              <a:pPr marL="507974" indent="-507974" defTabSz="1219140" fontAlgn="base">
+              <a:pPr marL="381000" marR="0" indent="-381000" algn="l" defTabSz="914400" rtl="0" eaLnBrk="1" fontAlgn="base" latinLnBrk="0" hangingPunct="1">
+                <a:lnSpc>
+                  <a:spcPct val="100000"/>
+                </a:lnSpc>
                 <a:spcBef>
                   <a:spcPct val="20000"/>
                 </a:spcBef>
@@ -4998,28 +5215,37 @@
                   <a:spcPct val="0"/>
                 </a:spcAft>
                 <a:buClr>
-                  <a:srgbClr val="FFFFFF"/>
+                  <a:schemeClr val="bg2"/>
                 </a:buClr>
+                <a:buSzTx/>
+                <a:buFont typeface="Webdings" pitchFamily="18" charset="2"/>
+                <a:buNone/>
+                <a:tabLst/>
               </a:pPr>
-              <a:endParaRPr lang="de-DE" sz="2700">
-                <a:solidFill>
-                  <a:srgbClr val="FFFFFF"/>
-                </a:solidFill>
+              <a:endParaRPr kumimoji="0" lang="de-DE" sz="2000" b="0" i="0" u="none" strike="noStrike" cap="none" normalizeH="0" baseline="0" smtClean="0">
+                <a:ln>
+                  <a:noFill/>
+                </a:ln>
+                <a:solidFill>
+                  <a:schemeClr val="tx1"/>
+                </a:solidFill>
+                <a:effectLst/>
+                <a:latin typeface="Arial" charset="0"/>
               </a:endParaRPr>
             </a:p>
           </p:txBody>
         </p:sp>
         <p:sp>
           <p:nvSpPr>
-            <p:cNvPr id="15" name="Ellipse 14"/>
+            <p:cNvPr id="20" name="Ellipse 19"/>
             <p:cNvSpPr>
               <a:spLocks noChangeAspect="1"/>
             </p:cNvSpPr>
             <p:nvPr/>
           </p:nvSpPr>
           <p:spPr bwMode="auto">
-            <a:xfrm>
-              <a:off x="5827979" y="2675601"/>
+            <a:xfrm rot="20690411">
+              <a:off x="5458627" y="1992049"/>
               <a:ext cx="1800000" cy="1800000"/>
             </a:xfrm>
             <a:prstGeom prst="ellipse">
@@ -5045,7 +5271,10 @@
             </a:bodyPr>
             <a:lstStyle/>
             <a:p>
-              <a:pPr marL="507974" indent="-507974" defTabSz="1219140" fontAlgn="base">
+              <a:pPr marL="381000" marR="0" indent="-381000" algn="l" defTabSz="914400" rtl="0" eaLnBrk="1" fontAlgn="base" latinLnBrk="0" hangingPunct="1">
+                <a:lnSpc>
+                  <a:spcPct val="100000"/>
+                </a:lnSpc>
                 <a:spcBef>
                   <a:spcPct val="20000"/>
                 </a:spcBef>
@@ -5053,27 +5282,36 @@
                   <a:spcPct val="0"/>
                 </a:spcAft>
                 <a:buClr>
-                  <a:srgbClr val="FFFFFF"/>
+                  <a:schemeClr val="bg2"/>
                 </a:buClr>
+                <a:buSzTx/>
+                <a:buFont typeface="Webdings" pitchFamily="18" charset="2"/>
+                <a:buNone/>
+                <a:tabLst/>
               </a:pPr>
-              <a:endParaRPr lang="de-DE" sz="2700">
-                <a:solidFill>
-                  <a:srgbClr val="FFFFFF"/>
-                </a:solidFill>
+              <a:endParaRPr kumimoji="0" lang="de-DE" sz="2000" b="0" i="0" u="none" strike="noStrike" cap="none" normalizeH="0" baseline="0" smtClean="0">
+                <a:ln>
+                  <a:noFill/>
+                </a:ln>
+                <a:solidFill>
+                  <a:schemeClr val="tx1"/>
+                </a:solidFill>
+                <a:effectLst/>
+                <a:latin typeface="Arial" charset="0"/>
               </a:endParaRPr>
             </a:p>
           </p:txBody>
         </p:sp>
         <p:sp>
           <p:nvSpPr>
-            <p:cNvPr id="16" name="Textfeld 15"/>
+            <p:cNvPr id="21" name="Textfeld 20"/>
             <p:cNvSpPr txBox="1"/>
             <p:nvPr/>
           </p:nvSpPr>
           <p:spPr>
-            <a:xfrm>
-              <a:off x="5652405" y="3065178"/>
-              <a:ext cx="2159955" cy="1018740"/>
+            <a:xfrm rot="20690411">
+              <a:off x="5278649" y="2421351"/>
+              <a:ext cx="2159955" cy="964880"/>
             </a:xfrm>
             <a:prstGeom prst="rect">
               <a:avLst/>
@@ -5086,602 +5324,99 @@
             </a:bodyPr>
             <a:lstStyle/>
             <a:p>
-              <a:pPr algn="ctr" fontAlgn="base">
-                <a:spcBef>
-                  <a:spcPct val="20000"/>
-                </a:spcBef>
-                <a:spcAft>
-                  <a:spcPct val="0"/>
-                </a:spcAft>
-                <a:buClr>
-                  <a:srgbClr val="FFFFFF"/>
-                </a:buClr>
-                <a:buFont typeface="Webdings" pitchFamily="18" charset="2"/>
-                <a:buNone/>
-              </a:pPr>
+              <a:pPr algn="ctr"/>
               <a:r>
-                <a:rPr lang="de-DE" sz="1500" dirty="0">
+                <a:rPr lang="de-DE" sz="1050" dirty="0" smtClean="0">
                   <a:solidFill>
                     <a:srgbClr val="1293B5"/>
                   </a:solidFill>
-                  <a:latin typeface="+mj-lt"/>
+                  <a:latin typeface="Arial" panose="020B0604020202020204" pitchFamily="34" charset="0"/>
+                  <a:cs typeface="Arial" panose="020B0604020202020204" pitchFamily="34" charset="0"/>
                 </a:rPr>
                 <a:t>Wir sind Austeller und </a:t>
               </a:r>
             </a:p>
             <a:p>
-              <a:pPr algn="ctr" fontAlgn="base">
-                <a:spcBef>
-                  <a:spcPct val="20000"/>
-                </a:spcBef>
-                <a:spcAft>
-                  <a:spcPct val="0"/>
-                </a:spcAft>
-                <a:buClr>
-                  <a:srgbClr val="FFFFFF"/>
-                </a:buClr>
-                <a:buFont typeface="Webdings" pitchFamily="18" charset="2"/>
-                <a:buNone/>
-              </a:pPr>
+              <a:pPr algn="ctr"/>
               <a:r>
-                <a:rPr lang="de-DE" sz="1500" dirty="0" smtClean="0">
+                <a:rPr lang="de-DE" sz="1050" b="1" dirty="0" smtClean="0">
                   <a:solidFill>
                     <a:srgbClr val="1293B5"/>
                   </a:solidFill>
-                  <a:latin typeface="+mj-lt"/>
+                  <a:latin typeface="Arial" panose="020B0604020202020204" pitchFamily="34" charset="0"/>
+                  <a:cs typeface="Arial" panose="020B0604020202020204" pitchFamily="34" charset="0"/>
                 </a:rPr>
-                <a:t>Partner </a:t>
+                <a:t>Bronze Partner</a:t>
               </a:r>
               <a:r>
-                <a:rPr lang="de-DE" sz="1500" dirty="0">
+                <a:rPr lang="de-DE" sz="1050" dirty="0" smtClean="0">
                   <a:solidFill>
                     <a:srgbClr val="1293B5"/>
                   </a:solidFill>
-                  <a:latin typeface="+mj-lt"/>
+                  <a:latin typeface="Arial" panose="020B0604020202020204" pitchFamily="34" charset="0"/>
+                  <a:cs typeface="Arial" panose="020B0604020202020204" pitchFamily="34" charset="0"/>
                 </a:rPr>
-                <a:t>der </a:t>
+                <a:t> der JCON.</a:t>
               </a:r>
+            </a:p>
+            <a:p>
+              <a:pPr algn="ctr"/>
+              <a:endParaRPr lang="de-DE" sz="600" dirty="0" smtClean="0">
+                <a:solidFill>
+                  <a:srgbClr val="1293B5"/>
+                </a:solidFill>
+                <a:latin typeface="Arial" panose="020B0604020202020204" pitchFamily="34" charset="0"/>
+                <a:cs typeface="Arial" panose="020B0604020202020204" pitchFamily="34" charset="0"/>
+              </a:endParaRPr>
+            </a:p>
+            <a:p>
+              <a:pPr algn="ctr"/>
               <a:r>
-                <a:rPr lang="de-DE" sz="1500" dirty="0" smtClean="0">
+                <a:rPr lang="de-DE" sz="1050" dirty="0" smtClean="0">
                   <a:solidFill>
                     <a:srgbClr val="1293B5"/>
                   </a:solidFill>
-                  <a:latin typeface="+mj-lt"/>
-                </a:rPr>
-                <a:t>JCON.</a:t>
-              </a:r>
-              <a:endParaRPr lang="de-DE" sz="1500" dirty="0">
-                <a:solidFill>
-                  <a:srgbClr val="1293B5"/>
-                </a:solidFill>
-                <a:latin typeface="+mj-lt"/>
-              </a:endParaRPr>
-            </a:p>
-            <a:p>
-              <a:pPr algn="ctr" fontAlgn="base">
-                <a:spcBef>
-                  <a:spcPct val="20000"/>
-                </a:spcBef>
-                <a:spcAft>
-                  <a:spcPct val="0"/>
-                </a:spcAft>
-                <a:buClr>
-                  <a:srgbClr val="FFFFFF"/>
-                </a:buClr>
-                <a:buFont typeface="Webdings" pitchFamily="18" charset="2"/>
-                <a:buNone/>
-              </a:pPr>
-              <a:endParaRPr lang="de-DE" sz="1100" dirty="0">
-                <a:solidFill>
-                  <a:srgbClr val="1293B5"/>
-                </a:solidFill>
-                <a:latin typeface="+mj-lt"/>
-              </a:endParaRPr>
-            </a:p>
-            <a:p>
-              <a:pPr algn="ctr" fontAlgn="base">
-                <a:spcBef>
-                  <a:spcPct val="20000"/>
-                </a:spcBef>
-                <a:spcAft>
-                  <a:spcPct val="0"/>
-                </a:spcAft>
-                <a:buClr>
-                  <a:srgbClr val="FFFFFF"/>
-                </a:buClr>
-                <a:buFont typeface="Webdings" pitchFamily="18" charset="2"/>
-                <a:buNone/>
-              </a:pPr>
-              <a:r>
-                <a:rPr lang="de-DE" sz="1500" dirty="0">
-                  <a:solidFill>
-                    <a:srgbClr val="1293B5"/>
-                  </a:solidFill>
-                  <a:latin typeface="+mj-lt"/>
+                  <a:latin typeface="Arial" panose="020B0604020202020204" pitchFamily="34" charset="0"/>
+                  <a:cs typeface="Arial" panose="020B0604020202020204" pitchFamily="34" charset="0"/>
                 </a:rPr>
                 <a:t>Treffen Sie uns – treffen </a:t>
               </a:r>
             </a:p>
             <a:p>
-              <a:pPr algn="ctr" fontAlgn="base">
-                <a:spcBef>
-                  <a:spcPct val="20000"/>
-                </a:spcBef>
-                <a:spcAft>
-                  <a:spcPct val="0"/>
-                </a:spcAft>
-                <a:buClr>
-                  <a:srgbClr val="FFFFFF"/>
-                </a:buClr>
-                <a:buFont typeface="Webdings" pitchFamily="18" charset="2"/>
-                <a:buNone/>
-              </a:pPr>
+              <a:pPr algn="ctr"/>
               <a:r>
-                <a:rPr lang="de-DE" sz="1500" dirty="0">
+                <a:rPr lang="de-DE" sz="1050" dirty="0" smtClean="0">
                   <a:solidFill>
                     <a:srgbClr val="1293B5"/>
                   </a:solidFill>
-                  <a:latin typeface="+mj-lt"/>
+                  <a:latin typeface="Arial" panose="020B0604020202020204" pitchFamily="34" charset="0"/>
+                  <a:cs typeface="Arial" panose="020B0604020202020204" pitchFamily="34" charset="0"/>
                 </a:rPr>
                 <a:t>Sie unsere Experten.</a:t>
               </a:r>
+              <a:endParaRPr lang="de-DE" sz="1050" dirty="0">
+                <a:solidFill>
+                  <a:srgbClr val="1293B5"/>
+                </a:solidFill>
+                <a:latin typeface="Arial" panose="020B0604020202020204" pitchFamily="34" charset="0"/>
+                <a:cs typeface="Arial" panose="020B0604020202020204" pitchFamily="34" charset="0"/>
+              </a:endParaRPr>
             </a:p>
           </p:txBody>
         </p:sp>
       </p:grpSp>
-      <p:sp>
-        <p:nvSpPr>
-          <p:cNvPr id="2" name="Abgerundetes Rechteck 1"/>
-          <p:cNvSpPr/>
-          <p:nvPr/>
-        </p:nvSpPr>
-        <p:spPr bwMode="auto">
-          <a:xfrm>
-            <a:off x="369085" y="1410855"/>
-            <a:ext cx="4483809" cy="4023455"/>
-          </a:xfrm>
-          <a:prstGeom prst="roundRect">
-            <a:avLst/>
-          </a:prstGeom>
-          <a:solidFill>
-            <a:srgbClr val="002060"/>
-          </a:solidFill>
-          <a:ln>
-            <a:headEnd type="none" w="med" len="med"/>
-            <a:tailEnd type="none" w="med" len="med"/>
-          </a:ln>
-        </p:spPr>
-        <p:style>
-          <a:lnRef idx="3">
-            <a:schemeClr val="lt1"/>
-          </a:lnRef>
-          <a:fillRef idx="1">
-            <a:schemeClr val="accent2"/>
-          </a:fillRef>
-          <a:effectRef idx="1">
-            <a:schemeClr val="accent2"/>
-          </a:effectRef>
-          <a:fontRef idx="minor">
-            <a:schemeClr val="lt1"/>
-          </a:fontRef>
-        </p:style>
-        <p:txBody>
-          <a:bodyPr vert="horz" wrap="square" lIns="0" tIns="0" rIns="90000" bIns="90000" numCol="1" rtlCol="0" anchor="t" anchorCtr="0" compatLnSpc="1">
-            <a:prstTxWarp prst="textNoShape">
-              <a:avLst/>
-            </a:prstTxWarp>
-          </a:bodyPr>
-          <a:lstStyle/>
-          <a:p>
-            <a:pPr marL="381000" marR="0" indent="-381000" algn="ctr" defTabSz="914400" rtl="0" eaLnBrk="1" fontAlgn="base" latinLnBrk="0" hangingPunct="1">
-              <a:lnSpc>
-                <a:spcPct val="100000"/>
-              </a:lnSpc>
-              <a:spcBef>
-                <a:spcPct val="20000"/>
-              </a:spcBef>
-              <a:spcAft>
-                <a:spcPct val="0"/>
-              </a:spcAft>
-              <a:buClr>
-                <a:schemeClr val="bg2"/>
-              </a:buClr>
-              <a:buSzTx/>
-              <a:buFont typeface="Webdings" pitchFamily="18" charset="2"/>
-              <a:buNone/>
-              <a:tabLst/>
-            </a:pPr>
-            <a:r>
-              <a:rPr lang="de-DE" dirty="0" err="1" smtClean="0">
-                <a:solidFill>
-                  <a:schemeClr val="tx1"/>
-                </a:solidFill>
-                <a:latin typeface="Arial" charset="0"/>
-              </a:rPr>
-              <a:t>JUnit</a:t>
-            </a:r>
-            <a:r>
-              <a:rPr lang="de-DE" dirty="0" smtClean="0">
-                <a:solidFill>
-                  <a:schemeClr val="tx1"/>
-                </a:solidFill>
-                <a:latin typeface="Arial" charset="0"/>
-              </a:rPr>
-              <a:t> 5</a:t>
-            </a:r>
-          </a:p>
-          <a:p>
-            <a:pPr marL="381000" marR="0" indent="-381000" algn="ctr" defTabSz="914400" rtl="0" eaLnBrk="1" fontAlgn="base" latinLnBrk="0" hangingPunct="1">
-              <a:lnSpc>
-                <a:spcPct val="100000"/>
-              </a:lnSpc>
-              <a:spcBef>
-                <a:spcPct val="20000"/>
-              </a:spcBef>
-              <a:spcAft>
-                <a:spcPct val="0"/>
-              </a:spcAft>
-              <a:buClr>
-                <a:schemeClr val="bg2"/>
-              </a:buClr>
-              <a:buSzTx/>
-              <a:buFont typeface="Webdings" pitchFamily="18" charset="2"/>
-              <a:buNone/>
-              <a:tabLst/>
-            </a:pPr>
-            <a:r>
-              <a:rPr lang="de-DE" dirty="0" smtClean="0">
-                <a:solidFill>
-                  <a:schemeClr val="tx1"/>
-                </a:solidFill>
-                <a:latin typeface="Arial" charset="0"/>
-              </a:rPr>
-              <a:t>Tobias Voß</a:t>
-            </a:r>
-          </a:p>
-          <a:p>
-            <a:pPr marL="381000" marR="0" indent="-381000" algn="ctr" defTabSz="914400" rtl="0" eaLnBrk="1" fontAlgn="base" latinLnBrk="0" hangingPunct="1">
-              <a:lnSpc>
-                <a:spcPct val="100000"/>
-              </a:lnSpc>
-              <a:spcBef>
-                <a:spcPct val="20000"/>
-              </a:spcBef>
-              <a:spcAft>
-                <a:spcPct val="0"/>
-              </a:spcAft>
-              <a:buClr>
-                <a:schemeClr val="bg2"/>
-              </a:buClr>
-              <a:buSzTx/>
-              <a:buFont typeface="Webdings" pitchFamily="18" charset="2"/>
-              <a:buNone/>
-              <a:tabLst/>
-            </a:pPr>
-            <a:r>
-              <a:rPr lang="de-DE" dirty="0" smtClean="0">
-                <a:solidFill>
-                  <a:schemeClr val="tx1"/>
-                </a:solidFill>
-                <a:latin typeface="Arial" charset="0"/>
-              </a:rPr>
-              <a:t>13:00 Uhr, Kino 9</a:t>
-            </a:r>
-          </a:p>
-          <a:p>
-            <a:pPr marL="381000" marR="0" indent="-381000" algn="ctr" defTabSz="914400" rtl="0" eaLnBrk="1" fontAlgn="base" latinLnBrk="0" hangingPunct="1">
-              <a:lnSpc>
-                <a:spcPct val="100000"/>
-              </a:lnSpc>
-              <a:spcBef>
-                <a:spcPct val="20000"/>
-              </a:spcBef>
-              <a:spcAft>
-                <a:spcPct val="0"/>
-              </a:spcAft>
-              <a:buClr>
-                <a:schemeClr val="bg2"/>
-              </a:buClr>
-              <a:buSzTx/>
-              <a:buFont typeface="Webdings" pitchFamily="18" charset="2"/>
-              <a:buNone/>
-              <a:tabLst/>
-            </a:pPr>
-            <a:endParaRPr lang="de-DE" dirty="0" smtClean="0">
-              <a:solidFill>
-                <a:schemeClr val="tx1"/>
-              </a:solidFill>
-              <a:latin typeface="Arial" charset="0"/>
-            </a:endParaRPr>
-          </a:p>
-          <a:p>
-            <a:pPr marL="381000" marR="0" indent="-381000" algn="ctr" defTabSz="914400" rtl="0" eaLnBrk="1" fontAlgn="base" latinLnBrk="0" hangingPunct="1">
-              <a:lnSpc>
-                <a:spcPct val="100000"/>
-              </a:lnSpc>
-              <a:spcBef>
-                <a:spcPct val="20000"/>
-              </a:spcBef>
-              <a:spcAft>
-                <a:spcPct val="0"/>
-              </a:spcAft>
-              <a:buClr>
-                <a:schemeClr val="bg2"/>
-              </a:buClr>
-              <a:buSzTx/>
-              <a:buFont typeface="Webdings" pitchFamily="18" charset="2"/>
-              <a:buNone/>
-              <a:tabLst/>
-            </a:pPr>
-            <a:r>
-              <a:rPr lang="de-DE" dirty="0" smtClean="0">
-                <a:solidFill>
-                  <a:schemeClr val="tx1"/>
-                </a:solidFill>
-                <a:latin typeface="Arial" charset="0"/>
-              </a:rPr>
-              <a:t>Spring Batch Performance Monitoring</a:t>
-            </a:r>
-          </a:p>
-          <a:p>
-            <a:pPr marL="381000" marR="0" indent="-381000" algn="ctr" defTabSz="914400" rtl="0" eaLnBrk="1" fontAlgn="base" latinLnBrk="0" hangingPunct="1">
-              <a:lnSpc>
-                <a:spcPct val="100000"/>
-              </a:lnSpc>
-              <a:spcBef>
-                <a:spcPct val="20000"/>
-              </a:spcBef>
-              <a:spcAft>
-                <a:spcPct val="0"/>
-              </a:spcAft>
-              <a:buClr>
-                <a:schemeClr val="bg2"/>
-              </a:buClr>
-              <a:buSzTx/>
-              <a:buFont typeface="Webdings" pitchFamily="18" charset="2"/>
-              <a:buNone/>
-              <a:tabLst/>
-            </a:pPr>
-            <a:r>
-              <a:rPr lang="de-DE" dirty="0" smtClean="0">
-                <a:solidFill>
-                  <a:schemeClr val="tx1"/>
-                </a:solidFill>
-                <a:latin typeface="Arial" charset="0"/>
-              </a:rPr>
-              <a:t>Christian Nockemann</a:t>
-            </a:r>
-          </a:p>
-          <a:p>
-            <a:pPr marL="381000" marR="0" indent="-381000" algn="ctr" defTabSz="914400" rtl="0" eaLnBrk="1" fontAlgn="base" latinLnBrk="0" hangingPunct="1">
-              <a:lnSpc>
-                <a:spcPct val="100000"/>
-              </a:lnSpc>
-              <a:spcBef>
-                <a:spcPct val="20000"/>
-              </a:spcBef>
-              <a:spcAft>
-                <a:spcPct val="0"/>
-              </a:spcAft>
-              <a:buClr>
-                <a:schemeClr val="bg2"/>
-              </a:buClr>
-              <a:buSzTx/>
-              <a:buFont typeface="Webdings" pitchFamily="18" charset="2"/>
-              <a:buNone/>
-              <a:tabLst/>
-            </a:pPr>
-            <a:r>
-              <a:rPr lang="de-DE" dirty="0" smtClean="0">
-                <a:solidFill>
-                  <a:schemeClr val="tx1"/>
-                </a:solidFill>
-                <a:latin typeface="Arial" charset="0"/>
-              </a:rPr>
-              <a:t>15:00 Uhr, Kino 7 </a:t>
-            </a:r>
-          </a:p>
-          <a:p>
-            <a:pPr marL="381000" marR="0" indent="-381000" algn="ctr" defTabSz="914400" rtl="0" eaLnBrk="1" fontAlgn="base" latinLnBrk="0" hangingPunct="1">
-              <a:lnSpc>
-                <a:spcPct val="100000"/>
-              </a:lnSpc>
-              <a:spcBef>
-                <a:spcPct val="20000"/>
-              </a:spcBef>
-              <a:spcAft>
-                <a:spcPct val="0"/>
-              </a:spcAft>
-              <a:buClr>
-                <a:schemeClr val="bg2"/>
-              </a:buClr>
-              <a:buSzTx/>
-              <a:buFont typeface="Webdings" pitchFamily="18" charset="2"/>
-              <a:buNone/>
-              <a:tabLst/>
-            </a:pPr>
-            <a:endParaRPr lang="de-DE" dirty="0" smtClean="0">
-              <a:solidFill>
-                <a:schemeClr val="tx1"/>
-              </a:solidFill>
-              <a:latin typeface="Arial" charset="0"/>
-            </a:endParaRPr>
-          </a:p>
-          <a:p>
-            <a:pPr marL="381000" marR="0" indent="-381000" algn="ctr" defTabSz="914400" rtl="0" eaLnBrk="1" fontAlgn="base" latinLnBrk="0" hangingPunct="1">
-              <a:lnSpc>
-                <a:spcPct val="100000"/>
-              </a:lnSpc>
-              <a:spcBef>
-                <a:spcPct val="20000"/>
-              </a:spcBef>
-              <a:spcAft>
-                <a:spcPct val="0"/>
-              </a:spcAft>
-              <a:buClr>
-                <a:schemeClr val="bg2"/>
-              </a:buClr>
-              <a:buSzTx/>
-              <a:buFont typeface="Webdings" pitchFamily="18" charset="2"/>
-              <a:buNone/>
-              <a:tabLst/>
-            </a:pPr>
-            <a:r>
-              <a:rPr kumimoji="0" lang="de-DE" b="0" i="0" u="none" strike="noStrike" cap="none" normalizeH="0" baseline="0" dirty="0" err="1" smtClean="0">
-                <a:ln>
-                  <a:noFill/>
-                </a:ln>
-                <a:solidFill>
-                  <a:schemeClr val="tx1"/>
-                </a:solidFill>
-                <a:effectLst/>
-                <a:latin typeface="Arial" charset="0"/>
-              </a:rPr>
-              <a:t>Good</a:t>
-            </a:r>
-            <a:r>
-              <a:rPr kumimoji="0" lang="de-DE" b="0" i="0" u="none" strike="noStrike" cap="none" normalizeH="0" baseline="0" dirty="0" smtClean="0">
-                <a:ln>
-                  <a:noFill/>
-                </a:ln>
-                <a:solidFill>
-                  <a:schemeClr val="tx1"/>
-                </a:solidFill>
-                <a:effectLst/>
-                <a:latin typeface="Arial" charset="0"/>
-              </a:rPr>
-              <a:t> Times </a:t>
-            </a:r>
-            <a:r>
-              <a:rPr kumimoji="0" lang="de-DE" b="0" i="0" u="none" strike="noStrike" cap="none" normalizeH="0" baseline="0" dirty="0" err="1" smtClean="0">
-                <a:ln>
-                  <a:noFill/>
-                </a:ln>
-                <a:solidFill>
-                  <a:schemeClr val="tx1"/>
-                </a:solidFill>
-                <a:effectLst/>
-                <a:latin typeface="Arial" charset="0"/>
-              </a:rPr>
-              <a:t>with</a:t>
-            </a:r>
-            <a:r>
-              <a:rPr kumimoji="0" lang="de-DE" b="0" i="0" u="none" strike="noStrike" cap="none" normalizeH="0" baseline="0" dirty="0" smtClean="0">
-                <a:ln>
-                  <a:noFill/>
-                </a:ln>
-                <a:solidFill>
-                  <a:schemeClr val="tx1"/>
-                </a:solidFill>
-                <a:effectLst/>
-                <a:latin typeface="Arial" charset="0"/>
-              </a:rPr>
-              <a:t> Bad</a:t>
-            </a:r>
-            <a:r>
-              <a:rPr kumimoji="0" lang="de-DE" b="0" i="0" u="none" strike="noStrike" cap="none" normalizeH="0" dirty="0" smtClean="0">
-                <a:ln>
-                  <a:noFill/>
-                </a:ln>
-                <a:solidFill>
-                  <a:schemeClr val="tx1"/>
-                </a:solidFill>
-                <a:effectLst/>
-                <a:latin typeface="Arial" charset="0"/>
-              </a:rPr>
-              <a:t> Code</a:t>
-            </a:r>
-          </a:p>
-          <a:p>
-            <a:pPr marL="381000" indent="-381000" algn="ctr" fontAlgn="base">
-              <a:spcBef>
-                <a:spcPct val="20000"/>
-              </a:spcBef>
-              <a:spcAft>
-                <a:spcPct val="0"/>
-              </a:spcAft>
-              <a:buClr>
-                <a:schemeClr val="bg2"/>
-              </a:buClr>
-            </a:pPr>
-            <a:r>
-              <a:rPr lang="de-DE" dirty="0">
-                <a:solidFill>
-                  <a:schemeClr val="tx1"/>
-                </a:solidFill>
-                <a:latin typeface="Arial" charset="0"/>
-              </a:rPr>
-              <a:t>Claudia </a:t>
-            </a:r>
-            <a:r>
-              <a:rPr lang="de-DE" dirty="0" smtClean="0">
-                <a:solidFill>
-                  <a:schemeClr val="tx1"/>
-                </a:solidFill>
-                <a:latin typeface="Arial" charset="0"/>
-              </a:rPr>
-              <a:t>Simsek-Graf, </a:t>
-            </a:r>
-            <a:r>
-              <a:rPr lang="de-DE" baseline="0" dirty="0" smtClean="0">
-                <a:solidFill>
-                  <a:schemeClr val="tx1"/>
-                </a:solidFill>
-                <a:latin typeface="Arial" charset="0"/>
-              </a:rPr>
-              <a:t>Björn Meschede</a:t>
-            </a:r>
-          </a:p>
-          <a:p>
-            <a:pPr marL="381000" indent="-381000" algn="ctr" fontAlgn="base">
-              <a:spcBef>
-                <a:spcPct val="20000"/>
-              </a:spcBef>
-              <a:spcAft>
-                <a:spcPct val="0"/>
-              </a:spcAft>
-              <a:buClr>
-                <a:schemeClr val="bg2"/>
-              </a:buClr>
-            </a:pPr>
-            <a:r>
-              <a:rPr kumimoji="0" lang="de-DE" b="0" i="0" u="none" strike="noStrike" cap="none" normalizeH="0" dirty="0" smtClean="0">
-                <a:ln>
-                  <a:noFill/>
-                </a:ln>
-                <a:solidFill>
-                  <a:schemeClr val="tx1"/>
-                </a:solidFill>
-                <a:effectLst/>
-                <a:latin typeface="Arial" charset="0"/>
-              </a:rPr>
-              <a:t>18:00 Uhr, Kino 9</a:t>
-            </a:r>
-            <a:endParaRPr kumimoji="0" lang="de-DE" b="0" i="0" u="none" strike="noStrike" cap="none" normalizeH="0" baseline="0" dirty="0" smtClean="0">
-              <a:ln>
-                <a:noFill/>
-              </a:ln>
-              <a:solidFill>
-                <a:schemeClr val="tx1"/>
-              </a:solidFill>
-              <a:effectLst/>
-              <a:latin typeface="Arial" charset="0"/>
-            </a:endParaRPr>
-          </a:p>
-        </p:txBody>
-      </p:sp>
     </p:spTree>
     <p:extLst>
       <p:ext uri="{BB962C8B-B14F-4D97-AF65-F5344CB8AC3E}">
-        <p14:creationId xmlns:p14="http://schemas.microsoft.com/office/powerpoint/2010/main" val="1055484395"/>
+        <p14:creationId xmlns:p14="http://schemas.microsoft.com/office/powerpoint/2010/main" val="2533533711"/>
       </p:ext>
     </p:extLst>
   </p:cSld>
   <p:clrMapOvr>
     <a:masterClrMapping/>
   </p:clrMapOvr>
-  <p:transition spd="slow" advClick="0" advTm="30000">
-    <p:push dir="u"/>
+  <p:transition spd="slow" advClick="0" advTm="10000">
+    <p:push/>
   </p:transition>
   <p:timing>
     <p:tnLst>
@@ -5695,6 +5430,9 @@
                     <p:cTn id="3" fill="hold">
                       <p:stCondLst>
                         <p:cond delay="indefinite"/>
+                        <p:cond evt="onBegin" delay="0">
+                          <p:tn val="2"/>
+                        </p:cond>
                       </p:stCondLst>
                       <p:childTnLst>
                         <p:par>
@@ -5704,9 +5442,9 @@
                             </p:stCondLst>
                             <p:childTnLst>
                               <p:par>
-                                <p:cTn id="5" presetID="42" presetClass="entr" presetSubtype="0" fill="hold" grpId="0" nodeType="clickEffect">
+                                <p:cTn id="5" presetID="2" presetClass="entr" presetSubtype="2" fill="hold" grpId="0" nodeType="afterEffect">
                                   <p:stCondLst>
-                                    <p:cond delay="0"/>
+                                    <p:cond delay="2000"/>
                                   </p:stCondLst>
                                   <p:childTnLst>
                                     <p:set>
@@ -5717,7 +5455,7 @@
                                           </p:stCondLst>
                                         </p:cTn>
                                         <p:tgtEl>
-                                          <p:spTgt spid="2"/>
+                                          <p:spTgt spid="17"/>
                                         </p:tgtEl>
                                         <p:attrNameLst>
                                           <p:attrName>style.visibility</p:attrName>
@@ -5727,19 +5465,11 @@
                                         <p:strVal val="visible"/>
                                       </p:to>
                                     </p:set>
-                                    <p:animEffect transition="in" filter="fade">
-                                      <p:cBhvr>
-                                        <p:cTn id="7" dur="1000"/>
+                                    <p:anim calcmode="lin" valueType="num">
+                                      <p:cBhvr additive="base">
+                                        <p:cTn id="7" dur="500" fill="hold"/>
                                         <p:tgtEl>
-                                          <p:spTgt spid="2"/>
-                                        </p:tgtEl>
-                                      </p:cBhvr>
-                                    </p:animEffect>
-                                    <p:anim calcmode="lin" valueType="num">
-                                      <p:cBhvr>
-                                        <p:cTn id="8" dur="1000" fill="hold"/>
-                                        <p:tgtEl>
-                                          <p:spTgt spid="2"/>
+                                          <p:spTgt spid="17"/>
                                         </p:tgtEl>
                                         <p:attrNameLst>
                                           <p:attrName>ppt_x</p:attrName>
@@ -5748,7 +5478,7 @@
                                       <p:tavLst>
                                         <p:tav tm="0">
                                           <p:val>
-                                            <p:strVal val="#ppt_x"/>
+                                            <p:strVal val="1+#ppt_w/2"/>
                                           </p:val>
                                         </p:tav>
                                         <p:tav tm="100000">
@@ -5759,10 +5489,10 @@
                                       </p:tavLst>
                                     </p:anim>
                                     <p:anim calcmode="lin" valueType="num">
-                                      <p:cBhvr>
-                                        <p:cTn id="9" dur="1000" fill="hold"/>
+                                      <p:cBhvr additive="base">
+                                        <p:cTn id="8" dur="500" fill="hold"/>
                                         <p:tgtEl>
-                                          <p:spTgt spid="2"/>
+                                          <p:spTgt spid="17"/>
                                         </p:tgtEl>
                                         <p:attrNameLst>
                                           <p:attrName>ppt_y</p:attrName>
@@ -5771,7 +5501,7 @@
                                       <p:tavLst>
                                         <p:tav tm="0">
                                           <p:val>
-                                            <p:strVal val="#ppt_y+.1"/>
+                                            <p:strVal val="#ppt_y"/>
                                           </p:val>
                                         </p:tav>
                                         <p:tav tm="100000">
@@ -5812,7 +5542,1393 @@
       </p:par>
     </p:tnLst>
     <p:bldLst>
-      <p:bldP spid="2" grpId="0" animBg="1"/>
+      <p:bldP spid="17" grpId="0" animBg="1"/>
+    </p:bldLst>
+  </p:timing>
+</p:sld>
+</file>
+
+<file path=ppt/slides/slide5.xml><?xml version="1.0" encoding="utf-8"?>
+<p:sld xmlns:a="http://schemas.openxmlformats.org/drawingml/2006/main" xmlns:r="http://schemas.openxmlformats.org/officeDocument/2006/relationships" xmlns:p="http://schemas.openxmlformats.org/presentationml/2006/main">
+  <p:cSld>
+    <p:spTree>
+      <p:nvGrpSpPr>
+        <p:cNvPr id="1" name=""/>
+        <p:cNvGrpSpPr/>
+        <p:nvPr/>
+      </p:nvGrpSpPr>
+      <p:grpSpPr>
+        <a:xfrm>
+          <a:off x="0" y="0"/>
+          <a:ext cx="0" cy="0"/>
+          <a:chOff x="0" y="0"/>
+          <a:chExt cx="0" cy="0"/>
+        </a:xfrm>
+      </p:grpSpPr>
+      <p:pic>
+        <p:nvPicPr>
+          <p:cNvPr id="9" name="Grafik 8"/>
+          <p:cNvPicPr>
+            <a:picLocks noChangeAspect="1"/>
+          </p:cNvPicPr>
+          <p:nvPr/>
+        </p:nvPicPr>
+        <p:blipFill>
+          <a:blip r:embed="rId2" cstate="print">
+            <a:extLst>
+              <a:ext uri="{28A0092B-C50C-407E-A947-70E740481C1C}">
+                <a14:useLocalDpi xmlns:a14="http://schemas.microsoft.com/office/drawing/2010/main" val="0"/>
+              </a:ext>
+            </a:extLst>
+          </a:blip>
+          <a:stretch>
+            <a:fillRect/>
+          </a:stretch>
+        </p:blipFill>
+        <p:spPr>
+          <a:xfrm>
+            <a:off x="825" y="0"/>
+            <a:ext cx="7920370" cy="5143500"/>
+          </a:xfrm>
+          <a:prstGeom prst="rect">
+            <a:avLst/>
+          </a:prstGeom>
+        </p:spPr>
+      </p:pic>
+      <p:sp>
+        <p:nvSpPr>
+          <p:cNvPr id="3075" name="Rectangle 1029"/>
+          <p:cNvSpPr>
+            <a:spLocks noChangeArrowheads="1"/>
+          </p:cNvSpPr>
+          <p:nvPr/>
+        </p:nvSpPr>
+        <p:spPr bwMode="auto">
+          <a:xfrm>
+            <a:off x="6948488" y="0"/>
+            <a:ext cx="2193925" cy="5143500"/>
+          </a:xfrm>
+          <a:prstGeom prst="rect">
+            <a:avLst/>
+          </a:prstGeom>
+          <a:gradFill>
+            <a:gsLst>
+              <a:gs pos="0">
+                <a:srgbClr val="1293B5"/>
+              </a:gs>
+              <a:gs pos="100000">
+                <a:srgbClr val="003278"/>
+              </a:gs>
+            </a:gsLst>
+            <a:lin ang="5400000" scaled="0"/>
+          </a:gradFill>
+          <a:ln w="9525">
+            <a:noFill/>
+            <a:miter lim="800000"/>
+            <a:headEnd/>
+            <a:tailEnd/>
+          </a:ln>
+          <a:effectLst>
+            <a:outerShdw blurRad="50800" dist="38100" dir="10800000" algn="r" rotWithShape="0">
+              <a:prstClr val="black">
+                <a:alpha val="40000"/>
+              </a:prstClr>
+            </a:outerShdw>
+          </a:effectLst>
+        </p:spPr>
+        <p:txBody>
+          <a:bodyPr wrap="none" lIns="0" tIns="0" rIns="67497" bIns="67497" anchor="ctr"/>
+          <a:lstStyle/>
+          <a:p>
+            <a:pPr>
+              <a:defRPr/>
+            </a:pPr>
+            <a:endParaRPr lang="de-DE"/>
+          </a:p>
+        </p:txBody>
+      </p:sp>
+      <p:pic>
+        <p:nvPicPr>
+          <p:cNvPr id="8" name="Grafik 12" descr="viadee_Logo_negativ_RGB.png">
+            <a:hlinkClick r:id="rId3" action="ppaction://hlinkpres?slideindex=1&amp;slidetitle="/>
+          </p:cNvPr>
+          <p:cNvPicPr>
+            <a:picLocks noChangeAspect="1"/>
+          </p:cNvPicPr>
+          <p:nvPr/>
+        </p:nvPicPr>
+        <p:blipFill>
+          <a:blip r:embed="rId4" cstate="print"/>
+          <a:srcRect/>
+          <a:stretch>
+            <a:fillRect/>
+          </a:stretch>
+        </p:blipFill>
+        <p:spPr bwMode="auto">
+          <a:xfrm>
+            <a:off x="7137400" y="411163"/>
+            <a:ext cx="1682750" cy="630237"/>
+          </a:xfrm>
+          <a:prstGeom prst="rect">
+            <a:avLst/>
+          </a:prstGeom>
+          <a:noFill/>
+          <a:ln w="9525">
+            <a:noFill/>
+            <a:miter lim="800000"/>
+            <a:headEnd/>
+            <a:tailEnd/>
+          </a:ln>
+        </p:spPr>
+      </p:pic>
+      <p:pic>
+        <p:nvPicPr>
+          <p:cNvPr id="12" name="Grafik 11"/>
+          <p:cNvPicPr>
+            <a:picLocks noChangeAspect="1"/>
+          </p:cNvPicPr>
+          <p:nvPr/>
+        </p:nvPicPr>
+        <p:blipFill>
+          <a:blip r:embed="rId5">
+            <a:extLst>
+              <a:ext uri="{28A0092B-C50C-407E-A947-70E740481C1C}">
+                <a14:useLocalDpi xmlns:a14="http://schemas.microsoft.com/office/drawing/2010/main" val="0"/>
+              </a:ext>
+            </a:extLst>
+          </a:blip>
+          <a:stretch>
+            <a:fillRect/>
+          </a:stretch>
+        </p:blipFill>
+        <p:spPr>
+          <a:xfrm>
+            <a:off x="618934" y="4738507"/>
+            <a:ext cx="2072469" cy="231629"/>
+          </a:xfrm>
+          <a:prstGeom prst="rect">
+            <a:avLst/>
+          </a:prstGeom>
+        </p:spPr>
+      </p:pic>
+      <p:sp>
+        <p:nvSpPr>
+          <p:cNvPr id="17" name="Text Box 1031"/>
+          <p:cNvSpPr txBox="1">
+            <a:spLocks noChangeArrowheads="1"/>
+          </p:cNvSpPr>
+          <p:nvPr/>
+        </p:nvSpPr>
+        <p:spPr bwMode="auto">
+          <a:xfrm>
+            <a:off x="611560" y="848613"/>
+            <a:ext cx="5481836" cy="1723137"/>
+          </a:xfrm>
+          <a:prstGeom prst="rect">
+            <a:avLst/>
+          </a:prstGeom>
+          <a:solidFill>
+            <a:srgbClr val="1293B5">
+              <a:alpha val="50000"/>
+            </a:srgbClr>
+          </a:solidFill>
+          <a:ln w="12700">
+            <a:noFill/>
+            <a:miter lim="800000"/>
+            <a:headEnd/>
+            <a:tailEnd/>
+          </a:ln>
+          <a:effectLst>
+            <a:outerShdw blurRad="63500" sx="102000" sy="102000" algn="ctr" rotWithShape="0">
+              <a:prstClr val="black">
+                <a:alpha val="40000"/>
+              </a:prstClr>
+            </a:outerShdw>
+          </a:effectLst>
+        </p:spPr>
+        <p:txBody>
+          <a:bodyPr wrap="square" lIns="144000" tIns="108000" rIns="144000" bIns="108000" anchor="b">
+            <a:spAutoFit/>
+          </a:bodyPr>
+          <a:lstStyle/>
+          <a:p>
+            <a:pPr>
+              <a:defRPr/>
+            </a:pPr>
+            <a:r>
+              <a:rPr lang="de-DE" sz="1800" b="1" dirty="0" smtClean="0">
+                <a:latin typeface="Arial" panose="020B0604020202020204" pitchFamily="34" charset="0"/>
+                <a:cs typeface="Arial" panose="020B0604020202020204" pitchFamily="34" charset="0"/>
+              </a:rPr>
+              <a:t>25. Oktober_15:00 – 15:45 Uhr  Kino 7</a:t>
+            </a:r>
+          </a:p>
+          <a:p>
+            <a:pPr>
+              <a:defRPr/>
+            </a:pPr>
+            <a:r>
+              <a:rPr lang="de-DE" sz="2100" dirty="0">
+                <a:latin typeface="Arial" panose="020B0604020202020204" pitchFamily="34" charset="0"/>
+                <a:cs typeface="Arial" panose="020B0604020202020204" pitchFamily="34" charset="0"/>
+              </a:rPr>
+              <a:t>Spring Batch Performance Monitoring </a:t>
+            </a:r>
+            <a:r>
+              <a:rPr lang="de-DE" sz="2100" dirty="0" smtClean="0">
+                <a:latin typeface="Arial" panose="020B0604020202020204" pitchFamily="34" charset="0"/>
+                <a:cs typeface="Arial" panose="020B0604020202020204" pitchFamily="34" charset="0"/>
+              </a:rPr>
+              <a:t>– </a:t>
+            </a:r>
+          </a:p>
+          <a:p>
+            <a:pPr>
+              <a:defRPr/>
+            </a:pPr>
+            <a:r>
+              <a:rPr lang="de-DE" sz="2100" dirty="0" smtClean="0">
+                <a:latin typeface="Arial" panose="020B0604020202020204" pitchFamily="34" charset="0"/>
+                <a:cs typeface="Arial" panose="020B0604020202020204" pitchFamily="34" charset="0"/>
+              </a:rPr>
+              <a:t>Wir bringen Licht in die Dunkelverarbeitung</a:t>
+            </a:r>
+            <a:endParaRPr lang="de-DE" sz="2100" i="1" dirty="0" smtClean="0">
+              <a:solidFill>
+                <a:srgbClr val="FFFFFF"/>
+              </a:solidFill>
+              <a:latin typeface="Arial" panose="020B0604020202020204" pitchFamily="34" charset="0"/>
+              <a:cs typeface="Arial" panose="020B0604020202020204" pitchFamily="34" charset="0"/>
+            </a:endParaRPr>
+          </a:p>
+          <a:p>
+            <a:pPr>
+              <a:tabLst>
+                <a:tab pos="534988" algn="l"/>
+              </a:tabLst>
+            </a:pPr>
+            <a:endParaRPr lang="de-DE" sz="1100" i="1" dirty="0" smtClean="0">
+              <a:solidFill>
+                <a:srgbClr val="FFFFFF"/>
+              </a:solidFill>
+              <a:latin typeface="+mn-lt"/>
+            </a:endParaRPr>
+          </a:p>
+          <a:p>
+            <a:pPr>
+              <a:tabLst>
+                <a:tab pos="534988" algn="l"/>
+              </a:tabLst>
+            </a:pPr>
+            <a:r>
+              <a:rPr lang="de-DE" sz="1100" i="1" dirty="0" smtClean="0">
+                <a:solidFill>
+                  <a:srgbClr val="FFFFFF"/>
+                </a:solidFill>
+                <a:latin typeface="+mn-lt"/>
+                <a:cs typeface="Arial" panose="020B0604020202020204" pitchFamily="34" charset="0"/>
+              </a:rPr>
+              <a:t>Christian </a:t>
+            </a:r>
+            <a:r>
+              <a:rPr lang="de-DE" sz="1100" i="1" dirty="0" err="1" smtClean="0">
+                <a:solidFill>
+                  <a:srgbClr val="FFFFFF"/>
+                </a:solidFill>
+                <a:latin typeface="+mn-lt"/>
+                <a:cs typeface="Arial" panose="020B0604020202020204" pitchFamily="34" charset="0"/>
+              </a:rPr>
+              <a:t>Nockemann</a:t>
+            </a:r>
+            <a:endParaRPr lang="de-DE" sz="1100" i="1" dirty="0">
+              <a:solidFill>
+                <a:srgbClr val="FFFFFF"/>
+              </a:solidFill>
+              <a:latin typeface="+mn-lt"/>
+              <a:cs typeface="Arial" panose="020B0604020202020204" pitchFamily="34" charset="0"/>
+            </a:endParaRPr>
+          </a:p>
+        </p:txBody>
+      </p:sp>
+      <p:grpSp>
+        <p:nvGrpSpPr>
+          <p:cNvPr id="11" name="Gruppieren 10"/>
+          <p:cNvGrpSpPr/>
+          <p:nvPr/>
+        </p:nvGrpSpPr>
+        <p:grpSpPr>
+          <a:xfrm>
+            <a:off x="5436096" y="1995902"/>
+            <a:ext cx="2159955" cy="1944000"/>
+            <a:chOff x="5278649" y="1923894"/>
+            <a:chExt cx="2159955" cy="1944000"/>
+          </a:xfrm>
+        </p:grpSpPr>
+        <p:sp>
+          <p:nvSpPr>
+            <p:cNvPr id="13" name="Ellipse 12"/>
+            <p:cNvSpPr>
+              <a:spLocks noChangeAspect="1"/>
+            </p:cNvSpPr>
+            <p:nvPr/>
+          </p:nvSpPr>
+          <p:spPr bwMode="auto">
+            <a:xfrm rot="20690411">
+              <a:off x="5387660" y="1923894"/>
+              <a:ext cx="1944000" cy="1944000"/>
+            </a:xfrm>
+            <a:prstGeom prst="ellipse">
+              <a:avLst/>
+            </a:prstGeom>
+            <a:solidFill>
+              <a:srgbClr val="FFFFFF"/>
+            </a:solidFill>
+            <a:ln w="9525" cap="flat" cmpd="sng" algn="ctr">
+              <a:noFill/>
+              <a:prstDash val="solid"/>
+              <a:round/>
+              <a:headEnd type="none" w="med" len="med"/>
+              <a:tailEnd type="none" w="med" len="med"/>
+            </a:ln>
+            <a:effectLst>
+              <a:outerShdw blurRad="50800" dist="38100" dir="2700000" algn="tl" rotWithShape="0">
+                <a:prstClr val="black">
+                  <a:alpha val="40000"/>
+                </a:prstClr>
+              </a:outerShdw>
+            </a:effectLst>
+          </p:spPr>
+          <p:txBody>
+            <a:bodyPr vert="horz" wrap="square" lIns="0" tIns="0" rIns="90000" bIns="90000" numCol="1" rtlCol="0" anchor="t" anchorCtr="0" compatLnSpc="1">
+              <a:prstTxWarp prst="textNoShape">
+                <a:avLst/>
+              </a:prstTxWarp>
+            </a:bodyPr>
+            <a:lstStyle/>
+            <a:p>
+              <a:pPr marL="381000" marR="0" indent="-381000" algn="l" defTabSz="914400" rtl="0" eaLnBrk="1" fontAlgn="base" latinLnBrk="0" hangingPunct="1">
+                <a:lnSpc>
+                  <a:spcPct val="100000"/>
+                </a:lnSpc>
+                <a:spcBef>
+                  <a:spcPct val="20000"/>
+                </a:spcBef>
+                <a:spcAft>
+                  <a:spcPct val="0"/>
+                </a:spcAft>
+                <a:buClr>
+                  <a:schemeClr val="bg2"/>
+                </a:buClr>
+                <a:buSzTx/>
+                <a:buFont typeface="Webdings" pitchFamily="18" charset="2"/>
+                <a:buNone/>
+                <a:tabLst/>
+              </a:pPr>
+              <a:endParaRPr kumimoji="0" lang="de-DE" sz="2000" b="0" i="0" u="none" strike="noStrike" cap="none" normalizeH="0" baseline="0" smtClean="0">
+                <a:ln>
+                  <a:noFill/>
+                </a:ln>
+                <a:solidFill>
+                  <a:schemeClr val="tx1"/>
+                </a:solidFill>
+                <a:effectLst/>
+                <a:latin typeface="Arial" charset="0"/>
+              </a:endParaRPr>
+            </a:p>
+          </p:txBody>
+        </p:sp>
+        <p:sp>
+          <p:nvSpPr>
+            <p:cNvPr id="14" name="Ellipse 13"/>
+            <p:cNvSpPr>
+              <a:spLocks noChangeAspect="1"/>
+            </p:cNvSpPr>
+            <p:nvPr/>
+          </p:nvSpPr>
+          <p:spPr bwMode="auto">
+            <a:xfrm rot="20690411">
+              <a:off x="5458627" y="1992049"/>
+              <a:ext cx="1800000" cy="1800000"/>
+            </a:xfrm>
+            <a:prstGeom prst="ellipse">
+              <a:avLst/>
+            </a:prstGeom>
+            <a:noFill/>
+            <a:ln w="19050" cap="flat" cmpd="sng" algn="ctr">
+              <a:solidFill>
+                <a:srgbClr val="1293B5"/>
+              </a:solidFill>
+              <a:prstDash val="solid"/>
+              <a:round/>
+              <a:headEnd type="none" w="med" len="med"/>
+              <a:tailEnd type="none" w="med" len="med"/>
+            </a:ln>
+            <a:effectLst/>
+          </p:spPr>
+          <p:txBody>
+            <a:bodyPr vert="horz" wrap="square" lIns="0" tIns="0" rIns="90000" bIns="90000" numCol="1" rtlCol="0" anchor="t" anchorCtr="0" compatLnSpc="1">
+              <a:prstTxWarp prst="textNoShape">
+                <a:avLst/>
+              </a:prstTxWarp>
+            </a:bodyPr>
+            <a:lstStyle/>
+            <a:p>
+              <a:pPr marL="381000" marR="0" indent="-381000" algn="l" defTabSz="914400" rtl="0" eaLnBrk="1" fontAlgn="base" latinLnBrk="0" hangingPunct="1">
+                <a:lnSpc>
+                  <a:spcPct val="100000"/>
+                </a:lnSpc>
+                <a:spcBef>
+                  <a:spcPct val="20000"/>
+                </a:spcBef>
+                <a:spcAft>
+                  <a:spcPct val="0"/>
+                </a:spcAft>
+                <a:buClr>
+                  <a:schemeClr val="bg2"/>
+                </a:buClr>
+                <a:buSzTx/>
+                <a:buFont typeface="Webdings" pitchFamily="18" charset="2"/>
+                <a:buNone/>
+                <a:tabLst/>
+              </a:pPr>
+              <a:endParaRPr kumimoji="0" lang="de-DE" sz="2000" b="0" i="0" u="none" strike="noStrike" cap="none" normalizeH="0" baseline="0" smtClean="0">
+                <a:ln>
+                  <a:noFill/>
+                </a:ln>
+                <a:solidFill>
+                  <a:schemeClr val="tx1"/>
+                </a:solidFill>
+                <a:effectLst/>
+                <a:latin typeface="Arial" charset="0"/>
+              </a:endParaRPr>
+            </a:p>
+          </p:txBody>
+        </p:sp>
+        <p:sp>
+          <p:nvSpPr>
+            <p:cNvPr id="15" name="Textfeld 14"/>
+            <p:cNvSpPr txBox="1"/>
+            <p:nvPr/>
+          </p:nvSpPr>
+          <p:spPr>
+            <a:xfrm rot="20690411">
+              <a:off x="5278649" y="2421351"/>
+              <a:ext cx="2159955" cy="964880"/>
+            </a:xfrm>
+            <a:prstGeom prst="rect">
+              <a:avLst/>
+            </a:prstGeom>
+            <a:noFill/>
+          </p:spPr>
+          <p:txBody>
+            <a:bodyPr wrap="square" rtlCol="0">
+              <a:spAutoFit/>
+            </a:bodyPr>
+            <a:lstStyle/>
+            <a:p>
+              <a:pPr algn="ctr"/>
+              <a:r>
+                <a:rPr lang="de-DE" sz="1050" dirty="0" smtClean="0">
+                  <a:solidFill>
+                    <a:srgbClr val="1293B5"/>
+                  </a:solidFill>
+                  <a:latin typeface="Arial" panose="020B0604020202020204" pitchFamily="34" charset="0"/>
+                  <a:cs typeface="Arial" panose="020B0604020202020204" pitchFamily="34" charset="0"/>
+                </a:rPr>
+                <a:t>Wir sind Austeller und </a:t>
+              </a:r>
+            </a:p>
+            <a:p>
+              <a:pPr algn="ctr"/>
+              <a:r>
+                <a:rPr lang="de-DE" sz="1050" b="1" dirty="0" smtClean="0">
+                  <a:solidFill>
+                    <a:srgbClr val="1293B5"/>
+                  </a:solidFill>
+                  <a:latin typeface="Arial" panose="020B0604020202020204" pitchFamily="34" charset="0"/>
+                  <a:cs typeface="Arial" panose="020B0604020202020204" pitchFamily="34" charset="0"/>
+                </a:rPr>
+                <a:t>Bronze Partner</a:t>
+              </a:r>
+              <a:r>
+                <a:rPr lang="de-DE" sz="1050" dirty="0" smtClean="0">
+                  <a:solidFill>
+                    <a:srgbClr val="1293B5"/>
+                  </a:solidFill>
+                  <a:latin typeface="Arial" panose="020B0604020202020204" pitchFamily="34" charset="0"/>
+                  <a:cs typeface="Arial" panose="020B0604020202020204" pitchFamily="34" charset="0"/>
+                </a:rPr>
+                <a:t> der JCON.</a:t>
+              </a:r>
+            </a:p>
+            <a:p>
+              <a:pPr algn="ctr"/>
+              <a:endParaRPr lang="de-DE" sz="600" dirty="0" smtClean="0">
+                <a:solidFill>
+                  <a:srgbClr val="1293B5"/>
+                </a:solidFill>
+                <a:latin typeface="Arial" panose="020B0604020202020204" pitchFamily="34" charset="0"/>
+                <a:cs typeface="Arial" panose="020B0604020202020204" pitchFamily="34" charset="0"/>
+              </a:endParaRPr>
+            </a:p>
+            <a:p>
+              <a:pPr algn="ctr"/>
+              <a:r>
+                <a:rPr lang="de-DE" sz="1050" dirty="0" smtClean="0">
+                  <a:solidFill>
+                    <a:srgbClr val="1293B5"/>
+                  </a:solidFill>
+                  <a:latin typeface="Arial" panose="020B0604020202020204" pitchFamily="34" charset="0"/>
+                  <a:cs typeface="Arial" panose="020B0604020202020204" pitchFamily="34" charset="0"/>
+                </a:rPr>
+                <a:t>Treffen Sie uns – treffen </a:t>
+              </a:r>
+            </a:p>
+            <a:p>
+              <a:pPr algn="ctr"/>
+              <a:r>
+                <a:rPr lang="de-DE" sz="1050" dirty="0" smtClean="0">
+                  <a:solidFill>
+                    <a:srgbClr val="1293B5"/>
+                  </a:solidFill>
+                  <a:latin typeface="Arial" panose="020B0604020202020204" pitchFamily="34" charset="0"/>
+                  <a:cs typeface="Arial" panose="020B0604020202020204" pitchFamily="34" charset="0"/>
+                </a:rPr>
+                <a:t>Sie unsere Experten.</a:t>
+              </a:r>
+              <a:endParaRPr lang="de-DE" sz="1050" dirty="0">
+                <a:solidFill>
+                  <a:srgbClr val="1293B5"/>
+                </a:solidFill>
+                <a:latin typeface="Arial" panose="020B0604020202020204" pitchFamily="34" charset="0"/>
+                <a:cs typeface="Arial" panose="020B0604020202020204" pitchFamily="34" charset="0"/>
+              </a:endParaRPr>
+            </a:p>
+          </p:txBody>
+        </p:sp>
+      </p:grpSp>
+    </p:spTree>
+    <p:extLst>
+      <p:ext uri="{BB962C8B-B14F-4D97-AF65-F5344CB8AC3E}">
+        <p14:creationId xmlns:p14="http://schemas.microsoft.com/office/powerpoint/2010/main" val="2616047039"/>
+      </p:ext>
+    </p:extLst>
+  </p:cSld>
+  <p:clrMapOvr>
+    <a:masterClrMapping/>
+  </p:clrMapOvr>
+  <p:transition spd="slow" advClick="0" advTm="10000">
+    <p:push/>
+  </p:transition>
+  <p:timing>
+    <p:tnLst>
+      <p:par>
+        <p:cTn id="1" dur="indefinite" restart="never" nodeType="tmRoot">
+          <p:childTnLst>
+            <p:seq concurrent="1" nextAc="seek">
+              <p:cTn id="2" dur="indefinite" nodeType="mainSeq">
+                <p:childTnLst>
+                  <p:par>
+                    <p:cTn id="3" fill="hold">
+                      <p:stCondLst>
+                        <p:cond delay="indefinite"/>
+                        <p:cond evt="onBegin" delay="0">
+                          <p:tn val="2"/>
+                        </p:cond>
+                      </p:stCondLst>
+                      <p:childTnLst>
+                        <p:par>
+                          <p:cTn id="4" fill="hold">
+                            <p:stCondLst>
+                              <p:cond delay="0"/>
+                            </p:stCondLst>
+                            <p:childTnLst>
+                              <p:par>
+                                <p:cTn id="5" presetID="2" presetClass="entr" presetSubtype="2" fill="hold" grpId="0" nodeType="afterEffect">
+                                  <p:stCondLst>
+                                    <p:cond delay="2000"/>
+                                  </p:stCondLst>
+                                  <p:childTnLst>
+                                    <p:set>
+                                      <p:cBhvr>
+                                        <p:cTn id="6" dur="1" fill="hold">
+                                          <p:stCondLst>
+                                            <p:cond delay="0"/>
+                                          </p:stCondLst>
+                                        </p:cTn>
+                                        <p:tgtEl>
+                                          <p:spTgt spid="17"/>
+                                        </p:tgtEl>
+                                        <p:attrNameLst>
+                                          <p:attrName>style.visibility</p:attrName>
+                                        </p:attrNameLst>
+                                      </p:cBhvr>
+                                      <p:to>
+                                        <p:strVal val="visible"/>
+                                      </p:to>
+                                    </p:set>
+                                    <p:anim calcmode="lin" valueType="num">
+                                      <p:cBhvr additive="base">
+                                        <p:cTn id="7" dur="500" fill="hold"/>
+                                        <p:tgtEl>
+                                          <p:spTgt spid="17"/>
+                                        </p:tgtEl>
+                                        <p:attrNameLst>
+                                          <p:attrName>ppt_x</p:attrName>
+                                        </p:attrNameLst>
+                                      </p:cBhvr>
+                                      <p:tavLst>
+                                        <p:tav tm="0">
+                                          <p:val>
+                                            <p:strVal val="1+#ppt_w/2"/>
+                                          </p:val>
+                                        </p:tav>
+                                        <p:tav tm="100000">
+                                          <p:val>
+                                            <p:strVal val="#ppt_x"/>
+                                          </p:val>
+                                        </p:tav>
+                                      </p:tavLst>
+                                    </p:anim>
+                                    <p:anim calcmode="lin" valueType="num">
+                                      <p:cBhvr additive="base">
+                                        <p:cTn id="8" dur="500" fill="hold"/>
+                                        <p:tgtEl>
+                                          <p:spTgt spid="17"/>
+                                        </p:tgtEl>
+                                        <p:attrNameLst>
+                                          <p:attrName>ppt_y</p:attrName>
+                                        </p:attrNameLst>
+                                      </p:cBhvr>
+                                      <p:tavLst>
+                                        <p:tav tm="0">
+                                          <p:val>
+                                            <p:strVal val="#ppt_y"/>
+                                          </p:val>
+                                        </p:tav>
+                                        <p:tav tm="100000">
+                                          <p:val>
+                                            <p:strVal val="#ppt_y"/>
+                                          </p:val>
+                                        </p:tav>
+                                      </p:tavLst>
+                                    </p:anim>
+                                  </p:childTnLst>
+                                </p:cTn>
+                              </p:par>
+                            </p:childTnLst>
+                          </p:cTn>
+                        </p:par>
+                      </p:childTnLst>
+                    </p:cTn>
+                  </p:par>
+                </p:childTnLst>
+              </p:cTn>
+              <p:prevCondLst>
+                <p:cond evt="onPrev" delay="0">
+                  <p:tgtEl>
+                    <p:sldTgt/>
+                  </p:tgtEl>
+                </p:cond>
+              </p:prevCondLst>
+              <p:nextCondLst>
+                <p:cond evt="onNext" delay="0">
+                  <p:tgtEl>
+                    <p:sldTgt/>
+                  </p:tgtEl>
+                </p:cond>
+              </p:nextCondLst>
+            </p:seq>
+          </p:childTnLst>
+        </p:cTn>
+      </p:par>
+    </p:tnLst>
+    <p:bldLst>
+      <p:bldP spid="17" grpId="0" animBg="1"/>
+    </p:bldLst>
+  </p:timing>
+</p:sld>
+</file>
+
+<file path=ppt/slides/slide6.xml><?xml version="1.0" encoding="utf-8"?>
+<p:sld xmlns:a="http://schemas.openxmlformats.org/drawingml/2006/main" xmlns:r="http://schemas.openxmlformats.org/officeDocument/2006/relationships" xmlns:p="http://schemas.openxmlformats.org/presentationml/2006/main">
+  <p:cSld>
+    <p:spTree>
+      <p:nvGrpSpPr>
+        <p:cNvPr id="1" name=""/>
+        <p:cNvGrpSpPr/>
+        <p:nvPr/>
+      </p:nvGrpSpPr>
+      <p:grpSpPr>
+        <a:xfrm>
+          <a:off x="0" y="0"/>
+          <a:ext cx="0" cy="0"/>
+          <a:chOff x="0" y="0"/>
+          <a:chExt cx="0" cy="0"/>
+        </a:xfrm>
+      </p:grpSpPr>
+      <p:pic>
+        <p:nvPicPr>
+          <p:cNvPr id="9" name="Grafik 8"/>
+          <p:cNvPicPr>
+            <a:picLocks noChangeAspect="1"/>
+          </p:cNvPicPr>
+          <p:nvPr/>
+        </p:nvPicPr>
+        <p:blipFill rotWithShape="1">
+          <a:blip r:embed="rId2">
+            <a:extLst>
+              <a:ext uri="{28A0092B-C50C-407E-A947-70E740481C1C}">
+                <a14:useLocalDpi xmlns:a14="http://schemas.microsoft.com/office/drawing/2010/main" val="0"/>
+              </a:ext>
+            </a:extLst>
+          </a:blip>
+          <a:srcRect l="8502"/>
+          <a:stretch/>
+        </p:blipFill>
+        <p:spPr>
+          <a:xfrm>
+            <a:off x="0" y="0"/>
+            <a:ext cx="8142198" cy="5164038"/>
+          </a:xfrm>
+          <a:prstGeom prst="rect">
+            <a:avLst/>
+          </a:prstGeom>
+        </p:spPr>
+      </p:pic>
+      <p:sp>
+        <p:nvSpPr>
+          <p:cNvPr id="3075" name="Rectangle 1029"/>
+          <p:cNvSpPr>
+            <a:spLocks noChangeArrowheads="1"/>
+          </p:cNvSpPr>
+          <p:nvPr/>
+        </p:nvSpPr>
+        <p:spPr bwMode="auto">
+          <a:xfrm>
+            <a:off x="6948488" y="0"/>
+            <a:ext cx="2193925" cy="5143500"/>
+          </a:xfrm>
+          <a:prstGeom prst="rect">
+            <a:avLst/>
+          </a:prstGeom>
+          <a:gradFill>
+            <a:gsLst>
+              <a:gs pos="0">
+                <a:srgbClr val="1293B5"/>
+              </a:gs>
+              <a:gs pos="100000">
+                <a:srgbClr val="003278"/>
+              </a:gs>
+            </a:gsLst>
+            <a:lin ang="5400000" scaled="0"/>
+          </a:gradFill>
+          <a:ln w="9525">
+            <a:noFill/>
+            <a:miter lim="800000"/>
+            <a:headEnd/>
+            <a:tailEnd/>
+          </a:ln>
+          <a:effectLst>
+            <a:outerShdw blurRad="50800" dist="38100" dir="10800000" algn="r" rotWithShape="0">
+              <a:prstClr val="black">
+                <a:alpha val="40000"/>
+              </a:prstClr>
+            </a:outerShdw>
+          </a:effectLst>
+        </p:spPr>
+        <p:txBody>
+          <a:bodyPr wrap="none" lIns="0" tIns="0" rIns="67497" bIns="67497" anchor="ctr"/>
+          <a:lstStyle/>
+          <a:p>
+            <a:pPr>
+              <a:defRPr/>
+            </a:pPr>
+            <a:endParaRPr lang="de-DE"/>
+          </a:p>
+        </p:txBody>
+      </p:sp>
+      <p:pic>
+        <p:nvPicPr>
+          <p:cNvPr id="8" name="Grafik 12" descr="viadee_Logo_negativ_RGB.png">
+            <a:hlinkClick r:id="rId3" action="ppaction://hlinkpres?slideindex=1&amp;slidetitle="/>
+          </p:cNvPr>
+          <p:cNvPicPr>
+            <a:picLocks noChangeAspect="1"/>
+          </p:cNvPicPr>
+          <p:nvPr/>
+        </p:nvPicPr>
+        <p:blipFill>
+          <a:blip r:embed="rId4" cstate="print"/>
+          <a:srcRect/>
+          <a:stretch>
+            <a:fillRect/>
+          </a:stretch>
+        </p:blipFill>
+        <p:spPr bwMode="auto">
+          <a:xfrm>
+            <a:off x="7137400" y="411163"/>
+            <a:ext cx="1682750" cy="630237"/>
+          </a:xfrm>
+          <a:prstGeom prst="rect">
+            <a:avLst/>
+          </a:prstGeom>
+          <a:noFill/>
+          <a:ln w="9525">
+            <a:noFill/>
+            <a:miter lim="800000"/>
+            <a:headEnd/>
+            <a:tailEnd/>
+          </a:ln>
+        </p:spPr>
+      </p:pic>
+      <p:pic>
+        <p:nvPicPr>
+          <p:cNvPr id="12" name="Grafik 11"/>
+          <p:cNvPicPr>
+            <a:picLocks noChangeAspect="1"/>
+          </p:cNvPicPr>
+          <p:nvPr/>
+        </p:nvPicPr>
+        <p:blipFill>
+          <a:blip r:embed="rId5">
+            <a:extLst>
+              <a:ext uri="{28A0092B-C50C-407E-A947-70E740481C1C}">
+                <a14:useLocalDpi xmlns:a14="http://schemas.microsoft.com/office/drawing/2010/main" val="0"/>
+              </a:ext>
+            </a:extLst>
+          </a:blip>
+          <a:stretch>
+            <a:fillRect/>
+          </a:stretch>
+        </p:blipFill>
+        <p:spPr>
+          <a:xfrm>
+            <a:off x="618934" y="4738507"/>
+            <a:ext cx="2072469" cy="231629"/>
+          </a:xfrm>
+          <a:prstGeom prst="rect">
+            <a:avLst/>
+          </a:prstGeom>
+        </p:spPr>
+      </p:pic>
+      <p:sp>
+        <p:nvSpPr>
+          <p:cNvPr id="13" name="Text Box 1031"/>
+          <p:cNvSpPr txBox="1">
+            <a:spLocks noChangeArrowheads="1"/>
+          </p:cNvSpPr>
+          <p:nvPr/>
+        </p:nvSpPr>
+        <p:spPr bwMode="auto">
+          <a:xfrm>
+            <a:off x="610766" y="3293747"/>
+            <a:ext cx="5473402" cy="1289172"/>
+          </a:xfrm>
+          <a:prstGeom prst="rect">
+            <a:avLst/>
+          </a:prstGeom>
+          <a:solidFill>
+            <a:srgbClr val="1293B5">
+              <a:alpha val="50000"/>
+            </a:srgbClr>
+          </a:solidFill>
+          <a:ln w="12700">
+            <a:noFill/>
+            <a:miter lim="800000"/>
+            <a:headEnd/>
+            <a:tailEnd/>
+          </a:ln>
+          <a:effectLst>
+            <a:outerShdw blurRad="63500" sx="102000" sy="102000" algn="ctr" rotWithShape="0">
+              <a:prstClr val="black">
+                <a:alpha val="40000"/>
+              </a:prstClr>
+            </a:outerShdw>
+          </a:effectLst>
+        </p:spPr>
+        <p:txBody>
+          <a:bodyPr wrap="square" lIns="144000" tIns="108000" rIns="144000" bIns="108000" anchor="b">
+            <a:spAutoFit/>
+          </a:bodyPr>
+          <a:lstStyle/>
+          <a:p>
+            <a:pPr>
+              <a:defRPr/>
+            </a:pPr>
+            <a:r>
+              <a:rPr lang="de-DE" sz="1800" b="1" dirty="0"/>
+              <a:t>25. </a:t>
+            </a:r>
+            <a:r>
+              <a:rPr lang="de-DE" sz="1800" b="1" dirty="0" smtClean="0"/>
+              <a:t>Oktober_18:00 </a:t>
+            </a:r>
+            <a:r>
+              <a:rPr lang="de-DE" sz="1800" b="1" dirty="0"/>
+              <a:t>– </a:t>
+            </a:r>
+            <a:r>
+              <a:rPr lang="de-DE" sz="1800" b="1" dirty="0" smtClean="0"/>
+              <a:t>18:45 </a:t>
+            </a:r>
+            <a:r>
+              <a:rPr lang="de-DE" sz="1800" b="1" dirty="0"/>
+              <a:t>Uhr  Kino 9</a:t>
+            </a:r>
+          </a:p>
+          <a:p>
+            <a:pPr>
+              <a:defRPr/>
+            </a:pPr>
+            <a:r>
+              <a:rPr lang="de-DE" sz="2100" dirty="0" err="1" smtClean="0">
+                <a:latin typeface="Arial" panose="020B0604020202020204" pitchFamily="34" charset="0"/>
+                <a:cs typeface="Arial" panose="020B0604020202020204" pitchFamily="34" charset="0"/>
+              </a:rPr>
+              <a:t>Good</a:t>
+            </a:r>
+            <a:r>
+              <a:rPr lang="de-DE" sz="2100" dirty="0" smtClean="0">
+                <a:latin typeface="Arial" panose="020B0604020202020204" pitchFamily="34" charset="0"/>
+                <a:cs typeface="Arial" panose="020B0604020202020204" pitchFamily="34" charset="0"/>
+              </a:rPr>
+              <a:t> Times </a:t>
+            </a:r>
+            <a:r>
+              <a:rPr lang="de-DE" sz="2100" dirty="0" err="1" smtClean="0">
+                <a:latin typeface="Arial" panose="020B0604020202020204" pitchFamily="34" charset="0"/>
+                <a:cs typeface="Arial" panose="020B0604020202020204" pitchFamily="34" charset="0"/>
+              </a:rPr>
+              <a:t>with</a:t>
+            </a:r>
+            <a:r>
+              <a:rPr lang="de-DE" sz="2100" dirty="0" smtClean="0">
+                <a:latin typeface="Arial" panose="020B0604020202020204" pitchFamily="34" charset="0"/>
+                <a:cs typeface="Arial" panose="020B0604020202020204" pitchFamily="34" charset="0"/>
+              </a:rPr>
+              <a:t> Bad Code</a:t>
+            </a:r>
+          </a:p>
+          <a:p>
+            <a:endParaRPr lang="de-DE" sz="1100" i="1" dirty="0" smtClean="0">
+              <a:solidFill>
+                <a:srgbClr val="FFFFFF"/>
+              </a:solidFill>
+              <a:latin typeface="FormataBQ-Medium" pitchFamily="18" charset="0"/>
+            </a:endParaRPr>
+          </a:p>
+          <a:p>
+            <a:r>
+              <a:rPr lang="de-DE" sz="1100" i="1" dirty="0"/>
+              <a:t>Claudia </a:t>
+            </a:r>
+            <a:r>
+              <a:rPr lang="de-DE" sz="1100" i="1" dirty="0" smtClean="0"/>
+              <a:t>Simsek-Graf und Björn </a:t>
+            </a:r>
+            <a:r>
+              <a:rPr lang="de-DE" sz="1100" i="1" dirty="0"/>
+              <a:t>Meschede</a:t>
+            </a:r>
+          </a:p>
+        </p:txBody>
+      </p:sp>
+      <p:grpSp>
+        <p:nvGrpSpPr>
+          <p:cNvPr id="11" name="Gruppieren 10"/>
+          <p:cNvGrpSpPr/>
+          <p:nvPr/>
+        </p:nvGrpSpPr>
+        <p:grpSpPr>
+          <a:xfrm>
+            <a:off x="5436096" y="1851670"/>
+            <a:ext cx="2159955" cy="1944000"/>
+            <a:chOff x="5278649" y="1923894"/>
+            <a:chExt cx="2159955" cy="1944000"/>
+          </a:xfrm>
+        </p:grpSpPr>
+        <p:sp>
+          <p:nvSpPr>
+            <p:cNvPr id="18" name="Ellipse 17"/>
+            <p:cNvSpPr>
+              <a:spLocks noChangeAspect="1"/>
+            </p:cNvSpPr>
+            <p:nvPr/>
+          </p:nvSpPr>
+          <p:spPr bwMode="auto">
+            <a:xfrm rot="20690411">
+              <a:off x="5387660" y="1923894"/>
+              <a:ext cx="1944000" cy="1944000"/>
+            </a:xfrm>
+            <a:prstGeom prst="ellipse">
+              <a:avLst/>
+            </a:prstGeom>
+            <a:solidFill>
+              <a:srgbClr val="FFFFFF"/>
+            </a:solidFill>
+            <a:ln w="9525" cap="flat" cmpd="sng" algn="ctr">
+              <a:noFill/>
+              <a:prstDash val="solid"/>
+              <a:round/>
+              <a:headEnd type="none" w="med" len="med"/>
+              <a:tailEnd type="none" w="med" len="med"/>
+            </a:ln>
+            <a:effectLst>
+              <a:outerShdw blurRad="50800" dist="38100" dir="2700000" algn="tl" rotWithShape="0">
+                <a:prstClr val="black">
+                  <a:alpha val="40000"/>
+                </a:prstClr>
+              </a:outerShdw>
+            </a:effectLst>
+          </p:spPr>
+          <p:txBody>
+            <a:bodyPr vert="horz" wrap="square" lIns="0" tIns="0" rIns="90000" bIns="90000" numCol="1" rtlCol="0" anchor="t" anchorCtr="0" compatLnSpc="1">
+              <a:prstTxWarp prst="textNoShape">
+                <a:avLst/>
+              </a:prstTxWarp>
+            </a:bodyPr>
+            <a:lstStyle/>
+            <a:p>
+              <a:pPr marL="381000" marR="0" indent="-381000" algn="l" defTabSz="914400" rtl="0" eaLnBrk="1" fontAlgn="base" latinLnBrk="0" hangingPunct="1">
+                <a:lnSpc>
+                  <a:spcPct val="100000"/>
+                </a:lnSpc>
+                <a:spcBef>
+                  <a:spcPct val="20000"/>
+                </a:spcBef>
+                <a:spcAft>
+                  <a:spcPct val="0"/>
+                </a:spcAft>
+                <a:buClr>
+                  <a:schemeClr val="bg2"/>
+                </a:buClr>
+                <a:buSzTx/>
+                <a:buFont typeface="Webdings" pitchFamily="18" charset="2"/>
+                <a:buNone/>
+                <a:tabLst/>
+              </a:pPr>
+              <a:endParaRPr kumimoji="0" lang="de-DE" sz="2000" b="0" i="0" u="none" strike="noStrike" cap="none" normalizeH="0" baseline="0" smtClean="0">
+                <a:ln>
+                  <a:noFill/>
+                </a:ln>
+                <a:solidFill>
+                  <a:schemeClr val="tx1"/>
+                </a:solidFill>
+                <a:effectLst/>
+                <a:latin typeface="Arial" charset="0"/>
+              </a:endParaRPr>
+            </a:p>
+          </p:txBody>
+        </p:sp>
+        <p:sp>
+          <p:nvSpPr>
+            <p:cNvPr id="19" name="Ellipse 18"/>
+            <p:cNvSpPr>
+              <a:spLocks noChangeAspect="1"/>
+            </p:cNvSpPr>
+            <p:nvPr/>
+          </p:nvSpPr>
+          <p:spPr bwMode="auto">
+            <a:xfrm rot="20690411">
+              <a:off x="5458627" y="1992049"/>
+              <a:ext cx="1800000" cy="1800000"/>
+            </a:xfrm>
+            <a:prstGeom prst="ellipse">
+              <a:avLst/>
+            </a:prstGeom>
+            <a:noFill/>
+            <a:ln w="19050" cap="flat" cmpd="sng" algn="ctr">
+              <a:solidFill>
+                <a:srgbClr val="1293B5"/>
+              </a:solidFill>
+              <a:prstDash val="solid"/>
+              <a:round/>
+              <a:headEnd type="none" w="med" len="med"/>
+              <a:tailEnd type="none" w="med" len="med"/>
+            </a:ln>
+            <a:effectLst/>
+          </p:spPr>
+          <p:txBody>
+            <a:bodyPr vert="horz" wrap="square" lIns="0" tIns="0" rIns="90000" bIns="90000" numCol="1" rtlCol="0" anchor="t" anchorCtr="0" compatLnSpc="1">
+              <a:prstTxWarp prst="textNoShape">
+                <a:avLst/>
+              </a:prstTxWarp>
+            </a:bodyPr>
+            <a:lstStyle/>
+            <a:p>
+              <a:pPr marL="381000" marR="0" indent="-381000" algn="l" defTabSz="914400" rtl="0" eaLnBrk="1" fontAlgn="base" latinLnBrk="0" hangingPunct="1">
+                <a:lnSpc>
+                  <a:spcPct val="100000"/>
+                </a:lnSpc>
+                <a:spcBef>
+                  <a:spcPct val="20000"/>
+                </a:spcBef>
+                <a:spcAft>
+                  <a:spcPct val="0"/>
+                </a:spcAft>
+                <a:buClr>
+                  <a:schemeClr val="bg2"/>
+                </a:buClr>
+                <a:buSzTx/>
+                <a:buFont typeface="Webdings" pitchFamily="18" charset="2"/>
+                <a:buNone/>
+                <a:tabLst/>
+              </a:pPr>
+              <a:endParaRPr kumimoji="0" lang="de-DE" sz="2000" b="0" i="0" u="none" strike="noStrike" cap="none" normalizeH="0" baseline="0" smtClean="0">
+                <a:ln>
+                  <a:noFill/>
+                </a:ln>
+                <a:solidFill>
+                  <a:schemeClr val="tx1"/>
+                </a:solidFill>
+                <a:effectLst/>
+                <a:latin typeface="Arial" charset="0"/>
+              </a:endParaRPr>
+            </a:p>
+          </p:txBody>
+        </p:sp>
+        <p:sp>
+          <p:nvSpPr>
+            <p:cNvPr id="20" name="Textfeld 19"/>
+            <p:cNvSpPr txBox="1"/>
+            <p:nvPr/>
+          </p:nvSpPr>
+          <p:spPr>
+            <a:xfrm rot="20690411">
+              <a:off x="5278649" y="2421351"/>
+              <a:ext cx="2159955" cy="964880"/>
+            </a:xfrm>
+            <a:prstGeom prst="rect">
+              <a:avLst/>
+            </a:prstGeom>
+            <a:noFill/>
+          </p:spPr>
+          <p:txBody>
+            <a:bodyPr wrap="square" rtlCol="0">
+              <a:spAutoFit/>
+            </a:bodyPr>
+            <a:lstStyle/>
+            <a:p>
+              <a:pPr algn="ctr"/>
+              <a:r>
+                <a:rPr lang="de-DE" sz="1050" dirty="0" smtClean="0">
+                  <a:solidFill>
+                    <a:srgbClr val="1293B5"/>
+                  </a:solidFill>
+                  <a:latin typeface="Arial" panose="020B0604020202020204" pitchFamily="34" charset="0"/>
+                  <a:cs typeface="Arial" panose="020B0604020202020204" pitchFamily="34" charset="0"/>
+                </a:rPr>
+                <a:t>Wir sind Austeller und </a:t>
+              </a:r>
+            </a:p>
+            <a:p>
+              <a:pPr algn="ctr"/>
+              <a:r>
+                <a:rPr lang="de-DE" sz="1050" b="1" dirty="0" smtClean="0">
+                  <a:solidFill>
+                    <a:srgbClr val="1293B5"/>
+                  </a:solidFill>
+                  <a:latin typeface="Arial" panose="020B0604020202020204" pitchFamily="34" charset="0"/>
+                  <a:cs typeface="Arial" panose="020B0604020202020204" pitchFamily="34" charset="0"/>
+                </a:rPr>
+                <a:t>Bronze Partner</a:t>
+              </a:r>
+              <a:r>
+                <a:rPr lang="de-DE" sz="1050" dirty="0" smtClean="0">
+                  <a:solidFill>
+                    <a:srgbClr val="1293B5"/>
+                  </a:solidFill>
+                  <a:latin typeface="Arial" panose="020B0604020202020204" pitchFamily="34" charset="0"/>
+                  <a:cs typeface="Arial" panose="020B0604020202020204" pitchFamily="34" charset="0"/>
+                </a:rPr>
+                <a:t> der JCON.</a:t>
+              </a:r>
+            </a:p>
+            <a:p>
+              <a:pPr algn="ctr"/>
+              <a:endParaRPr lang="de-DE" sz="600" dirty="0" smtClean="0">
+                <a:solidFill>
+                  <a:srgbClr val="1293B5"/>
+                </a:solidFill>
+                <a:latin typeface="Arial" panose="020B0604020202020204" pitchFamily="34" charset="0"/>
+                <a:cs typeface="Arial" panose="020B0604020202020204" pitchFamily="34" charset="0"/>
+              </a:endParaRPr>
+            </a:p>
+            <a:p>
+              <a:pPr algn="ctr"/>
+              <a:r>
+                <a:rPr lang="de-DE" sz="1050" dirty="0" smtClean="0">
+                  <a:solidFill>
+                    <a:srgbClr val="1293B5"/>
+                  </a:solidFill>
+                  <a:latin typeface="Arial" panose="020B0604020202020204" pitchFamily="34" charset="0"/>
+                  <a:cs typeface="Arial" panose="020B0604020202020204" pitchFamily="34" charset="0"/>
+                </a:rPr>
+                <a:t>Treffen Sie uns – treffen </a:t>
+              </a:r>
+            </a:p>
+            <a:p>
+              <a:pPr algn="ctr"/>
+              <a:r>
+                <a:rPr lang="de-DE" sz="1050" dirty="0" smtClean="0">
+                  <a:solidFill>
+                    <a:srgbClr val="1293B5"/>
+                  </a:solidFill>
+                  <a:latin typeface="Arial" panose="020B0604020202020204" pitchFamily="34" charset="0"/>
+                  <a:cs typeface="Arial" panose="020B0604020202020204" pitchFamily="34" charset="0"/>
+                </a:rPr>
+                <a:t>Sie unsere Experten.</a:t>
+              </a:r>
+              <a:endParaRPr lang="de-DE" sz="1050" dirty="0">
+                <a:solidFill>
+                  <a:srgbClr val="1293B5"/>
+                </a:solidFill>
+                <a:latin typeface="Arial" panose="020B0604020202020204" pitchFamily="34" charset="0"/>
+                <a:cs typeface="Arial" panose="020B0604020202020204" pitchFamily="34" charset="0"/>
+              </a:endParaRPr>
+            </a:p>
+          </p:txBody>
+        </p:sp>
+      </p:grpSp>
+    </p:spTree>
+    <p:extLst>
+      <p:ext uri="{BB962C8B-B14F-4D97-AF65-F5344CB8AC3E}">
+        <p14:creationId xmlns:p14="http://schemas.microsoft.com/office/powerpoint/2010/main" val="4070213873"/>
+      </p:ext>
+    </p:extLst>
+  </p:cSld>
+  <p:clrMapOvr>
+    <a:masterClrMapping/>
+  </p:clrMapOvr>
+  <p:transition spd="slow" advClick="0" advTm="10000">
+    <p:push/>
+  </p:transition>
+  <p:timing>
+    <p:tnLst>
+      <p:par>
+        <p:cTn id="1" dur="indefinite" restart="never" nodeType="tmRoot">
+          <p:childTnLst>
+            <p:seq concurrent="1" nextAc="seek">
+              <p:cTn id="2" dur="indefinite" nodeType="mainSeq">
+                <p:childTnLst>
+                  <p:par>
+                    <p:cTn id="3" fill="hold">
+                      <p:stCondLst>
+                        <p:cond delay="indefinite"/>
+                        <p:cond evt="onBegin" delay="0">
+                          <p:tn val="2"/>
+                        </p:cond>
+                      </p:stCondLst>
+                      <p:childTnLst>
+                        <p:par>
+                          <p:cTn id="4" fill="hold">
+                            <p:stCondLst>
+                              <p:cond delay="0"/>
+                            </p:stCondLst>
+                            <p:childTnLst>
+                              <p:par>
+                                <p:cTn id="5" presetID="2" presetClass="entr" presetSubtype="2" fill="hold" grpId="0" nodeType="afterEffect">
+                                  <p:stCondLst>
+                                    <p:cond delay="2000"/>
+                                  </p:stCondLst>
+                                  <p:childTnLst>
+                                    <p:set>
+                                      <p:cBhvr>
+                                        <p:cTn id="6" dur="1" fill="hold">
+                                          <p:stCondLst>
+                                            <p:cond delay="0"/>
+                                          </p:stCondLst>
+                                        </p:cTn>
+                                        <p:tgtEl>
+                                          <p:spTgt spid="13"/>
+                                        </p:tgtEl>
+                                        <p:attrNameLst>
+                                          <p:attrName>style.visibility</p:attrName>
+                                        </p:attrNameLst>
+                                      </p:cBhvr>
+                                      <p:to>
+                                        <p:strVal val="visible"/>
+                                      </p:to>
+                                    </p:set>
+                                    <p:anim calcmode="lin" valueType="num">
+                                      <p:cBhvr additive="base">
+                                        <p:cTn id="7" dur="500" fill="hold"/>
+                                        <p:tgtEl>
+                                          <p:spTgt spid="13"/>
+                                        </p:tgtEl>
+                                        <p:attrNameLst>
+                                          <p:attrName>ppt_x</p:attrName>
+                                        </p:attrNameLst>
+                                      </p:cBhvr>
+                                      <p:tavLst>
+                                        <p:tav tm="0">
+                                          <p:val>
+                                            <p:strVal val="1+#ppt_w/2"/>
+                                          </p:val>
+                                        </p:tav>
+                                        <p:tav tm="100000">
+                                          <p:val>
+                                            <p:strVal val="#ppt_x"/>
+                                          </p:val>
+                                        </p:tav>
+                                      </p:tavLst>
+                                    </p:anim>
+                                    <p:anim calcmode="lin" valueType="num">
+                                      <p:cBhvr additive="base">
+                                        <p:cTn id="8" dur="500" fill="hold"/>
+                                        <p:tgtEl>
+                                          <p:spTgt spid="13"/>
+                                        </p:tgtEl>
+                                        <p:attrNameLst>
+                                          <p:attrName>ppt_y</p:attrName>
+                                        </p:attrNameLst>
+                                      </p:cBhvr>
+                                      <p:tavLst>
+                                        <p:tav tm="0">
+                                          <p:val>
+                                            <p:strVal val="#ppt_y"/>
+                                          </p:val>
+                                        </p:tav>
+                                        <p:tav tm="100000">
+                                          <p:val>
+                                            <p:strVal val="#ppt_y"/>
+                                          </p:val>
+                                        </p:tav>
+                                      </p:tavLst>
+                                    </p:anim>
+                                  </p:childTnLst>
+                                </p:cTn>
+                              </p:par>
+                            </p:childTnLst>
+                          </p:cTn>
+                        </p:par>
+                      </p:childTnLst>
+                    </p:cTn>
+                  </p:par>
+                </p:childTnLst>
+              </p:cTn>
+              <p:prevCondLst>
+                <p:cond evt="onPrev" delay="0">
+                  <p:tgtEl>
+                    <p:sldTgt/>
+                  </p:tgtEl>
+                </p:cond>
+              </p:prevCondLst>
+              <p:nextCondLst>
+                <p:cond evt="onNext" delay="0">
+                  <p:tgtEl>
+                    <p:sldTgt/>
+                  </p:tgtEl>
+                </p:cond>
+              </p:nextCondLst>
+            </p:seq>
+          </p:childTnLst>
+        </p:cTn>
+      </p:par>
+    </p:tnLst>
+    <p:bldLst>
+      <p:bldP spid="13" grpId="0" animBg="1"/>
     </p:bldLst>
   </p:timing>
 </p:sld>
